--- a/人事管理.pptx
+++ b/人事管理.pptx
@@ -5,7 +5,7 @@
     <p:sldMasterId id="2147483648" r:id="rId1"/>
   </p:sldMasterIdLst>
   <p:notesMasterIdLst>
-    <p:notesMasterId r:id="rId8"/>
+    <p:notesMasterId r:id="rId13"/>
   </p:notesMasterIdLst>
   <p:sldIdLst>
     <p:sldId id="256" r:id="rId2"/>
@@ -14,6 +14,11 @@
     <p:sldId id="259" r:id="rId5"/>
     <p:sldId id="260" r:id="rId6"/>
     <p:sldId id="261" r:id="rId7"/>
+    <p:sldId id="262" r:id="rId8"/>
+    <p:sldId id="263" r:id="rId9"/>
+    <p:sldId id="264" r:id="rId10"/>
+    <p:sldId id="265" r:id="rId11"/>
+    <p:sldId id="266" r:id="rId12"/>
   </p:sldIdLst>
   <p:sldSz cx="12192000" cy="6858000"/>
   <p:notesSz cx="6858000" cy="9144000"/>
@@ -202,7 +207,7 @@
           <a:p>
             <a:fld id="{FCBBC32F-BC28-4221-B6FF-D78B62618E79}" type="datetimeFigureOut">
               <a:rPr lang="zh-TW" altLang="en-US" smtClean="0"/>
-              <a:t>2022/1/23</a:t>
+              <a:t>2022/1/24</a:t>
             </a:fld>
             <a:endParaRPr lang="zh-TW" altLang="en-US"/>
           </a:p>
@@ -266,38 +271,37 @@
           <a:p>
             <a:pPr lvl="0"/>
             <a:r>
-              <a:rPr lang="zh-TW" altLang="en-US" smtClean="0"/>
+              <a:rPr lang="zh-TW" altLang="en-US"/>
               <a:t>編輯母片文字樣式</a:t>
             </a:r>
           </a:p>
           <a:p>
             <a:pPr lvl="1"/>
             <a:r>
-              <a:rPr lang="zh-TW" altLang="en-US" smtClean="0"/>
+              <a:rPr lang="zh-TW" altLang="en-US"/>
               <a:t>第二層</a:t>
             </a:r>
           </a:p>
           <a:p>
             <a:pPr lvl="2"/>
             <a:r>
-              <a:rPr lang="zh-TW" altLang="en-US" smtClean="0"/>
+              <a:rPr lang="zh-TW" altLang="en-US"/>
               <a:t>第三層</a:t>
             </a:r>
           </a:p>
           <a:p>
             <a:pPr lvl="3"/>
             <a:r>
-              <a:rPr lang="zh-TW" altLang="en-US" smtClean="0"/>
+              <a:rPr lang="zh-TW" altLang="en-US"/>
               <a:t>第四層</a:t>
             </a:r>
           </a:p>
           <a:p>
             <a:pPr lvl="4"/>
             <a:r>
-              <a:rPr lang="zh-TW" altLang="en-US" smtClean="0"/>
+              <a:rPr lang="zh-TW" altLang="en-US"/>
               <a:t>第五層</a:t>
             </a:r>
-            <a:endParaRPr lang="zh-TW" altLang="en-US"/>
           </a:p>
         </p:txBody>
       </p:sp>
@@ -554,6 +558,174 @@
 </p:notes>
 </file>
 
+<file path=ppt/notesSlides/notesSlide10.xml><?xml version="1.0" encoding="utf-8"?>
+<p:notes xmlns:a="http://schemas.openxmlformats.org/drawingml/2006/main" xmlns:r="http://schemas.openxmlformats.org/officeDocument/2006/relationships" xmlns:p="http://schemas.openxmlformats.org/presentationml/2006/main">
+  <p:cSld>
+    <p:spTree>
+      <p:nvGrpSpPr>
+        <p:cNvPr id="1" name=""/>
+        <p:cNvGrpSpPr/>
+        <p:nvPr/>
+      </p:nvGrpSpPr>
+      <p:grpSpPr>
+        <a:xfrm>
+          <a:off x="0" y="0"/>
+          <a:ext cx="0" cy="0"/>
+          <a:chOff x="0" y="0"/>
+          <a:chExt cx="0" cy="0"/>
+        </a:xfrm>
+      </p:grpSpPr>
+      <p:sp>
+        <p:nvSpPr>
+          <p:cNvPr id="2" name="投影片圖像版面配置區 1"/>
+          <p:cNvSpPr>
+            <a:spLocks noGrp="1" noRot="1" noChangeAspect="1"/>
+          </p:cNvSpPr>
+          <p:nvPr>
+            <p:ph type="sldImg"/>
+          </p:nvPr>
+        </p:nvSpPr>
+        <p:spPr/>
+      </p:sp>
+      <p:sp>
+        <p:nvSpPr>
+          <p:cNvPr id="3" name="備忘稿版面配置區 2"/>
+          <p:cNvSpPr>
+            <a:spLocks noGrp="1"/>
+          </p:cNvSpPr>
+          <p:nvPr>
+            <p:ph type="body" idx="1"/>
+          </p:nvPr>
+        </p:nvSpPr>
+        <p:spPr/>
+        <p:txBody>
+          <a:bodyPr/>
+          <a:lstStyle/>
+          <a:p>
+            <a:endParaRPr lang="zh-TW" altLang="en-US" dirty="0"/>
+          </a:p>
+        </p:txBody>
+      </p:sp>
+      <p:sp>
+        <p:nvSpPr>
+          <p:cNvPr id="4" name="投影片編號版面配置區 3"/>
+          <p:cNvSpPr>
+            <a:spLocks noGrp="1"/>
+          </p:cNvSpPr>
+          <p:nvPr>
+            <p:ph type="sldNum" sz="quarter" idx="10"/>
+          </p:nvPr>
+        </p:nvSpPr>
+        <p:spPr/>
+        <p:txBody>
+          <a:bodyPr/>
+          <a:lstStyle/>
+          <a:p>
+            <a:fld id="{FB9C1CDC-CB3F-4C6F-802F-7C071E69026E}" type="slidenum">
+              <a:rPr lang="zh-TW" altLang="en-US" smtClean="0"/>
+              <a:t>10</a:t>
+            </a:fld>
+            <a:endParaRPr lang="zh-TW" altLang="en-US"/>
+          </a:p>
+        </p:txBody>
+      </p:sp>
+    </p:spTree>
+    <p:extLst>
+      <p:ext uri="{BB962C8B-B14F-4D97-AF65-F5344CB8AC3E}">
+        <p14:creationId xmlns:p14="http://schemas.microsoft.com/office/powerpoint/2010/main" val="2688199360"/>
+      </p:ext>
+    </p:extLst>
+  </p:cSld>
+  <p:clrMapOvr>
+    <a:masterClrMapping/>
+  </p:clrMapOvr>
+</p:notes>
+</file>
+
+<file path=ppt/notesSlides/notesSlide11.xml><?xml version="1.0" encoding="utf-8"?>
+<p:notes xmlns:a="http://schemas.openxmlformats.org/drawingml/2006/main" xmlns:r="http://schemas.openxmlformats.org/officeDocument/2006/relationships" xmlns:p="http://schemas.openxmlformats.org/presentationml/2006/main">
+  <p:cSld>
+    <p:spTree>
+      <p:nvGrpSpPr>
+        <p:cNvPr id="1" name=""/>
+        <p:cNvGrpSpPr/>
+        <p:nvPr/>
+      </p:nvGrpSpPr>
+      <p:grpSpPr>
+        <a:xfrm>
+          <a:off x="0" y="0"/>
+          <a:ext cx="0" cy="0"/>
+          <a:chOff x="0" y="0"/>
+          <a:chExt cx="0" cy="0"/>
+        </a:xfrm>
+      </p:grpSpPr>
+      <p:sp>
+        <p:nvSpPr>
+          <p:cNvPr id="2" name="投影片圖像版面配置區 1"/>
+          <p:cNvSpPr>
+            <a:spLocks noGrp="1" noRot="1" noChangeAspect="1"/>
+          </p:cNvSpPr>
+          <p:nvPr>
+            <p:ph type="sldImg"/>
+          </p:nvPr>
+        </p:nvSpPr>
+        <p:spPr/>
+      </p:sp>
+      <p:sp>
+        <p:nvSpPr>
+          <p:cNvPr id="3" name="備忘稿版面配置區 2"/>
+          <p:cNvSpPr>
+            <a:spLocks noGrp="1"/>
+          </p:cNvSpPr>
+          <p:nvPr>
+            <p:ph type="body" idx="1"/>
+          </p:nvPr>
+        </p:nvSpPr>
+        <p:spPr/>
+        <p:txBody>
+          <a:bodyPr/>
+          <a:lstStyle/>
+          <a:p>
+            <a:endParaRPr lang="zh-TW" altLang="en-US" dirty="0"/>
+          </a:p>
+        </p:txBody>
+      </p:sp>
+      <p:sp>
+        <p:nvSpPr>
+          <p:cNvPr id="4" name="投影片編號版面配置區 3"/>
+          <p:cNvSpPr>
+            <a:spLocks noGrp="1"/>
+          </p:cNvSpPr>
+          <p:nvPr>
+            <p:ph type="sldNum" sz="quarter" idx="10"/>
+          </p:nvPr>
+        </p:nvSpPr>
+        <p:spPr/>
+        <p:txBody>
+          <a:bodyPr/>
+          <a:lstStyle/>
+          <a:p>
+            <a:fld id="{FB9C1CDC-CB3F-4C6F-802F-7C071E69026E}" type="slidenum">
+              <a:rPr lang="zh-TW" altLang="en-US" smtClean="0"/>
+              <a:t>11</a:t>
+            </a:fld>
+            <a:endParaRPr lang="zh-TW" altLang="en-US"/>
+          </a:p>
+        </p:txBody>
+      </p:sp>
+    </p:spTree>
+    <p:extLst>
+      <p:ext uri="{BB962C8B-B14F-4D97-AF65-F5344CB8AC3E}">
+        <p14:creationId xmlns:p14="http://schemas.microsoft.com/office/powerpoint/2010/main" val="2217665932"/>
+      </p:ext>
+    </p:extLst>
+  </p:cSld>
+  <p:clrMapOvr>
+    <a:masterClrMapping/>
+  </p:clrMapOvr>
+</p:notes>
+</file>
+
 <file path=ppt/notesSlides/notesSlide2.xml><?xml version="1.0" encoding="utf-8"?>
 <p:notes xmlns:a="http://schemas.openxmlformats.org/drawingml/2006/main" xmlns:r="http://schemas.openxmlformats.org/officeDocument/2006/relationships" xmlns:p="http://schemas.openxmlformats.org/presentationml/2006/main">
   <p:cSld>
@@ -974,6 +1146,258 @@
 </p:notes>
 </file>
 
+<file path=ppt/notesSlides/notesSlide7.xml><?xml version="1.0" encoding="utf-8"?>
+<p:notes xmlns:a="http://schemas.openxmlformats.org/drawingml/2006/main" xmlns:r="http://schemas.openxmlformats.org/officeDocument/2006/relationships" xmlns:p="http://schemas.openxmlformats.org/presentationml/2006/main">
+  <p:cSld>
+    <p:spTree>
+      <p:nvGrpSpPr>
+        <p:cNvPr id="1" name=""/>
+        <p:cNvGrpSpPr/>
+        <p:nvPr/>
+      </p:nvGrpSpPr>
+      <p:grpSpPr>
+        <a:xfrm>
+          <a:off x="0" y="0"/>
+          <a:ext cx="0" cy="0"/>
+          <a:chOff x="0" y="0"/>
+          <a:chExt cx="0" cy="0"/>
+        </a:xfrm>
+      </p:grpSpPr>
+      <p:sp>
+        <p:nvSpPr>
+          <p:cNvPr id="2" name="投影片圖像版面配置區 1"/>
+          <p:cNvSpPr>
+            <a:spLocks noGrp="1" noRot="1" noChangeAspect="1"/>
+          </p:cNvSpPr>
+          <p:nvPr>
+            <p:ph type="sldImg"/>
+          </p:nvPr>
+        </p:nvSpPr>
+        <p:spPr/>
+      </p:sp>
+      <p:sp>
+        <p:nvSpPr>
+          <p:cNvPr id="3" name="備忘稿版面配置區 2"/>
+          <p:cNvSpPr>
+            <a:spLocks noGrp="1"/>
+          </p:cNvSpPr>
+          <p:nvPr>
+            <p:ph type="body" idx="1"/>
+          </p:nvPr>
+        </p:nvSpPr>
+        <p:spPr/>
+        <p:txBody>
+          <a:bodyPr/>
+          <a:lstStyle/>
+          <a:p>
+            <a:endParaRPr lang="zh-TW" altLang="en-US" dirty="0"/>
+          </a:p>
+        </p:txBody>
+      </p:sp>
+      <p:sp>
+        <p:nvSpPr>
+          <p:cNvPr id="4" name="投影片編號版面配置區 3"/>
+          <p:cNvSpPr>
+            <a:spLocks noGrp="1"/>
+          </p:cNvSpPr>
+          <p:nvPr>
+            <p:ph type="sldNum" sz="quarter" idx="10"/>
+          </p:nvPr>
+        </p:nvSpPr>
+        <p:spPr/>
+        <p:txBody>
+          <a:bodyPr/>
+          <a:lstStyle/>
+          <a:p>
+            <a:fld id="{FB9C1CDC-CB3F-4C6F-802F-7C071E69026E}" type="slidenum">
+              <a:rPr lang="zh-TW" altLang="en-US" smtClean="0"/>
+              <a:t>7</a:t>
+            </a:fld>
+            <a:endParaRPr lang="zh-TW" altLang="en-US"/>
+          </a:p>
+        </p:txBody>
+      </p:sp>
+    </p:spTree>
+    <p:extLst>
+      <p:ext uri="{BB962C8B-B14F-4D97-AF65-F5344CB8AC3E}">
+        <p14:creationId xmlns:p14="http://schemas.microsoft.com/office/powerpoint/2010/main" val="2527355315"/>
+      </p:ext>
+    </p:extLst>
+  </p:cSld>
+  <p:clrMapOvr>
+    <a:masterClrMapping/>
+  </p:clrMapOvr>
+</p:notes>
+</file>
+
+<file path=ppt/notesSlides/notesSlide8.xml><?xml version="1.0" encoding="utf-8"?>
+<p:notes xmlns:a="http://schemas.openxmlformats.org/drawingml/2006/main" xmlns:r="http://schemas.openxmlformats.org/officeDocument/2006/relationships" xmlns:p="http://schemas.openxmlformats.org/presentationml/2006/main">
+  <p:cSld>
+    <p:spTree>
+      <p:nvGrpSpPr>
+        <p:cNvPr id="1" name=""/>
+        <p:cNvGrpSpPr/>
+        <p:nvPr/>
+      </p:nvGrpSpPr>
+      <p:grpSpPr>
+        <a:xfrm>
+          <a:off x="0" y="0"/>
+          <a:ext cx="0" cy="0"/>
+          <a:chOff x="0" y="0"/>
+          <a:chExt cx="0" cy="0"/>
+        </a:xfrm>
+      </p:grpSpPr>
+      <p:sp>
+        <p:nvSpPr>
+          <p:cNvPr id="2" name="投影片圖像版面配置區 1"/>
+          <p:cNvSpPr>
+            <a:spLocks noGrp="1" noRot="1" noChangeAspect="1"/>
+          </p:cNvSpPr>
+          <p:nvPr>
+            <p:ph type="sldImg"/>
+          </p:nvPr>
+        </p:nvSpPr>
+        <p:spPr/>
+      </p:sp>
+      <p:sp>
+        <p:nvSpPr>
+          <p:cNvPr id="3" name="備忘稿版面配置區 2"/>
+          <p:cNvSpPr>
+            <a:spLocks noGrp="1"/>
+          </p:cNvSpPr>
+          <p:nvPr>
+            <p:ph type="body" idx="1"/>
+          </p:nvPr>
+        </p:nvSpPr>
+        <p:spPr/>
+        <p:txBody>
+          <a:bodyPr/>
+          <a:lstStyle/>
+          <a:p>
+            <a:endParaRPr lang="zh-TW" altLang="en-US" dirty="0"/>
+          </a:p>
+        </p:txBody>
+      </p:sp>
+      <p:sp>
+        <p:nvSpPr>
+          <p:cNvPr id="4" name="投影片編號版面配置區 3"/>
+          <p:cNvSpPr>
+            <a:spLocks noGrp="1"/>
+          </p:cNvSpPr>
+          <p:nvPr>
+            <p:ph type="sldNum" sz="quarter" idx="10"/>
+          </p:nvPr>
+        </p:nvSpPr>
+        <p:spPr/>
+        <p:txBody>
+          <a:bodyPr/>
+          <a:lstStyle/>
+          <a:p>
+            <a:fld id="{FB9C1CDC-CB3F-4C6F-802F-7C071E69026E}" type="slidenum">
+              <a:rPr lang="zh-TW" altLang="en-US" smtClean="0"/>
+              <a:t>8</a:t>
+            </a:fld>
+            <a:endParaRPr lang="zh-TW" altLang="en-US"/>
+          </a:p>
+        </p:txBody>
+      </p:sp>
+    </p:spTree>
+    <p:extLst>
+      <p:ext uri="{BB962C8B-B14F-4D97-AF65-F5344CB8AC3E}">
+        <p14:creationId xmlns:p14="http://schemas.microsoft.com/office/powerpoint/2010/main" val="3832289375"/>
+      </p:ext>
+    </p:extLst>
+  </p:cSld>
+  <p:clrMapOvr>
+    <a:masterClrMapping/>
+  </p:clrMapOvr>
+</p:notes>
+</file>
+
+<file path=ppt/notesSlides/notesSlide9.xml><?xml version="1.0" encoding="utf-8"?>
+<p:notes xmlns:a="http://schemas.openxmlformats.org/drawingml/2006/main" xmlns:r="http://schemas.openxmlformats.org/officeDocument/2006/relationships" xmlns:p="http://schemas.openxmlformats.org/presentationml/2006/main">
+  <p:cSld>
+    <p:spTree>
+      <p:nvGrpSpPr>
+        <p:cNvPr id="1" name=""/>
+        <p:cNvGrpSpPr/>
+        <p:nvPr/>
+      </p:nvGrpSpPr>
+      <p:grpSpPr>
+        <a:xfrm>
+          <a:off x="0" y="0"/>
+          <a:ext cx="0" cy="0"/>
+          <a:chOff x="0" y="0"/>
+          <a:chExt cx="0" cy="0"/>
+        </a:xfrm>
+      </p:grpSpPr>
+      <p:sp>
+        <p:nvSpPr>
+          <p:cNvPr id="2" name="投影片圖像版面配置區 1"/>
+          <p:cNvSpPr>
+            <a:spLocks noGrp="1" noRot="1" noChangeAspect="1"/>
+          </p:cNvSpPr>
+          <p:nvPr>
+            <p:ph type="sldImg"/>
+          </p:nvPr>
+        </p:nvSpPr>
+        <p:spPr/>
+      </p:sp>
+      <p:sp>
+        <p:nvSpPr>
+          <p:cNvPr id="3" name="備忘稿版面配置區 2"/>
+          <p:cNvSpPr>
+            <a:spLocks noGrp="1"/>
+          </p:cNvSpPr>
+          <p:nvPr>
+            <p:ph type="body" idx="1"/>
+          </p:nvPr>
+        </p:nvSpPr>
+        <p:spPr/>
+        <p:txBody>
+          <a:bodyPr/>
+          <a:lstStyle/>
+          <a:p>
+            <a:endParaRPr lang="zh-TW" altLang="en-US" dirty="0"/>
+          </a:p>
+        </p:txBody>
+      </p:sp>
+      <p:sp>
+        <p:nvSpPr>
+          <p:cNvPr id="4" name="投影片編號版面配置區 3"/>
+          <p:cNvSpPr>
+            <a:spLocks noGrp="1"/>
+          </p:cNvSpPr>
+          <p:nvPr>
+            <p:ph type="sldNum" sz="quarter" idx="10"/>
+          </p:nvPr>
+        </p:nvSpPr>
+        <p:spPr/>
+        <p:txBody>
+          <a:bodyPr/>
+          <a:lstStyle/>
+          <a:p>
+            <a:fld id="{FB9C1CDC-CB3F-4C6F-802F-7C071E69026E}" type="slidenum">
+              <a:rPr lang="zh-TW" altLang="en-US" smtClean="0"/>
+              <a:t>9</a:t>
+            </a:fld>
+            <a:endParaRPr lang="zh-TW" altLang="en-US"/>
+          </a:p>
+        </p:txBody>
+      </p:sp>
+    </p:spTree>
+    <p:extLst>
+      <p:ext uri="{BB962C8B-B14F-4D97-AF65-F5344CB8AC3E}">
+        <p14:creationId xmlns:p14="http://schemas.microsoft.com/office/powerpoint/2010/main" val="3472107665"/>
+      </p:ext>
+    </p:extLst>
+  </p:cSld>
+  <p:clrMapOvr>
+    <a:masterClrMapping/>
+  </p:clrMapOvr>
+</p:notes>
+</file>
+
 <file path=ppt/slideLayouts/slideLayout1.xml><?xml version="1.0" encoding="utf-8"?>
 <p:sldLayout xmlns:a="http://schemas.openxmlformats.org/drawingml/2006/main" xmlns:r="http://schemas.openxmlformats.org/officeDocument/2006/relationships" xmlns:p="http://schemas.openxmlformats.org/presentationml/2006/main" type="title" preserve="1">
   <p:cSld name="標題投影片">
@@ -1016,10 +1440,9 @@
           </a:lstStyle>
           <a:p>
             <a:r>
-              <a:rPr lang="zh-TW" altLang="en-US" smtClean="0"/>
+              <a:rPr lang="zh-TW" altLang="en-US"/>
               <a:t>按一下以編輯母片標題樣式</a:t>
             </a:r>
-            <a:endParaRPr lang="zh-TW" altLang="en-US"/>
           </a:p>
         </p:txBody>
       </p:sp>
@@ -1081,10 +1504,9 @@
           </a:lstStyle>
           <a:p>
             <a:r>
-              <a:rPr lang="zh-TW" altLang="en-US" smtClean="0"/>
+              <a:rPr lang="zh-TW" altLang="en-US"/>
               <a:t>按一下以編輯母片副標題樣式</a:t>
             </a:r>
-            <a:endParaRPr lang="zh-TW" altLang="en-US"/>
           </a:p>
         </p:txBody>
       </p:sp>
@@ -1105,7 +1527,7 @@
           <a:p>
             <a:fld id="{87013262-28ED-4F8C-8558-DF4C8F8DE18F}" type="datetimeFigureOut">
               <a:rPr lang="zh-TW" altLang="en-US" smtClean="0"/>
-              <a:t>2022/1/23</a:t>
+              <a:t>2022/1/24</a:t>
             </a:fld>
             <a:endParaRPr lang="zh-TW" altLang="en-US"/>
           </a:p>
@@ -1199,10 +1621,9 @@
           <a:lstStyle/>
           <a:p>
             <a:r>
-              <a:rPr lang="zh-TW" altLang="en-US" smtClean="0"/>
+              <a:rPr lang="zh-TW" altLang="en-US"/>
               <a:t>按一下以編輯母片標題樣式</a:t>
             </a:r>
-            <a:endParaRPr lang="zh-TW" altLang="en-US"/>
           </a:p>
         </p:txBody>
       </p:sp>
@@ -1223,38 +1644,37 @@
           <a:p>
             <a:pPr lvl="0"/>
             <a:r>
-              <a:rPr lang="zh-TW" altLang="en-US" smtClean="0"/>
+              <a:rPr lang="zh-TW" altLang="en-US"/>
               <a:t>編輯母片文字樣式</a:t>
             </a:r>
           </a:p>
           <a:p>
             <a:pPr lvl="1"/>
             <a:r>
-              <a:rPr lang="zh-TW" altLang="en-US" smtClean="0"/>
+              <a:rPr lang="zh-TW" altLang="en-US"/>
               <a:t>第二層</a:t>
             </a:r>
           </a:p>
           <a:p>
             <a:pPr lvl="2"/>
             <a:r>
-              <a:rPr lang="zh-TW" altLang="en-US" smtClean="0"/>
+              <a:rPr lang="zh-TW" altLang="en-US"/>
               <a:t>第三層</a:t>
             </a:r>
           </a:p>
           <a:p>
             <a:pPr lvl="3"/>
             <a:r>
-              <a:rPr lang="zh-TW" altLang="en-US" smtClean="0"/>
+              <a:rPr lang="zh-TW" altLang="en-US"/>
               <a:t>第四層</a:t>
             </a:r>
           </a:p>
           <a:p>
             <a:pPr lvl="4"/>
             <a:r>
-              <a:rPr lang="zh-TW" altLang="en-US" smtClean="0"/>
+              <a:rPr lang="zh-TW" altLang="en-US"/>
               <a:t>第五層</a:t>
             </a:r>
-            <a:endParaRPr lang="zh-TW" altLang="en-US"/>
           </a:p>
         </p:txBody>
       </p:sp>
@@ -1275,7 +1695,7 @@
           <a:p>
             <a:fld id="{87013262-28ED-4F8C-8558-DF4C8F8DE18F}" type="datetimeFigureOut">
               <a:rPr lang="zh-TW" altLang="en-US" smtClean="0"/>
-              <a:t>2022/1/23</a:t>
+              <a:t>2022/1/24</a:t>
             </a:fld>
             <a:endParaRPr lang="zh-TW" altLang="en-US"/>
           </a:p>
@@ -1374,10 +1794,9 @@
           <a:lstStyle/>
           <a:p>
             <a:r>
-              <a:rPr lang="zh-TW" altLang="en-US" smtClean="0"/>
+              <a:rPr lang="zh-TW" altLang="en-US"/>
               <a:t>按一下以編輯母片標題樣式</a:t>
             </a:r>
-            <a:endParaRPr lang="zh-TW" altLang="en-US"/>
           </a:p>
         </p:txBody>
       </p:sp>
@@ -1403,38 +1822,37 @@
           <a:p>
             <a:pPr lvl="0"/>
             <a:r>
-              <a:rPr lang="zh-TW" altLang="en-US" smtClean="0"/>
+              <a:rPr lang="zh-TW" altLang="en-US"/>
               <a:t>編輯母片文字樣式</a:t>
             </a:r>
           </a:p>
           <a:p>
             <a:pPr lvl="1"/>
             <a:r>
-              <a:rPr lang="zh-TW" altLang="en-US" smtClean="0"/>
+              <a:rPr lang="zh-TW" altLang="en-US"/>
               <a:t>第二層</a:t>
             </a:r>
           </a:p>
           <a:p>
             <a:pPr lvl="2"/>
             <a:r>
-              <a:rPr lang="zh-TW" altLang="en-US" smtClean="0"/>
+              <a:rPr lang="zh-TW" altLang="en-US"/>
               <a:t>第三層</a:t>
             </a:r>
           </a:p>
           <a:p>
             <a:pPr lvl="3"/>
             <a:r>
-              <a:rPr lang="zh-TW" altLang="en-US" smtClean="0"/>
+              <a:rPr lang="zh-TW" altLang="en-US"/>
               <a:t>第四層</a:t>
             </a:r>
           </a:p>
           <a:p>
             <a:pPr lvl="4"/>
             <a:r>
-              <a:rPr lang="zh-TW" altLang="en-US" smtClean="0"/>
+              <a:rPr lang="zh-TW" altLang="en-US"/>
               <a:t>第五層</a:t>
             </a:r>
-            <a:endParaRPr lang="zh-TW" altLang="en-US"/>
           </a:p>
         </p:txBody>
       </p:sp>
@@ -1455,7 +1873,7 @@
           <a:p>
             <a:fld id="{87013262-28ED-4F8C-8558-DF4C8F8DE18F}" type="datetimeFigureOut">
               <a:rPr lang="zh-TW" altLang="en-US" smtClean="0"/>
-              <a:t>2022/1/23</a:t>
+              <a:t>2022/1/24</a:t>
             </a:fld>
             <a:endParaRPr lang="zh-TW" altLang="en-US"/>
           </a:p>
@@ -2356,10 +2774,9 @@
           <a:lstStyle/>
           <a:p>
             <a:r>
-              <a:rPr lang="zh-TW" altLang="en-US" smtClean="0"/>
+              <a:rPr lang="zh-TW" altLang="en-US"/>
               <a:t>按一下以編輯母片標題樣式</a:t>
             </a:r>
-            <a:endParaRPr lang="zh-TW" altLang="en-US"/>
           </a:p>
         </p:txBody>
       </p:sp>
@@ -2380,38 +2797,37 @@
           <a:p>
             <a:pPr lvl="0"/>
             <a:r>
-              <a:rPr lang="zh-TW" altLang="en-US" smtClean="0"/>
+              <a:rPr lang="zh-TW" altLang="en-US"/>
               <a:t>編輯母片文字樣式</a:t>
             </a:r>
           </a:p>
           <a:p>
             <a:pPr lvl="1"/>
             <a:r>
-              <a:rPr lang="zh-TW" altLang="en-US" smtClean="0"/>
+              <a:rPr lang="zh-TW" altLang="en-US"/>
               <a:t>第二層</a:t>
             </a:r>
           </a:p>
           <a:p>
             <a:pPr lvl="2"/>
             <a:r>
-              <a:rPr lang="zh-TW" altLang="en-US" smtClean="0"/>
+              <a:rPr lang="zh-TW" altLang="en-US"/>
               <a:t>第三層</a:t>
             </a:r>
           </a:p>
           <a:p>
             <a:pPr lvl="3"/>
             <a:r>
-              <a:rPr lang="zh-TW" altLang="en-US" smtClean="0"/>
+              <a:rPr lang="zh-TW" altLang="en-US"/>
               <a:t>第四層</a:t>
             </a:r>
           </a:p>
           <a:p>
             <a:pPr lvl="4"/>
             <a:r>
-              <a:rPr lang="zh-TW" altLang="en-US" smtClean="0"/>
+              <a:rPr lang="zh-TW" altLang="en-US"/>
               <a:t>第五層</a:t>
             </a:r>
-            <a:endParaRPr lang="zh-TW" altLang="en-US"/>
           </a:p>
         </p:txBody>
       </p:sp>
@@ -2432,7 +2848,7 @@
           <a:p>
             <a:fld id="{87013262-28ED-4F8C-8558-DF4C8F8DE18F}" type="datetimeFigureOut">
               <a:rPr lang="zh-TW" altLang="en-US" smtClean="0"/>
-              <a:t>2022/1/23</a:t>
+              <a:t>2022/1/24</a:t>
             </a:fld>
             <a:endParaRPr lang="zh-TW" altLang="en-US"/>
           </a:p>
@@ -2535,10 +2951,9 @@
           </a:lstStyle>
           <a:p>
             <a:r>
-              <a:rPr lang="zh-TW" altLang="en-US" smtClean="0"/>
+              <a:rPr lang="zh-TW" altLang="en-US"/>
               <a:t>按一下以編輯母片標題樣式</a:t>
             </a:r>
-            <a:endParaRPr lang="zh-TW" altLang="en-US"/>
           </a:p>
         </p:txBody>
       </p:sp>
@@ -2655,7 +3070,7 @@
           <a:p>
             <a:pPr lvl="0"/>
             <a:r>
-              <a:rPr lang="zh-TW" altLang="en-US" smtClean="0"/>
+              <a:rPr lang="zh-TW" altLang="en-US"/>
               <a:t>編輯母片文字樣式</a:t>
             </a:r>
           </a:p>
@@ -2678,7 +3093,7 @@
           <a:p>
             <a:fld id="{87013262-28ED-4F8C-8558-DF4C8F8DE18F}" type="datetimeFigureOut">
               <a:rPr lang="zh-TW" altLang="en-US" smtClean="0"/>
-              <a:t>2022/1/23</a:t>
+              <a:t>2022/1/24</a:t>
             </a:fld>
             <a:endParaRPr lang="zh-TW" altLang="en-US"/>
           </a:p>
@@ -2772,10 +3187,9 @@
           <a:lstStyle/>
           <a:p>
             <a:r>
-              <a:rPr lang="zh-TW" altLang="en-US" smtClean="0"/>
+              <a:rPr lang="zh-TW" altLang="en-US"/>
               <a:t>按一下以編輯母片標題樣式</a:t>
             </a:r>
-            <a:endParaRPr lang="zh-TW" altLang="en-US"/>
           </a:p>
         </p:txBody>
       </p:sp>
@@ -2801,38 +3215,37 @@
           <a:p>
             <a:pPr lvl="0"/>
             <a:r>
-              <a:rPr lang="zh-TW" altLang="en-US" smtClean="0"/>
+              <a:rPr lang="zh-TW" altLang="en-US"/>
               <a:t>編輯母片文字樣式</a:t>
             </a:r>
           </a:p>
           <a:p>
             <a:pPr lvl="1"/>
             <a:r>
-              <a:rPr lang="zh-TW" altLang="en-US" smtClean="0"/>
+              <a:rPr lang="zh-TW" altLang="en-US"/>
               <a:t>第二層</a:t>
             </a:r>
           </a:p>
           <a:p>
             <a:pPr lvl="2"/>
             <a:r>
-              <a:rPr lang="zh-TW" altLang="en-US" smtClean="0"/>
+              <a:rPr lang="zh-TW" altLang="en-US"/>
               <a:t>第三層</a:t>
             </a:r>
           </a:p>
           <a:p>
             <a:pPr lvl="3"/>
             <a:r>
-              <a:rPr lang="zh-TW" altLang="en-US" smtClean="0"/>
+              <a:rPr lang="zh-TW" altLang="en-US"/>
               <a:t>第四層</a:t>
             </a:r>
           </a:p>
           <a:p>
             <a:pPr lvl="4"/>
             <a:r>
-              <a:rPr lang="zh-TW" altLang="en-US" smtClean="0"/>
+              <a:rPr lang="zh-TW" altLang="en-US"/>
               <a:t>第五層</a:t>
             </a:r>
-            <a:endParaRPr lang="zh-TW" altLang="en-US"/>
           </a:p>
         </p:txBody>
       </p:sp>
@@ -2858,38 +3271,37 @@
           <a:p>
             <a:pPr lvl="0"/>
             <a:r>
-              <a:rPr lang="zh-TW" altLang="en-US" smtClean="0"/>
+              <a:rPr lang="zh-TW" altLang="en-US"/>
               <a:t>編輯母片文字樣式</a:t>
             </a:r>
           </a:p>
           <a:p>
             <a:pPr lvl="1"/>
             <a:r>
-              <a:rPr lang="zh-TW" altLang="en-US" smtClean="0"/>
+              <a:rPr lang="zh-TW" altLang="en-US"/>
               <a:t>第二層</a:t>
             </a:r>
           </a:p>
           <a:p>
             <a:pPr lvl="2"/>
             <a:r>
-              <a:rPr lang="zh-TW" altLang="en-US" smtClean="0"/>
+              <a:rPr lang="zh-TW" altLang="en-US"/>
               <a:t>第三層</a:t>
             </a:r>
           </a:p>
           <a:p>
             <a:pPr lvl="3"/>
             <a:r>
-              <a:rPr lang="zh-TW" altLang="en-US" smtClean="0"/>
+              <a:rPr lang="zh-TW" altLang="en-US"/>
               <a:t>第四層</a:t>
             </a:r>
           </a:p>
           <a:p>
             <a:pPr lvl="4"/>
             <a:r>
-              <a:rPr lang="zh-TW" altLang="en-US" smtClean="0"/>
+              <a:rPr lang="zh-TW" altLang="en-US"/>
               <a:t>第五層</a:t>
             </a:r>
-            <a:endParaRPr lang="zh-TW" altLang="en-US"/>
           </a:p>
         </p:txBody>
       </p:sp>
@@ -2910,7 +3322,7 @@
           <a:p>
             <a:fld id="{87013262-28ED-4F8C-8558-DF4C8F8DE18F}" type="datetimeFigureOut">
               <a:rPr lang="zh-TW" altLang="en-US" smtClean="0"/>
-              <a:t>2022/1/23</a:t>
+              <a:t>2022/1/24</a:t>
             </a:fld>
             <a:endParaRPr lang="zh-TW" altLang="en-US"/>
           </a:p>
@@ -3009,10 +3421,9 @@
           <a:lstStyle/>
           <a:p>
             <a:r>
-              <a:rPr lang="zh-TW" altLang="en-US" smtClean="0"/>
+              <a:rPr lang="zh-TW" altLang="en-US"/>
               <a:t>按一下以編輯母片標題樣式</a:t>
             </a:r>
-            <a:endParaRPr lang="zh-TW" altLang="en-US"/>
           </a:p>
         </p:txBody>
       </p:sp>
@@ -3075,7 +3486,7 @@
           <a:p>
             <a:pPr lvl="0"/>
             <a:r>
-              <a:rPr lang="zh-TW" altLang="en-US" smtClean="0"/>
+              <a:rPr lang="zh-TW" altLang="en-US"/>
               <a:t>編輯母片文字樣式</a:t>
             </a:r>
           </a:p>
@@ -3103,38 +3514,37 @@
           <a:p>
             <a:pPr lvl="0"/>
             <a:r>
-              <a:rPr lang="zh-TW" altLang="en-US" smtClean="0"/>
+              <a:rPr lang="zh-TW" altLang="en-US"/>
               <a:t>編輯母片文字樣式</a:t>
             </a:r>
           </a:p>
           <a:p>
             <a:pPr lvl="1"/>
             <a:r>
-              <a:rPr lang="zh-TW" altLang="en-US" smtClean="0"/>
+              <a:rPr lang="zh-TW" altLang="en-US"/>
               <a:t>第二層</a:t>
             </a:r>
           </a:p>
           <a:p>
             <a:pPr lvl="2"/>
             <a:r>
-              <a:rPr lang="zh-TW" altLang="en-US" smtClean="0"/>
+              <a:rPr lang="zh-TW" altLang="en-US"/>
               <a:t>第三層</a:t>
             </a:r>
           </a:p>
           <a:p>
             <a:pPr lvl="3"/>
             <a:r>
-              <a:rPr lang="zh-TW" altLang="en-US" smtClean="0"/>
+              <a:rPr lang="zh-TW" altLang="en-US"/>
               <a:t>第四層</a:t>
             </a:r>
           </a:p>
           <a:p>
             <a:pPr lvl="4"/>
             <a:r>
-              <a:rPr lang="zh-TW" altLang="en-US" smtClean="0"/>
+              <a:rPr lang="zh-TW" altLang="en-US"/>
               <a:t>第五層</a:t>
             </a:r>
-            <a:endParaRPr lang="zh-TW" altLang="en-US"/>
           </a:p>
         </p:txBody>
       </p:sp>
@@ -3197,7 +3607,7 @@
           <a:p>
             <a:pPr lvl="0"/>
             <a:r>
-              <a:rPr lang="zh-TW" altLang="en-US" smtClean="0"/>
+              <a:rPr lang="zh-TW" altLang="en-US"/>
               <a:t>編輯母片文字樣式</a:t>
             </a:r>
           </a:p>
@@ -3225,38 +3635,37 @@
           <a:p>
             <a:pPr lvl="0"/>
             <a:r>
-              <a:rPr lang="zh-TW" altLang="en-US" smtClean="0"/>
+              <a:rPr lang="zh-TW" altLang="en-US"/>
               <a:t>編輯母片文字樣式</a:t>
             </a:r>
           </a:p>
           <a:p>
             <a:pPr lvl="1"/>
             <a:r>
-              <a:rPr lang="zh-TW" altLang="en-US" smtClean="0"/>
+              <a:rPr lang="zh-TW" altLang="en-US"/>
               <a:t>第二層</a:t>
             </a:r>
           </a:p>
           <a:p>
             <a:pPr lvl="2"/>
             <a:r>
-              <a:rPr lang="zh-TW" altLang="en-US" smtClean="0"/>
+              <a:rPr lang="zh-TW" altLang="en-US"/>
               <a:t>第三層</a:t>
             </a:r>
           </a:p>
           <a:p>
             <a:pPr lvl="3"/>
             <a:r>
-              <a:rPr lang="zh-TW" altLang="en-US" smtClean="0"/>
+              <a:rPr lang="zh-TW" altLang="en-US"/>
               <a:t>第四層</a:t>
             </a:r>
           </a:p>
           <a:p>
             <a:pPr lvl="4"/>
             <a:r>
-              <a:rPr lang="zh-TW" altLang="en-US" smtClean="0"/>
+              <a:rPr lang="zh-TW" altLang="en-US"/>
               <a:t>第五層</a:t>
             </a:r>
-            <a:endParaRPr lang="zh-TW" altLang="en-US"/>
           </a:p>
         </p:txBody>
       </p:sp>
@@ -3277,7 +3686,7 @@
           <a:p>
             <a:fld id="{87013262-28ED-4F8C-8558-DF4C8F8DE18F}" type="datetimeFigureOut">
               <a:rPr lang="zh-TW" altLang="en-US" smtClean="0"/>
-              <a:t>2022/1/23</a:t>
+              <a:t>2022/1/24</a:t>
             </a:fld>
             <a:endParaRPr lang="zh-TW" altLang="en-US"/>
           </a:p>
@@ -3371,10 +3780,9 @@
           <a:lstStyle/>
           <a:p>
             <a:r>
-              <a:rPr lang="zh-TW" altLang="en-US" smtClean="0"/>
+              <a:rPr lang="zh-TW" altLang="en-US"/>
               <a:t>按一下以編輯母片標題樣式</a:t>
             </a:r>
-            <a:endParaRPr lang="zh-TW" altLang="en-US"/>
           </a:p>
         </p:txBody>
       </p:sp>
@@ -3395,7 +3803,7 @@
           <a:p>
             <a:fld id="{87013262-28ED-4F8C-8558-DF4C8F8DE18F}" type="datetimeFigureOut">
               <a:rPr lang="zh-TW" altLang="en-US" smtClean="0"/>
-              <a:t>2022/1/23</a:t>
+              <a:t>2022/1/24</a:t>
             </a:fld>
             <a:endParaRPr lang="zh-TW" altLang="en-US"/>
           </a:p>
@@ -3490,7 +3898,7 @@
           <a:p>
             <a:fld id="{87013262-28ED-4F8C-8558-DF4C8F8DE18F}" type="datetimeFigureOut">
               <a:rPr lang="zh-TW" altLang="en-US" smtClean="0"/>
-              <a:t>2022/1/23</a:t>
+              <a:t>2022/1/24</a:t>
             </a:fld>
             <a:endParaRPr lang="zh-TW" altLang="en-US"/>
           </a:p>
@@ -3593,10 +4001,9 @@
           </a:lstStyle>
           <a:p>
             <a:r>
-              <a:rPr lang="zh-TW" altLang="en-US" smtClean="0"/>
+              <a:rPr lang="zh-TW" altLang="en-US"/>
               <a:t>按一下以編輯母片標題樣式</a:t>
             </a:r>
-            <a:endParaRPr lang="zh-TW" altLang="en-US"/>
           </a:p>
         </p:txBody>
       </p:sp>
@@ -3650,38 +4057,37 @@
           <a:p>
             <a:pPr lvl="0"/>
             <a:r>
-              <a:rPr lang="zh-TW" altLang="en-US" smtClean="0"/>
+              <a:rPr lang="zh-TW" altLang="en-US"/>
               <a:t>編輯母片文字樣式</a:t>
             </a:r>
           </a:p>
           <a:p>
             <a:pPr lvl="1"/>
             <a:r>
-              <a:rPr lang="zh-TW" altLang="en-US" smtClean="0"/>
+              <a:rPr lang="zh-TW" altLang="en-US"/>
               <a:t>第二層</a:t>
             </a:r>
           </a:p>
           <a:p>
             <a:pPr lvl="2"/>
             <a:r>
-              <a:rPr lang="zh-TW" altLang="en-US" smtClean="0"/>
+              <a:rPr lang="zh-TW" altLang="en-US"/>
               <a:t>第三層</a:t>
             </a:r>
           </a:p>
           <a:p>
             <a:pPr lvl="3"/>
             <a:r>
-              <a:rPr lang="zh-TW" altLang="en-US" smtClean="0"/>
+              <a:rPr lang="zh-TW" altLang="en-US"/>
               <a:t>第四層</a:t>
             </a:r>
           </a:p>
           <a:p>
             <a:pPr lvl="4"/>
             <a:r>
-              <a:rPr lang="zh-TW" altLang="en-US" smtClean="0"/>
+              <a:rPr lang="zh-TW" altLang="en-US"/>
               <a:t>第五層</a:t>
             </a:r>
-            <a:endParaRPr lang="zh-TW" altLang="en-US"/>
           </a:p>
         </p:txBody>
       </p:sp>
@@ -3744,7 +4150,7 @@
           <a:p>
             <a:pPr lvl="0"/>
             <a:r>
-              <a:rPr lang="zh-TW" altLang="en-US" smtClean="0"/>
+              <a:rPr lang="zh-TW" altLang="en-US"/>
               <a:t>編輯母片文字樣式</a:t>
             </a:r>
           </a:p>
@@ -3767,7 +4173,7 @@
           <a:p>
             <a:fld id="{87013262-28ED-4F8C-8558-DF4C8F8DE18F}" type="datetimeFigureOut">
               <a:rPr lang="zh-TW" altLang="en-US" smtClean="0"/>
-              <a:t>2022/1/23</a:t>
+              <a:t>2022/1/24</a:t>
             </a:fld>
             <a:endParaRPr lang="zh-TW" altLang="en-US"/>
           </a:p>
@@ -3870,10 +4276,9 @@
           </a:lstStyle>
           <a:p>
             <a:r>
-              <a:rPr lang="zh-TW" altLang="en-US" smtClean="0"/>
+              <a:rPr lang="zh-TW" altLang="en-US"/>
               <a:t>按一下以編輯母片標題樣式</a:t>
             </a:r>
-            <a:endParaRPr lang="zh-TW" altLang="en-US"/>
           </a:p>
         </p:txBody>
       </p:sp>
@@ -3997,7 +4402,7 @@
           <a:p>
             <a:pPr lvl="0"/>
             <a:r>
-              <a:rPr lang="zh-TW" altLang="en-US" smtClean="0"/>
+              <a:rPr lang="zh-TW" altLang="en-US"/>
               <a:t>編輯母片文字樣式</a:t>
             </a:r>
           </a:p>
@@ -4020,7 +4425,7 @@
           <a:p>
             <a:fld id="{87013262-28ED-4F8C-8558-DF4C8F8DE18F}" type="datetimeFigureOut">
               <a:rPr lang="zh-TW" altLang="en-US" smtClean="0"/>
-              <a:t>2022/1/23</a:t>
+              <a:t>2022/1/24</a:t>
             </a:fld>
             <a:endParaRPr lang="zh-TW" altLang="en-US"/>
           </a:p>
@@ -4129,10 +4534,9 @@
           <a:lstStyle/>
           <a:p>
             <a:r>
-              <a:rPr lang="zh-TW" altLang="en-US" smtClean="0"/>
+              <a:rPr lang="zh-TW" altLang="en-US"/>
               <a:t>按一下以編輯母片標題樣式</a:t>
             </a:r>
-            <a:endParaRPr lang="zh-TW" altLang="en-US"/>
           </a:p>
         </p:txBody>
       </p:sp>
@@ -4163,38 +4567,37 @@
           <a:p>
             <a:pPr lvl="0"/>
             <a:r>
-              <a:rPr lang="zh-TW" altLang="en-US" smtClean="0"/>
+              <a:rPr lang="zh-TW" altLang="en-US"/>
               <a:t>編輯母片文字樣式</a:t>
             </a:r>
           </a:p>
           <a:p>
             <a:pPr lvl="1"/>
             <a:r>
-              <a:rPr lang="zh-TW" altLang="en-US" smtClean="0"/>
+              <a:rPr lang="zh-TW" altLang="en-US"/>
               <a:t>第二層</a:t>
             </a:r>
           </a:p>
           <a:p>
             <a:pPr lvl="2"/>
             <a:r>
-              <a:rPr lang="zh-TW" altLang="en-US" smtClean="0"/>
+              <a:rPr lang="zh-TW" altLang="en-US"/>
               <a:t>第三層</a:t>
             </a:r>
           </a:p>
           <a:p>
             <a:pPr lvl="3"/>
             <a:r>
-              <a:rPr lang="zh-TW" altLang="en-US" smtClean="0"/>
+              <a:rPr lang="zh-TW" altLang="en-US"/>
               <a:t>第四層</a:t>
             </a:r>
           </a:p>
           <a:p>
             <a:pPr lvl="4"/>
             <a:r>
-              <a:rPr lang="zh-TW" altLang="en-US" smtClean="0"/>
+              <a:rPr lang="zh-TW" altLang="en-US"/>
               <a:t>第五層</a:t>
             </a:r>
-            <a:endParaRPr lang="zh-TW" altLang="en-US"/>
           </a:p>
         </p:txBody>
       </p:sp>
@@ -4233,7 +4636,7 @@
           <a:p>
             <a:fld id="{87013262-28ED-4F8C-8558-DF4C8F8DE18F}" type="datetimeFigureOut">
               <a:rPr lang="zh-TW" altLang="en-US" smtClean="0"/>
-              <a:t>2022/1/23</a:t>
+              <a:t>2022/1/24</a:t>
             </a:fld>
             <a:endParaRPr lang="zh-TW" altLang="en-US"/>
           </a:p>
@@ -4685,72 +5088,55 @@
           <a:lstStyle/>
           <a:p>
             <a:r>
-              <a:rPr lang="zh-TW" altLang="en-US" sz="3200" b="1" dirty="0" smtClean="0">
+              <a:rPr lang="zh-TW" altLang="en-US" sz="3200" b="1" dirty="0">
                 <a:solidFill>
                   <a:srgbClr val="39759D"/>
                 </a:solidFill>
                 <a:cs typeface="+mn-ea"/>
                 <a:sym typeface="+mn-lt"/>
               </a:rPr>
-              <a:t>履約</a:t>
-            </a:r>
-            <a:r>
-              <a:rPr lang="zh-TW" altLang="en-US" sz="3200" b="1" dirty="0" smtClean="0">
+              <a:t>履約系統</a:t>
+            </a:r>
+            <a:r>
+              <a:rPr lang="en-US" altLang="zh-TW" sz="3200" b="1" dirty="0">
                 <a:solidFill>
                   <a:srgbClr val="39759D"/>
                 </a:solidFill>
                 <a:cs typeface="+mn-ea"/>
                 <a:sym typeface="+mn-lt"/>
               </a:rPr>
-              <a:t>系統</a:t>
-            </a:r>
-            <a:r>
-              <a:rPr lang="en-US" altLang="zh-TW" sz="3200" b="1" dirty="0" smtClean="0">
+              <a:t>_</a:t>
+            </a:r>
+            <a:r>
+              <a:rPr lang="zh-TW" altLang="en-US" sz="3200" b="1" dirty="0">
                 <a:solidFill>
                   <a:srgbClr val="39759D"/>
                 </a:solidFill>
                 <a:cs typeface="+mn-ea"/>
                 <a:sym typeface="+mn-lt"/>
               </a:rPr>
-              <a:t>_</a:t>
-            </a:r>
-            <a:r>
-              <a:rPr lang="zh-TW" altLang="en-US" sz="3200" b="1" dirty="0" smtClean="0">
+              <a:t>人事管理</a:t>
+            </a:r>
+            <a:r>
+              <a:rPr lang="en-US" altLang="zh-TW" sz="3200" b="1" dirty="0">
                 <a:solidFill>
                   <a:srgbClr val="39759D"/>
                 </a:solidFill>
                 <a:cs typeface="+mn-ea"/>
                 <a:sym typeface="+mn-lt"/>
               </a:rPr>
-              <a:t>人事管理</a:t>
-            </a:r>
-            <a:r>
-              <a:rPr lang="en-US" altLang="zh-TW" sz="3200" b="1" dirty="0" smtClean="0">
+              <a:t>_</a:t>
+            </a:r>
+            <a:r>
+              <a:rPr lang="zh-TW" altLang="en-US" sz="3200" b="1" dirty="0">
                 <a:solidFill>
                   <a:srgbClr val="39759D"/>
                 </a:solidFill>
                 <a:cs typeface="+mn-ea"/>
                 <a:sym typeface="+mn-lt"/>
               </a:rPr>
-              <a:t>_</a:t>
-            </a:r>
-            <a:r>
-              <a:rPr lang="zh-TW" altLang="en-US" sz="3200" b="1" dirty="0" smtClean="0">
-                <a:solidFill>
-                  <a:srgbClr val="39759D"/>
-                </a:solidFill>
-                <a:cs typeface="+mn-ea"/>
-                <a:sym typeface="+mn-lt"/>
-              </a:rPr>
               <a:t>進入</a:t>
             </a:r>
-            <a:endParaRPr lang="zh-TW" altLang="en-US" sz="3200" b="1" dirty="0">
-              <a:solidFill>
-                <a:srgbClr val="39759D"/>
-              </a:solidFill>
-              <a:cs typeface="+mn-ea"/>
-              <a:sym typeface="+mn-lt"/>
-            </a:endParaRPr>
           </a:p>
         </p:txBody>
       </p:sp>
@@ -4900,23 +5286,19 @@
           <a:p>
             <a:pPr algn="l"/>
             <a:r>
-              <a:rPr lang="en-US" altLang="zh-TW" dirty="0" smtClean="0">
+              <a:rPr lang="en-US" altLang="zh-TW" dirty="0">
                 <a:cs typeface="+mn-ea"/>
                 <a:sym typeface="+mn-lt"/>
               </a:rPr>
               <a:t>1.</a:t>
             </a:r>
             <a:r>
-              <a:rPr lang="zh-TW" altLang="en-US" dirty="0" smtClean="0">
+              <a:rPr lang="zh-TW" altLang="en-US" dirty="0">
                 <a:cs typeface="+mn-ea"/>
                 <a:sym typeface="+mn-lt"/>
               </a:rPr>
               <a:t>點擊此處進入工程管理</a:t>
             </a:r>
-            <a:endParaRPr lang="zh-TW" altLang="en-US" dirty="0">
-              <a:cs typeface="+mn-ea"/>
-              <a:sym typeface="+mn-lt"/>
-            </a:endParaRPr>
           </a:p>
         </p:txBody>
       </p:sp>
@@ -4992,23 +5374,19 @@
           <a:p>
             <a:pPr algn="l"/>
             <a:r>
-              <a:rPr lang="en-US" altLang="zh-TW" dirty="0" smtClean="0">
+              <a:rPr lang="en-US" altLang="zh-TW" dirty="0">
                 <a:cs typeface="+mn-ea"/>
                 <a:sym typeface="+mn-lt"/>
               </a:rPr>
               <a:t>2.</a:t>
             </a:r>
             <a:r>
-              <a:rPr lang="zh-TW" altLang="en-US" dirty="0" smtClean="0">
+              <a:rPr lang="zh-TW" altLang="en-US" dirty="0">
                 <a:cs typeface="+mn-ea"/>
                 <a:sym typeface="+mn-lt"/>
               </a:rPr>
               <a:t>點擊玉設定標案的人事管理按鈕</a:t>
             </a:r>
-            <a:endParaRPr lang="zh-TW" altLang="en-US" dirty="0">
-              <a:cs typeface="+mn-ea"/>
-              <a:sym typeface="+mn-lt"/>
-            </a:endParaRPr>
           </a:p>
         </p:txBody>
       </p:sp>
@@ -5125,6 +5503,752 @@
 </p:sld>
 </file>
 
+<file path=ppt/slides/slide10.xml><?xml version="1.0" encoding="utf-8"?>
+<p:sld xmlns:a="http://schemas.openxmlformats.org/drawingml/2006/main" xmlns:r="http://schemas.openxmlformats.org/officeDocument/2006/relationships" xmlns:p="http://schemas.openxmlformats.org/presentationml/2006/main">
+  <p:cSld>
+    <p:spTree>
+      <p:nvGrpSpPr>
+        <p:cNvPr id="1" name=""/>
+        <p:cNvGrpSpPr/>
+        <p:nvPr/>
+      </p:nvGrpSpPr>
+      <p:grpSpPr>
+        <a:xfrm>
+          <a:off x="0" y="0"/>
+          <a:ext cx="0" cy="0"/>
+          <a:chOff x="0" y="0"/>
+          <a:chExt cx="0" cy="0"/>
+        </a:xfrm>
+      </p:grpSpPr>
+      <p:pic>
+        <p:nvPicPr>
+          <p:cNvPr id="4" name="圖片 3">
+            <a:extLst>
+              <a:ext uri="{FF2B5EF4-FFF2-40B4-BE49-F238E27FC236}">
+                <a16:creationId xmlns:a16="http://schemas.microsoft.com/office/drawing/2014/main" id="{43D3954F-80C2-474C-84F9-11CC1CF59492}"/>
+              </a:ext>
+            </a:extLst>
+          </p:cNvPr>
+          <p:cNvPicPr>
+            <a:picLocks noChangeAspect="1"/>
+          </p:cNvPicPr>
+          <p:nvPr/>
+        </p:nvPicPr>
+        <p:blipFill>
+          <a:blip r:embed="rId3"/>
+          <a:stretch>
+            <a:fillRect/>
+          </a:stretch>
+        </p:blipFill>
+        <p:spPr>
+          <a:xfrm>
+            <a:off x="0" y="1667005"/>
+            <a:ext cx="12192000" cy="2002133"/>
+          </a:xfrm>
+          <a:prstGeom prst="rect">
+            <a:avLst/>
+          </a:prstGeom>
+        </p:spPr>
+      </p:pic>
+      <p:sp>
+        <p:nvSpPr>
+          <p:cNvPr id="5" name="矩形 4">
+            <a:extLst>
+              <a:ext uri="{FF2B5EF4-FFF2-40B4-BE49-F238E27FC236}">
+                <a16:creationId xmlns:a16="http://schemas.microsoft.com/office/drawing/2014/main" id="{739D8F48-B55E-49DA-9B62-82A3E38C6C22}"/>
+              </a:ext>
+            </a:extLst>
+          </p:cNvPr>
+          <p:cNvSpPr/>
+          <p:nvPr/>
+        </p:nvSpPr>
+        <p:spPr>
+          <a:xfrm>
+            <a:off x="37577" y="30746"/>
+            <a:ext cx="8558569" cy="665027"/>
+          </a:xfrm>
+          <a:prstGeom prst="rect">
+            <a:avLst/>
+          </a:prstGeom>
+          <a:noFill/>
+          <a:ln>
+            <a:noFill/>
+          </a:ln>
+        </p:spPr>
+        <p:style>
+          <a:lnRef idx="2">
+            <a:schemeClr val="accent1">
+              <a:shade val="50000"/>
+            </a:schemeClr>
+          </a:lnRef>
+          <a:fillRef idx="1">
+            <a:schemeClr val="accent1"/>
+          </a:fillRef>
+          <a:effectRef idx="0">
+            <a:schemeClr val="accent1"/>
+          </a:effectRef>
+          <a:fontRef idx="minor">
+            <a:schemeClr val="lt1"/>
+          </a:fontRef>
+        </p:style>
+        <p:txBody>
+          <a:bodyPr rtlCol="0" anchor="ctr"/>
+          <a:lstStyle/>
+          <a:p>
+            <a:r>
+              <a:rPr lang="zh-TW" altLang="en-US" sz="2800" b="1" dirty="0">
+                <a:solidFill>
+                  <a:srgbClr val="39759D"/>
+                </a:solidFill>
+                <a:cs typeface="+mn-ea"/>
+                <a:sym typeface="+mn-lt"/>
+              </a:rPr>
+              <a:t>履約系統</a:t>
+            </a:r>
+            <a:r>
+              <a:rPr lang="en-US" altLang="zh-TW" sz="2800" b="1" dirty="0">
+                <a:solidFill>
+                  <a:srgbClr val="39759D"/>
+                </a:solidFill>
+                <a:cs typeface="+mn-ea"/>
+                <a:sym typeface="+mn-lt"/>
+              </a:rPr>
+              <a:t>_</a:t>
+            </a:r>
+            <a:r>
+              <a:rPr lang="zh-TW" altLang="en-US" sz="2800" b="1" dirty="0">
+                <a:solidFill>
+                  <a:srgbClr val="39759D"/>
+                </a:solidFill>
+                <a:cs typeface="+mn-ea"/>
+                <a:sym typeface="+mn-lt"/>
+              </a:rPr>
+              <a:t>人事管理</a:t>
+            </a:r>
+            <a:r>
+              <a:rPr lang="en-US" altLang="zh-TW" sz="2800" b="1" dirty="0">
+                <a:solidFill>
+                  <a:srgbClr val="39759D"/>
+                </a:solidFill>
+                <a:cs typeface="+mn-ea"/>
+                <a:sym typeface="+mn-lt"/>
+              </a:rPr>
+              <a:t>_</a:t>
+            </a:r>
+            <a:r>
+              <a:rPr lang="zh-TW" altLang="en-US" sz="2800" b="1" dirty="0">
+                <a:solidFill>
+                  <a:srgbClr val="39759D"/>
+                </a:solidFill>
+                <a:cs typeface="+mn-ea"/>
+                <a:sym typeface="+mn-lt"/>
+              </a:rPr>
+              <a:t>指派耐震監督單位</a:t>
+            </a:r>
+          </a:p>
+        </p:txBody>
+      </p:sp>
+      <p:cxnSp>
+        <p:nvCxnSpPr>
+          <p:cNvPr id="6" name="直線接點 5">
+            <a:extLst>
+              <a:ext uri="{FF2B5EF4-FFF2-40B4-BE49-F238E27FC236}">
+                <a16:creationId xmlns:a16="http://schemas.microsoft.com/office/drawing/2014/main" id="{1CCC58A9-F8FF-419B-A67A-55D2B959D158}"/>
+              </a:ext>
+            </a:extLst>
+          </p:cNvPr>
+          <p:cNvCxnSpPr>
+            <a:cxnSpLocks/>
+          </p:cNvCxnSpPr>
+          <p:nvPr/>
+        </p:nvCxnSpPr>
+        <p:spPr>
+          <a:xfrm>
+            <a:off x="136200" y="695773"/>
+            <a:ext cx="8459946" cy="0"/>
+          </a:xfrm>
+          <a:prstGeom prst="line">
+            <a:avLst/>
+          </a:prstGeom>
+          <a:ln w="76200">
+            <a:solidFill>
+              <a:srgbClr val="39759D"/>
+            </a:solidFill>
+          </a:ln>
+        </p:spPr>
+        <p:style>
+          <a:lnRef idx="1">
+            <a:schemeClr val="accent1"/>
+          </a:lnRef>
+          <a:fillRef idx="0">
+            <a:schemeClr val="accent1"/>
+          </a:fillRef>
+          <a:effectRef idx="0">
+            <a:schemeClr val="accent1"/>
+          </a:effectRef>
+          <a:fontRef idx="minor">
+            <a:schemeClr val="tx1"/>
+          </a:fontRef>
+        </p:style>
+      </p:cxnSp>
+      <p:sp>
+        <p:nvSpPr>
+          <p:cNvPr id="10" name="矩形 9"/>
+          <p:cNvSpPr/>
+          <p:nvPr/>
+        </p:nvSpPr>
+        <p:spPr>
+          <a:xfrm>
+            <a:off x="136199" y="2231528"/>
+            <a:ext cx="11815851" cy="1184492"/>
+          </a:xfrm>
+          <a:prstGeom prst="rect">
+            <a:avLst/>
+          </a:prstGeom>
+          <a:noFill/>
+          <a:ln w="19050">
+            <a:solidFill>
+              <a:srgbClr val="FF0000"/>
+            </a:solidFill>
+          </a:ln>
+        </p:spPr>
+        <p:style>
+          <a:lnRef idx="2">
+            <a:schemeClr val="accent1">
+              <a:shade val="50000"/>
+            </a:schemeClr>
+          </a:lnRef>
+          <a:fillRef idx="1">
+            <a:schemeClr val="accent1"/>
+          </a:fillRef>
+          <a:effectRef idx="0">
+            <a:schemeClr val="accent1"/>
+          </a:effectRef>
+          <a:fontRef idx="minor">
+            <a:schemeClr val="lt1"/>
+          </a:fontRef>
+        </p:style>
+        <p:txBody>
+          <a:bodyPr rot="0" spcFirstLastPara="0" vertOverflow="overflow" horzOverflow="overflow" vert="horz" wrap="square" lIns="91440" tIns="45720" rIns="91440" bIns="45720" numCol="1" spcCol="0" rtlCol="0" fromWordArt="0" anchor="ctr" anchorCtr="0" forceAA="0" compatLnSpc="1">
+            <a:prstTxWarp prst="textNoShape">
+              <a:avLst/>
+            </a:prstTxWarp>
+            <a:noAutofit/>
+          </a:bodyPr>
+          <a:lstStyle/>
+          <a:p>
+            <a:pPr algn="ctr"/>
+            <a:endParaRPr lang="zh-TW" altLang="en-US"/>
+          </a:p>
+        </p:txBody>
+      </p:sp>
+      <p:sp>
+        <p:nvSpPr>
+          <p:cNvPr id="11" name="文字方塊 10"/>
+          <p:cNvSpPr txBox="1"/>
+          <p:nvPr/>
+        </p:nvSpPr>
+        <p:spPr>
+          <a:xfrm>
+            <a:off x="2853988" y="2208616"/>
+            <a:ext cx="6380273" cy="369332"/>
+          </a:xfrm>
+          <a:prstGeom prst="rect">
+            <a:avLst/>
+          </a:prstGeom>
+          <a:solidFill>
+            <a:schemeClr val="accent4">
+              <a:lumMod val="40000"/>
+              <a:lumOff val="60000"/>
+            </a:schemeClr>
+          </a:solidFill>
+          <a:ln>
+            <a:solidFill>
+              <a:srgbClr val="FF0000"/>
+            </a:solidFill>
+          </a:ln>
+        </p:spPr>
+        <p:txBody>
+          <a:bodyPr wrap="none" rtlCol="0">
+            <a:spAutoFit/>
+          </a:bodyPr>
+          <a:lstStyle/>
+          <a:p>
+            <a:pPr algn="ctr"/>
+            <a:r>
+              <a:rPr lang="zh-TW" altLang="en-US" dirty="0">
+                <a:cs typeface="+mn-ea"/>
+                <a:sym typeface="+mn-lt"/>
+              </a:rPr>
+              <a:t>耐震單位聯絡人於決標後模組</a:t>
+            </a:r>
+            <a:r>
+              <a:rPr lang="en-US" altLang="zh-TW" dirty="0">
+                <a:cs typeface="+mn-ea"/>
+                <a:sym typeface="+mn-lt"/>
+              </a:rPr>
+              <a:t>A5.6</a:t>
+            </a:r>
+            <a:r>
+              <a:rPr lang="zh-TW" altLang="en-US" dirty="0">
+                <a:cs typeface="+mn-ea"/>
+                <a:sym typeface="+mn-lt"/>
+              </a:rPr>
+              <a:t>簽訂契約流程指派後帶入</a:t>
+            </a:r>
+          </a:p>
+        </p:txBody>
+      </p:sp>
+      <p:sp>
+        <p:nvSpPr>
+          <p:cNvPr id="9" name="矩形 8">
+            <a:extLst>
+              <a:ext uri="{FF2B5EF4-FFF2-40B4-BE49-F238E27FC236}">
+                <a16:creationId xmlns:a16="http://schemas.microsoft.com/office/drawing/2014/main" id="{C48B3DA1-9956-4481-AE38-008D3FF4FF95}"/>
+              </a:ext>
+            </a:extLst>
+          </p:cNvPr>
+          <p:cNvSpPr/>
+          <p:nvPr/>
+        </p:nvSpPr>
+        <p:spPr>
+          <a:xfrm>
+            <a:off x="4565515" y="1763949"/>
+            <a:ext cx="862519" cy="214461"/>
+          </a:xfrm>
+          <a:prstGeom prst="rect">
+            <a:avLst/>
+          </a:prstGeom>
+          <a:noFill/>
+          <a:ln w="19050">
+            <a:solidFill>
+              <a:srgbClr val="FF0000"/>
+            </a:solidFill>
+          </a:ln>
+        </p:spPr>
+        <p:style>
+          <a:lnRef idx="2">
+            <a:schemeClr val="accent1">
+              <a:shade val="50000"/>
+            </a:schemeClr>
+          </a:lnRef>
+          <a:fillRef idx="1">
+            <a:schemeClr val="accent1"/>
+          </a:fillRef>
+          <a:effectRef idx="0">
+            <a:schemeClr val="accent1"/>
+          </a:effectRef>
+          <a:fontRef idx="minor">
+            <a:schemeClr val="lt1"/>
+          </a:fontRef>
+        </p:style>
+        <p:txBody>
+          <a:bodyPr rtlCol="0" anchor="ctr"/>
+          <a:lstStyle/>
+          <a:p>
+            <a:pPr algn="ctr"/>
+            <a:endParaRPr lang="zh-TW" altLang="en-US"/>
+          </a:p>
+        </p:txBody>
+      </p:sp>
+    </p:spTree>
+    <p:extLst>
+      <p:ext uri="{BB962C8B-B14F-4D97-AF65-F5344CB8AC3E}">
+        <p14:creationId xmlns:p14="http://schemas.microsoft.com/office/powerpoint/2010/main" val="2395425915"/>
+      </p:ext>
+    </p:extLst>
+  </p:cSld>
+  <p:clrMapOvr>
+    <a:masterClrMapping/>
+  </p:clrMapOvr>
+  <mc:AlternateContent xmlns:mc="http://schemas.openxmlformats.org/markup-compatibility/2006">
+    <mc:Choice xmlns:p14="http://schemas.microsoft.com/office/powerpoint/2010/main" Requires="p14">
+      <p:transition spd="slow" p14:dur="2000">
+        <p:cut/>
+      </p:transition>
+    </mc:Choice>
+    <mc:Fallback>
+      <p:transition spd="slow">
+        <p:cut/>
+      </p:transition>
+    </mc:Fallback>
+  </mc:AlternateContent>
+</p:sld>
+</file>
+
+<file path=ppt/slides/slide11.xml><?xml version="1.0" encoding="utf-8"?>
+<p:sld xmlns:a="http://schemas.openxmlformats.org/drawingml/2006/main" xmlns:r="http://schemas.openxmlformats.org/officeDocument/2006/relationships" xmlns:p="http://schemas.openxmlformats.org/presentationml/2006/main">
+  <p:cSld>
+    <p:spTree>
+      <p:nvGrpSpPr>
+        <p:cNvPr id="1" name=""/>
+        <p:cNvGrpSpPr/>
+        <p:nvPr/>
+      </p:nvGrpSpPr>
+      <p:grpSpPr>
+        <a:xfrm>
+          <a:off x="0" y="0"/>
+          <a:ext cx="0" cy="0"/>
+          <a:chOff x="0" y="0"/>
+          <a:chExt cx="0" cy="0"/>
+        </a:xfrm>
+      </p:grpSpPr>
+      <p:pic>
+        <p:nvPicPr>
+          <p:cNvPr id="3" name="圖片 2">
+            <a:extLst>
+              <a:ext uri="{FF2B5EF4-FFF2-40B4-BE49-F238E27FC236}">
+                <a16:creationId xmlns:a16="http://schemas.microsoft.com/office/drawing/2014/main" id="{5379DC35-CF3C-440B-B2FE-56B042DAC982}"/>
+              </a:ext>
+            </a:extLst>
+          </p:cNvPr>
+          <p:cNvPicPr>
+            <a:picLocks noChangeAspect="1"/>
+          </p:cNvPicPr>
+          <p:nvPr/>
+        </p:nvPicPr>
+        <p:blipFill>
+          <a:blip r:embed="rId3"/>
+          <a:stretch>
+            <a:fillRect/>
+          </a:stretch>
+        </p:blipFill>
+        <p:spPr>
+          <a:xfrm>
+            <a:off x="0" y="1760191"/>
+            <a:ext cx="12192000" cy="2027626"/>
+          </a:xfrm>
+          <a:prstGeom prst="rect">
+            <a:avLst/>
+          </a:prstGeom>
+        </p:spPr>
+      </p:pic>
+      <p:sp>
+        <p:nvSpPr>
+          <p:cNvPr id="5" name="矩形 4">
+            <a:extLst>
+              <a:ext uri="{FF2B5EF4-FFF2-40B4-BE49-F238E27FC236}">
+                <a16:creationId xmlns:a16="http://schemas.microsoft.com/office/drawing/2014/main" id="{739D8F48-B55E-49DA-9B62-82A3E38C6C22}"/>
+              </a:ext>
+            </a:extLst>
+          </p:cNvPr>
+          <p:cNvSpPr/>
+          <p:nvPr/>
+        </p:nvSpPr>
+        <p:spPr>
+          <a:xfrm>
+            <a:off x="37577" y="30746"/>
+            <a:ext cx="8558569" cy="665027"/>
+          </a:xfrm>
+          <a:prstGeom prst="rect">
+            <a:avLst/>
+          </a:prstGeom>
+          <a:noFill/>
+          <a:ln>
+            <a:noFill/>
+          </a:ln>
+        </p:spPr>
+        <p:style>
+          <a:lnRef idx="2">
+            <a:schemeClr val="accent1">
+              <a:shade val="50000"/>
+            </a:schemeClr>
+          </a:lnRef>
+          <a:fillRef idx="1">
+            <a:schemeClr val="accent1"/>
+          </a:fillRef>
+          <a:effectRef idx="0">
+            <a:schemeClr val="accent1"/>
+          </a:effectRef>
+          <a:fontRef idx="minor">
+            <a:schemeClr val="lt1"/>
+          </a:fontRef>
+        </p:style>
+        <p:txBody>
+          <a:bodyPr rtlCol="0" anchor="ctr"/>
+          <a:lstStyle/>
+          <a:p>
+            <a:r>
+              <a:rPr lang="zh-TW" altLang="en-US" sz="2800" b="1" dirty="0">
+                <a:solidFill>
+                  <a:srgbClr val="39759D"/>
+                </a:solidFill>
+                <a:cs typeface="+mn-ea"/>
+                <a:sym typeface="+mn-lt"/>
+              </a:rPr>
+              <a:t>履約系統</a:t>
+            </a:r>
+            <a:r>
+              <a:rPr lang="en-US" altLang="zh-TW" sz="2800" b="1" dirty="0">
+                <a:solidFill>
+                  <a:srgbClr val="39759D"/>
+                </a:solidFill>
+                <a:cs typeface="+mn-ea"/>
+                <a:sym typeface="+mn-lt"/>
+              </a:rPr>
+              <a:t>_</a:t>
+            </a:r>
+            <a:r>
+              <a:rPr lang="zh-TW" altLang="en-US" sz="2800" b="1" dirty="0">
+                <a:solidFill>
+                  <a:srgbClr val="39759D"/>
+                </a:solidFill>
+                <a:cs typeface="+mn-ea"/>
+                <a:sym typeface="+mn-lt"/>
+              </a:rPr>
+              <a:t>人事管理</a:t>
+            </a:r>
+            <a:r>
+              <a:rPr lang="en-US" altLang="zh-TW" sz="2800" b="1" dirty="0">
+                <a:solidFill>
+                  <a:srgbClr val="39759D"/>
+                </a:solidFill>
+                <a:cs typeface="+mn-ea"/>
+                <a:sym typeface="+mn-lt"/>
+              </a:rPr>
+              <a:t>_</a:t>
+            </a:r>
+            <a:r>
+              <a:rPr lang="zh-TW" altLang="en-US" sz="2800" b="1" dirty="0">
+                <a:solidFill>
+                  <a:srgbClr val="39759D"/>
+                </a:solidFill>
+                <a:cs typeface="+mn-ea"/>
+                <a:sym typeface="+mn-lt"/>
+              </a:rPr>
+              <a:t>指派設計單位</a:t>
+            </a:r>
+          </a:p>
+        </p:txBody>
+      </p:sp>
+      <p:cxnSp>
+        <p:nvCxnSpPr>
+          <p:cNvPr id="6" name="直線接點 5">
+            <a:extLst>
+              <a:ext uri="{FF2B5EF4-FFF2-40B4-BE49-F238E27FC236}">
+                <a16:creationId xmlns:a16="http://schemas.microsoft.com/office/drawing/2014/main" id="{1CCC58A9-F8FF-419B-A67A-55D2B959D158}"/>
+              </a:ext>
+            </a:extLst>
+          </p:cNvPr>
+          <p:cNvCxnSpPr>
+            <a:cxnSpLocks/>
+          </p:cNvCxnSpPr>
+          <p:nvPr/>
+        </p:nvCxnSpPr>
+        <p:spPr>
+          <a:xfrm>
+            <a:off x="136200" y="695773"/>
+            <a:ext cx="8459946" cy="0"/>
+          </a:xfrm>
+          <a:prstGeom prst="line">
+            <a:avLst/>
+          </a:prstGeom>
+          <a:ln w="76200">
+            <a:solidFill>
+              <a:srgbClr val="39759D"/>
+            </a:solidFill>
+          </a:ln>
+        </p:spPr>
+        <p:style>
+          <a:lnRef idx="1">
+            <a:schemeClr val="accent1"/>
+          </a:lnRef>
+          <a:fillRef idx="0">
+            <a:schemeClr val="accent1"/>
+          </a:fillRef>
+          <a:effectRef idx="0">
+            <a:schemeClr val="accent1"/>
+          </a:effectRef>
+          <a:fontRef idx="minor">
+            <a:schemeClr val="tx1"/>
+          </a:fontRef>
+        </p:style>
+      </p:cxnSp>
+      <p:sp>
+        <p:nvSpPr>
+          <p:cNvPr id="10" name="矩形 9"/>
+          <p:cNvSpPr/>
+          <p:nvPr/>
+        </p:nvSpPr>
+        <p:spPr>
+          <a:xfrm>
+            <a:off x="37577" y="2400141"/>
+            <a:ext cx="11815851" cy="1184492"/>
+          </a:xfrm>
+          <a:prstGeom prst="rect">
+            <a:avLst/>
+          </a:prstGeom>
+          <a:noFill/>
+          <a:ln w="19050">
+            <a:solidFill>
+              <a:srgbClr val="FF0000"/>
+            </a:solidFill>
+          </a:ln>
+        </p:spPr>
+        <p:style>
+          <a:lnRef idx="2">
+            <a:schemeClr val="accent1">
+              <a:shade val="50000"/>
+            </a:schemeClr>
+          </a:lnRef>
+          <a:fillRef idx="1">
+            <a:schemeClr val="accent1"/>
+          </a:fillRef>
+          <a:effectRef idx="0">
+            <a:schemeClr val="accent1"/>
+          </a:effectRef>
+          <a:fontRef idx="minor">
+            <a:schemeClr val="lt1"/>
+          </a:fontRef>
+        </p:style>
+        <p:txBody>
+          <a:bodyPr rot="0" spcFirstLastPara="0" vertOverflow="overflow" horzOverflow="overflow" vert="horz" wrap="square" lIns="91440" tIns="45720" rIns="91440" bIns="45720" numCol="1" spcCol="0" rtlCol="0" fromWordArt="0" anchor="ctr" anchorCtr="0" forceAA="0" compatLnSpc="1">
+            <a:prstTxWarp prst="textNoShape">
+              <a:avLst/>
+            </a:prstTxWarp>
+            <a:noAutofit/>
+          </a:bodyPr>
+          <a:lstStyle/>
+          <a:p>
+            <a:pPr algn="ctr"/>
+            <a:endParaRPr lang="zh-TW" altLang="en-US"/>
+          </a:p>
+        </p:txBody>
+      </p:sp>
+      <p:sp>
+        <p:nvSpPr>
+          <p:cNvPr id="11" name="文字方塊 10"/>
+          <p:cNvSpPr txBox="1"/>
+          <p:nvPr/>
+        </p:nvSpPr>
+        <p:spPr>
+          <a:xfrm>
+            <a:off x="2280081" y="2377229"/>
+            <a:ext cx="7330853" cy="369332"/>
+          </a:xfrm>
+          <a:prstGeom prst="rect">
+            <a:avLst/>
+          </a:prstGeom>
+          <a:solidFill>
+            <a:schemeClr val="accent4">
+              <a:lumMod val="40000"/>
+              <a:lumOff val="60000"/>
+            </a:schemeClr>
+          </a:solidFill>
+          <a:ln>
+            <a:solidFill>
+              <a:srgbClr val="FF0000"/>
+            </a:solidFill>
+          </a:ln>
+        </p:spPr>
+        <p:txBody>
+          <a:bodyPr wrap="none" rtlCol="0">
+            <a:spAutoFit/>
+          </a:bodyPr>
+          <a:lstStyle/>
+          <a:p>
+            <a:pPr algn="ctr"/>
+            <a:r>
+              <a:rPr lang="zh-TW" altLang="en-US" dirty="0">
+                <a:cs typeface="+mn-ea"/>
+                <a:sym typeface="+mn-lt"/>
+              </a:rPr>
+              <a:t>設計單位聯絡人於預算管理 </a:t>
+            </a:r>
+            <a:r>
+              <a:rPr lang="en-US" altLang="zh-TW" dirty="0">
+                <a:cs typeface="+mn-ea"/>
+                <a:sym typeface="+mn-lt"/>
+              </a:rPr>
+              <a:t>&gt; </a:t>
+            </a:r>
+            <a:r>
+              <a:rPr lang="zh-TW" altLang="en-US" dirty="0">
+                <a:cs typeface="+mn-ea"/>
+                <a:sym typeface="+mn-lt"/>
+              </a:rPr>
+              <a:t>標案資料內選擇有設計廠商後指派帶入</a:t>
+            </a:r>
+          </a:p>
+        </p:txBody>
+      </p:sp>
+      <p:sp>
+        <p:nvSpPr>
+          <p:cNvPr id="7" name="矩形 6">
+            <a:extLst>
+              <a:ext uri="{FF2B5EF4-FFF2-40B4-BE49-F238E27FC236}">
+                <a16:creationId xmlns:a16="http://schemas.microsoft.com/office/drawing/2014/main" id="{9787E40A-A77A-414E-8455-E23EF2819480}"/>
+              </a:ext>
+            </a:extLst>
+          </p:cNvPr>
+          <p:cNvSpPr/>
+          <p:nvPr/>
+        </p:nvSpPr>
+        <p:spPr>
+          <a:xfrm>
+            <a:off x="1277566" y="1854740"/>
+            <a:ext cx="654996" cy="246434"/>
+          </a:xfrm>
+          <a:prstGeom prst="rect">
+            <a:avLst/>
+          </a:prstGeom>
+          <a:noFill/>
+          <a:ln w="19050">
+            <a:solidFill>
+              <a:srgbClr val="FF0000"/>
+            </a:solidFill>
+          </a:ln>
+        </p:spPr>
+        <p:style>
+          <a:lnRef idx="2">
+            <a:schemeClr val="accent1">
+              <a:shade val="50000"/>
+            </a:schemeClr>
+          </a:lnRef>
+          <a:fillRef idx="1">
+            <a:schemeClr val="accent1"/>
+          </a:fillRef>
+          <a:effectRef idx="0">
+            <a:schemeClr val="accent1"/>
+          </a:effectRef>
+          <a:fontRef idx="minor">
+            <a:schemeClr val="lt1"/>
+          </a:fontRef>
+        </p:style>
+        <p:txBody>
+          <a:bodyPr rtlCol="0" anchor="ctr"/>
+          <a:lstStyle/>
+          <a:p>
+            <a:pPr algn="ctr"/>
+            <a:endParaRPr lang="zh-TW" altLang="en-US"/>
+          </a:p>
+        </p:txBody>
+      </p:sp>
+    </p:spTree>
+    <p:extLst>
+      <p:ext uri="{BB962C8B-B14F-4D97-AF65-F5344CB8AC3E}">
+        <p14:creationId xmlns:p14="http://schemas.microsoft.com/office/powerpoint/2010/main" val="2009298250"/>
+      </p:ext>
+    </p:extLst>
+  </p:cSld>
+  <p:clrMapOvr>
+    <a:masterClrMapping/>
+  </p:clrMapOvr>
+  <mc:AlternateContent xmlns:mc="http://schemas.openxmlformats.org/markup-compatibility/2006">
+    <mc:Choice xmlns:p14="http://schemas.microsoft.com/office/powerpoint/2010/main" Requires="p14">
+      <p:transition spd="slow" p14:dur="2000">
+        <p:cut/>
+      </p:transition>
+    </mc:Choice>
+    <mc:Fallback>
+      <p:transition spd="slow">
+        <p:cut/>
+      </p:transition>
+    </mc:Fallback>
+  </mc:AlternateContent>
+</p:sld>
+</file>
+
 <file path=ppt/slides/slide2.xml><?xml version="1.0" encoding="utf-8"?>
 <p:sld xmlns:a="http://schemas.openxmlformats.org/drawingml/2006/main" xmlns:r="http://schemas.openxmlformats.org/officeDocument/2006/relationships" xmlns:p="http://schemas.openxmlformats.org/presentationml/2006/main">
   <p:cSld>
@@ -5188,72 +6312,55 @@
           <a:lstStyle/>
           <a:p>
             <a:r>
-              <a:rPr lang="zh-TW" altLang="en-US" sz="3200" b="1" dirty="0" smtClean="0">
+              <a:rPr lang="zh-TW" altLang="en-US" sz="3200" b="1" dirty="0">
                 <a:solidFill>
                   <a:srgbClr val="39759D"/>
                 </a:solidFill>
                 <a:cs typeface="+mn-ea"/>
                 <a:sym typeface="+mn-lt"/>
               </a:rPr>
-              <a:t>履約</a:t>
-            </a:r>
-            <a:r>
-              <a:rPr lang="zh-TW" altLang="en-US" sz="3200" b="1" dirty="0" smtClean="0">
+              <a:t>履約系統</a:t>
+            </a:r>
+            <a:r>
+              <a:rPr lang="en-US" altLang="zh-TW" sz="3200" b="1" dirty="0">
                 <a:solidFill>
                   <a:srgbClr val="39759D"/>
                 </a:solidFill>
                 <a:cs typeface="+mn-ea"/>
                 <a:sym typeface="+mn-lt"/>
               </a:rPr>
-              <a:t>系統</a:t>
-            </a:r>
-            <a:r>
-              <a:rPr lang="en-US" altLang="zh-TW" sz="3200" b="1" dirty="0" smtClean="0">
+              <a:t>_</a:t>
+            </a:r>
+            <a:r>
+              <a:rPr lang="zh-TW" altLang="en-US" sz="3200" b="1" dirty="0">
                 <a:solidFill>
                   <a:srgbClr val="39759D"/>
                 </a:solidFill>
                 <a:cs typeface="+mn-ea"/>
                 <a:sym typeface="+mn-lt"/>
               </a:rPr>
-              <a:t>_</a:t>
-            </a:r>
-            <a:r>
-              <a:rPr lang="zh-TW" altLang="en-US" sz="3200" b="1" dirty="0" smtClean="0">
+              <a:t>人事管理</a:t>
+            </a:r>
+            <a:r>
+              <a:rPr lang="en-US" altLang="zh-TW" sz="3200" b="1" dirty="0">
                 <a:solidFill>
                   <a:srgbClr val="39759D"/>
                 </a:solidFill>
                 <a:cs typeface="+mn-ea"/>
                 <a:sym typeface="+mn-lt"/>
               </a:rPr>
-              <a:t>人事管理</a:t>
-            </a:r>
-            <a:r>
-              <a:rPr lang="en-US" altLang="zh-TW" sz="3200" b="1" dirty="0" smtClean="0">
+              <a:t>_</a:t>
+            </a:r>
+            <a:r>
+              <a:rPr lang="zh-TW" altLang="en-US" sz="3200" b="1" dirty="0">
                 <a:solidFill>
                   <a:srgbClr val="39759D"/>
                 </a:solidFill>
                 <a:cs typeface="+mn-ea"/>
                 <a:sym typeface="+mn-lt"/>
               </a:rPr>
-              <a:t>_</a:t>
-            </a:r>
-            <a:r>
-              <a:rPr lang="zh-TW" altLang="en-US" sz="3200" b="1" dirty="0" smtClean="0">
-                <a:solidFill>
-                  <a:srgbClr val="39759D"/>
-                </a:solidFill>
-                <a:cs typeface="+mn-ea"/>
-                <a:sym typeface="+mn-lt"/>
-              </a:rPr>
               <a:t>主辦機關</a:t>
             </a:r>
-            <a:endParaRPr lang="zh-TW" altLang="en-US" sz="3200" b="1" dirty="0">
-              <a:solidFill>
-                <a:srgbClr val="39759D"/>
-              </a:solidFill>
-              <a:cs typeface="+mn-ea"/>
-              <a:sym typeface="+mn-lt"/>
-            </a:endParaRPr>
           </a:p>
         </p:txBody>
       </p:sp>
@@ -5620,19 +6727,8 @@
                 <a:cs typeface="+mn-ea"/>
                 <a:sym typeface="+mn-lt"/>
               </a:rPr>
-              <a:t>只能由業務主管</a:t>
-            </a:r>
-            <a:r>
-              <a:rPr lang="zh-TW" altLang="en-US" dirty="0" smtClean="0">
-                <a:cs typeface="+mn-ea"/>
-                <a:sym typeface="+mn-lt"/>
-              </a:rPr>
-              <a:t>添加業務承辦主管人員</a:t>
-            </a:r>
-            <a:endParaRPr lang="zh-TW" altLang="en-US" dirty="0" smtClean="0">
-              <a:cs typeface="+mn-ea"/>
-              <a:sym typeface="+mn-lt"/>
-            </a:endParaRPr>
+              <a:t>只能由業務主管添加業務承辦主管人員</a:t>
+            </a:r>
           </a:p>
         </p:txBody>
       </p:sp>
@@ -5674,19 +6770,8 @@
                 <a:cs typeface="+mn-ea"/>
                 <a:sym typeface="+mn-lt"/>
               </a:rPr>
-              <a:t>只能</a:t>
-            </a:r>
-            <a:r>
-              <a:rPr lang="zh-TW" altLang="en-US" dirty="0" smtClean="0">
-                <a:cs typeface="+mn-ea"/>
-                <a:sym typeface="+mn-lt"/>
-              </a:rPr>
-              <a:t>由業務承辦主管人員添加業務承辦人</a:t>
-            </a:r>
-            <a:endParaRPr lang="zh-TW" altLang="en-US" dirty="0" smtClean="0">
-              <a:cs typeface="+mn-ea"/>
-              <a:sym typeface="+mn-lt"/>
-            </a:endParaRPr>
+              <a:t>只能由業務承辦主管人員添加業務承辦人</a:t>
+            </a:r>
           </a:p>
         </p:txBody>
       </p:sp>
@@ -5777,7 +6862,7 @@
           <a:p>
             <a:pPr algn="l"/>
             <a:r>
-              <a:rPr lang="zh-TW" altLang="en-US" dirty="0" smtClean="0">
+              <a:rPr lang="zh-TW" altLang="en-US" dirty="0">
                 <a:cs typeface="+mn-ea"/>
                 <a:sym typeface="+mn-lt"/>
               </a:rPr>
@@ -5941,7 +7026,7 @@
           <a:p>
             <a:pPr algn="l"/>
             <a:r>
-              <a:rPr lang="zh-TW" altLang="en-US" dirty="0" smtClean="0">
+              <a:rPr lang="zh-TW" altLang="en-US" dirty="0">
                 <a:cs typeface="+mn-ea"/>
                 <a:sym typeface="+mn-lt"/>
               </a:rPr>
@@ -5984,7 +7069,7 @@
           <a:p>
             <a:pPr algn="l"/>
             <a:r>
-              <a:rPr lang="zh-TW" altLang="en-US" dirty="0" smtClean="0">
+              <a:rPr lang="zh-TW" altLang="en-US" dirty="0">
                 <a:cs typeface="+mn-ea"/>
                 <a:sym typeface="+mn-lt"/>
               </a:rPr>
@@ -6112,87 +7197,77 @@
           <a:lstStyle/>
           <a:p>
             <a:r>
-              <a:rPr lang="zh-TW" altLang="en-US" sz="2800" b="1" dirty="0" smtClean="0">
+              <a:rPr lang="zh-TW" altLang="en-US" sz="2800" b="1" dirty="0">
                 <a:solidFill>
                   <a:srgbClr val="39759D"/>
                 </a:solidFill>
                 <a:cs typeface="+mn-ea"/>
                 <a:sym typeface="+mn-lt"/>
               </a:rPr>
-              <a:t>履約</a:t>
-            </a:r>
-            <a:r>
-              <a:rPr lang="zh-TW" altLang="en-US" sz="2800" b="1" dirty="0" smtClean="0">
+              <a:t>履約系統</a:t>
+            </a:r>
+            <a:r>
+              <a:rPr lang="en-US" altLang="zh-TW" sz="2800" b="1" dirty="0">
                 <a:solidFill>
                   <a:srgbClr val="39759D"/>
                 </a:solidFill>
                 <a:cs typeface="+mn-ea"/>
                 <a:sym typeface="+mn-lt"/>
               </a:rPr>
-              <a:t>系統</a:t>
-            </a:r>
-            <a:r>
-              <a:rPr lang="en-US" altLang="zh-TW" sz="2800" b="1" dirty="0" smtClean="0">
+              <a:t>_</a:t>
+            </a:r>
+            <a:r>
+              <a:rPr lang="zh-TW" altLang="en-US" sz="2800" b="1" dirty="0">
                 <a:solidFill>
                   <a:srgbClr val="39759D"/>
                 </a:solidFill>
                 <a:cs typeface="+mn-ea"/>
                 <a:sym typeface="+mn-lt"/>
               </a:rPr>
-              <a:t>_</a:t>
-            </a:r>
-            <a:r>
-              <a:rPr lang="zh-TW" altLang="en-US" sz="2800" b="1" dirty="0" smtClean="0">
+              <a:t>人事管理</a:t>
+            </a:r>
+            <a:r>
+              <a:rPr lang="en-US" altLang="zh-TW" sz="2800" b="1" dirty="0">
                 <a:solidFill>
                   <a:srgbClr val="39759D"/>
                 </a:solidFill>
                 <a:cs typeface="+mn-ea"/>
                 <a:sym typeface="+mn-lt"/>
               </a:rPr>
-              <a:t>人事管理</a:t>
-            </a:r>
-            <a:r>
-              <a:rPr lang="en-US" altLang="zh-TW" sz="2800" b="1" dirty="0" smtClean="0">
+              <a:t>_</a:t>
+            </a:r>
+            <a:r>
+              <a:rPr lang="zh-TW" altLang="en-US" sz="2800" b="1" dirty="0">
                 <a:solidFill>
                   <a:srgbClr val="39759D"/>
                 </a:solidFill>
                 <a:cs typeface="+mn-ea"/>
                 <a:sym typeface="+mn-lt"/>
               </a:rPr>
-              <a:t>_</a:t>
-            </a:r>
-            <a:r>
-              <a:rPr lang="zh-TW" altLang="en-US" sz="2800" b="1" dirty="0" smtClean="0">
+              <a:t>指派人員操作</a:t>
+            </a:r>
+            <a:r>
+              <a:rPr lang="en-US" altLang="zh-TW" sz="2800" b="1" dirty="0">
                 <a:solidFill>
                   <a:srgbClr val="39759D"/>
                 </a:solidFill>
                 <a:cs typeface="+mn-ea"/>
                 <a:sym typeface="+mn-lt"/>
               </a:rPr>
-              <a:t>指派人員操作</a:t>
-            </a:r>
-            <a:r>
-              <a:rPr lang="en-US" altLang="zh-TW" sz="2800" b="1" dirty="0" smtClean="0">
+              <a:t>(</a:t>
+            </a:r>
+            <a:r>
+              <a:rPr lang="zh-TW" altLang="en-US" sz="2800" b="1" dirty="0">
                 <a:solidFill>
                   <a:srgbClr val="39759D"/>
                 </a:solidFill>
                 <a:cs typeface="+mn-ea"/>
                 <a:sym typeface="+mn-lt"/>
               </a:rPr>
-              <a:t>(</a:t>
-            </a:r>
-            <a:r>
-              <a:rPr lang="zh-TW" altLang="en-US" sz="2800" b="1" dirty="0" smtClean="0">
-                <a:solidFill>
-                  <a:srgbClr val="39759D"/>
-                </a:solidFill>
-                <a:cs typeface="+mn-ea"/>
-                <a:sym typeface="+mn-lt"/>
-              </a:rPr>
               <a:t>新增業務主管為例</a:t>
             </a:r>
             <a:r>
-              <a:rPr lang="en-US" altLang="zh-TW" sz="2800" b="1" dirty="0" smtClean="0">
+              <a:rPr lang="en-US" altLang="zh-TW" sz="2800" b="1" dirty="0">
                 <a:solidFill>
                   <a:srgbClr val="39759D"/>
                 </a:solidFill>
@@ -6311,7 +7386,7 @@
           <a:p>
             <a:pPr algn="l"/>
             <a:r>
-              <a:rPr lang="zh-TW" altLang="en-US" dirty="0" smtClean="0">
+              <a:rPr lang="zh-TW" altLang="en-US" dirty="0">
                 <a:solidFill>
                   <a:srgbClr val="FF0000"/>
                 </a:solidFill>
@@ -6321,14 +7396,14 @@
               <a:t>業務主管</a:t>
             </a:r>
             <a:r>
-              <a:rPr lang="zh-TW" altLang="en-US" dirty="0" smtClean="0">
+              <a:rPr lang="zh-TW" altLang="en-US" dirty="0">
                 <a:cs typeface="+mn-ea"/>
                 <a:sym typeface="+mn-lt"/>
               </a:rPr>
               <a:t>需由</a:t>
             </a:r>
             <a:r>
-              <a:rPr lang="zh-TW" altLang="en-US" dirty="0" smtClean="0">
+              <a:rPr lang="zh-TW" altLang="en-US" dirty="0">
                 <a:solidFill>
                   <a:srgbClr val="FF0000"/>
                 </a:solidFill>
@@ -6338,7 +7413,7 @@
               <a:t>資訊室</a:t>
             </a:r>
             <a:r>
-              <a:rPr lang="zh-TW" altLang="en-US" dirty="0" smtClean="0">
+              <a:rPr lang="zh-TW" altLang="en-US" dirty="0">
                 <a:cs typeface="+mn-ea"/>
                 <a:sym typeface="+mn-lt"/>
               </a:rPr>
@@ -6412,7 +7487,7 @@
           <a:p>
             <a:pPr algn="l"/>
             <a:r>
-              <a:rPr lang="zh-TW" altLang="en-US" dirty="0" smtClean="0">
+              <a:rPr lang="zh-TW" altLang="en-US" dirty="0">
                 <a:cs typeface="+mn-ea"/>
                 <a:sym typeface="+mn-lt"/>
               </a:rPr>
@@ -6506,7 +7581,7 @@
           <a:p>
             <a:pPr algn="l"/>
             <a:r>
-              <a:rPr lang="zh-TW" altLang="en-US" dirty="0" smtClean="0">
+              <a:rPr lang="zh-TW" altLang="en-US" dirty="0">
                 <a:cs typeface="+mn-ea"/>
                 <a:sym typeface="+mn-lt"/>
               </a:rPr>
@@ -6727,32 +7802,25 @@
           <a:p>
             <a:pPr algn="l"/>
             <a:r>
-              <a:rPr lang="zh-TW" altLang="en-US" dirty="0" smtClean="0">
+              <a:rPr lang="zh-TW" altLang="en-US" dirty="0">
                 <a:cs typeface="+mn-ea"/>
                 <a:sym typeface="+mn-lt"/>
               </a:rPr>
               <a:t>點擊</a:t>
             </a:r>
             <a:r>
-              <a:rPr lang="en-US" altLang="zh-TW" dirty="0" smtClean="0">
+              <a:rPr lang="en-US" altLang="zh-TW" dirty="0">
                 <a:cs typeface="+mn-ea"/>
                 <a:sym typeface="+mn-lt"/>
               </a:rPr>
               <a:t>+</a:t>
             </a:r>
             <a:r>
-              <a:rPr lang="zh-TW" altLang="en-US" dirty="0" smtClean="0">
-                <a:cs typeface="+mn-ea"/>
-                <a:sym typeface="+mn-lt"/>
-              </a:rPr>
-              <a:t>指派人員</a:t>
-            </a:r>
-            <a:r>
-              <a:rPr lang="zh-TW" altLang="en-US" dirty="0" smtClean="0">
-                <a:cs typeface="+mn-ea"/>
-                <a:sym typeface="+mn-lt"/>
-              </a:rPr>
-              <a:t>，或是畫面右上角點擊指派</a:t>
+              <a:rPr lang="zh-TW" altLang="en-US" dirty="0">
+                <a:cs typeface="+mn-ea"/>
+                <a:sym typeface="+mn-lt"/>
+              </a:rPr>
+              <a:t>指派人員，或是畫面右上角點擊指派</a:t>
             </a:r>
           </a:p>
         </p:txBody>
@@ -6880,7 +7948,7 @@
           <a:p>
             <a:pPr algn="l"/>
             <a:r>
-              <a:rPr lang="zh-TW" altLang="en-US" dirty="0" smtClean="0">
+              <a:rPr lang="zh-TW" altLang="en-US" dirty="0">
                 <a:cs typeface="+mn-ea"/>
                 <a:sym typeface="+mn-lt"/>
               </a:rPr>
@@ -7012,7 +8080,7 @@
           <a:p>
             <a:pPr algn="l"/>
             <a:r>
-              <a:rPr lang="zh-TW" altLang="en-US" dirty="0" smtClean="0">
+              <a:rPr lang="zh-TW" altLang="en-US" dirty="0">
                 <a:cs typeface="+mn-ea"/>
                 <a:sym typeface="+mn-lt"/>
               </a:rPr>
@@ -7159,14 +8227,7 @@
                 <a:cs typeface="+mn-ea"/>
                 <a:sym typeface="+mn-lt"/>
               </a:rPr>
-              <a:t>需</a:t>
-            </a:r>
-            <a:r>
-              <a:rPr lang="zh-TW" altLang="en-US" dirty="0" smtClean="0">
-                <a:cs typeface="+mn-ea"/>
-                <a:sym typeface="+mn-lt"/>
-              </a:rPr>
-              <a:t>由</a:t>
+              <a:t>需由</a:t>
             </a:r>
             <a:r>
               <a:rPr lang="zh-TW" altLang="en-US" dirty="0">
@@ -7179,7 +8240,7 @@
               <a:t>業務主管</a:t>
             </a:r>
             <a:r>
-              <a:rPr lang="zh-TW" altLang="en-US" dirty="0" smtClean="0">
+              <a:rPr lang="zh-TW" altLang="en-US" dirty="0">
                 <a:cs typeface="+mn-ea"/>
                 <a:sym typeface="+mn-lt"/>
               </a:rPr>
@@ -7221,23 +8282,6 @@
           <a:lstStyle/>
           <a:p>
             <a:r>
-              <a:rPr lang="zh-TW" altLang="en-US" dirty="0" smtClean="0">
-                <a:solidFill>
-                  <a:srgbClr val="FF0000"/>
-                </a:solidFill>
-                <a:cs typeface="+mn-ea"/>
-                <a:sym typeface="+mn-lt"/>
-              </a:rPr>
-              <a:t>業務承辦人</a:t>
-            </a:r>
-            <a:r>
-              <a:rPr lang="zh-TW" altLang="en-US" dirty="0">
-                <a:cs typeface="+mn-ea"/>
-                <a:sym typeface="+mn-lt"/>
-              </a:rPr>
-              <a:t>需由</a:t>
-            </a:r>
-            <a:r>
               <a:rPr lang="zh-TW" altLang="en-US" dirty="0">
                 <a:solidFill>
                   <a:srgbClr val="FF0000"/>
@@ -7245,6 +8289,23 @@
                 <a:cs typeface="+mn-ea"/>
                 <a:sym typeface="+mn-lt"/>
               </a:rPr>
+              <a:t>業務承辦人</a:t>
+            </a:r>
+            <a:r>
+              <a:rPr lang="zh-TW" altLang="en-US" dirty="0">
+                <a:cs typeface="+mn-ea"/>
+                <a:sym typeface="+mn-lt"/>
+              </a:rPr>
+              <a:t>需由</a:t>
+            </a:r>
+            <a:r>
+              <a:rPr lang="zh-TW" altLang="en-US" dirty="0">
+                <a:solidFill>
+                  <a:srgbClr val="FF0000"/>
+                </a:solidFill>
+                <a:cs typeface="+mn-ea"/>
+                <a:sym typeface="+mn-lt"/>
+              </a:rPr>
               <a:t>業務承辦主管</a:t>
             </a:r>
             <a:r>
@@ -7254,10 +8315,6 @@
               </a:rPr>
               <a:t>新增</a:t>
             </a:r>
-            <a:endParaRPr lang="zh-TW" altLang="en-US" dirty="0" smtClean="0">
-              <a:cs typeface="+mn-ea"/>
-              <a:sym typeface="+mn-lt"/>
-            </a:endParaRPr>
           </a:p>
         </p:txBody>
       </p:sp>
@@ -7373,87 +8430,77 @@
           <a:lstStyle/>
           <a:p>
             <a:r>
-              <a:rPr lang="zh-TW" altLang="en-US" sz="2800" b="1" dirty="0" smtClean="0">
+              <a:rPr lang="zh-TW" altLang="en-US" sz="2800" b="1" dirty="0">
                 <a:solidFill>
                   <a:srgbClr val="39759D"/>
                 </a:solidFill>
                 <a:cs typeface="+mn-ea"/>
                 <a:sym typeface="+mn-lt"/>
               </a:rPr>
-              <a:t>履約</a:t>
-            </a:r>
-            <a:r>
-              <a:rPr lang="zh-TW" altLang="en-US" sz="2800" b="1" dirty="0" smtClean="0">
+              <a:t>履約系統</a:t>
+            </a:r>
+            <a:r>
+              <a:rPr lang="en-US" altLang="zh-TW" sz="2800" b="1" dirty="0">
                 <a:solidFill>
                   <a:srgbClr val="39759D"/>
                 </a:solidFill>
                 <a:cs typeface="+mn-ea"/>
                 <a:sym typeface="+mn-lt"/>
               </a:rPr>
-              <a:t>系統</a:t>
-            </a:r>
-            <a:r>
-              <a:rPr lang="en-US" altLang="zh-TW" sz="2800" b="1" dirty="0" smtClean="0">
+              <a:t>_</a:t>
+            </a:r>
+            <a:r>
+              <a:rPr lang="zh-TW" altLang="en-US" sz="2800" b="1" dirty="0">
                 <a:solidFill>
                   <a:srgbClr val="39759D"/>
                 </a:solidFill>
                 <a:cs typeface="+mn-ea"/>
                 <a:sym typeface="+mn-lt"/>
               </a:rPr>
-              <a:t>_</a:t>
-            </a:r>
-            <a:r>
-              <a:rPr lang="zh-TW" altLang="en-US" sz="2800" b="1" dirty="0" smtClean="0">
+              <a:t>人事管理</a:t>
+            </a:r>
+            <a:r>
+              <a:rPr lang="en-US" altLang="zh-TW" sz="2800" b="1" dirty="0">
                 <a:solidFill>
                   <a:srgbClr val="39759D"/>
                 </a:solidFill>
                 <a:cs typeface="+mn-ea"/>
                 <a:sym typeface="+mn-lt"/>
               </a:rPr>
-              <a:t>人事管理</a:t>
-            </a:r>
-            <a:r>
-              <a:rPr lang="en-US" altLang="zh-TW" sz="2800" b="1" dirty="0" smtClean="0">
+              <a:t>_</a:t>
+            </a:r>
+            <a:r>
+              <a:rPr lang="zh-TW" altLang="en-US" sz="2800" b="1" dirty="0">
                 <a:solidFill>
                   <a:srgbClr val="39759D"/>
                 </a:solidFill>
                 <a:cs typeface="+mn-ea"/>
                 <a:sym typeface="+mn-lt"/>
               </a:rPr>
-              <a:t>_</a:t>
-            </a:r>
-            <a:r>
-              <a:rPr lang="zh-TW" altLang="en-US" sz="2800" b="1" dirty="0" smtClean="0">
+              <a:t>指派人員操作</a:t>
+            </a:r>
+            <a:r>
+              <a:rPr lang="en-US" altLang="zh-TW" sz="2800" b="1" dirty="0">
                 <a:solidFill>
                   <a:srgbClr val="39759D"/>
                 </a:solidFill>
                 <a:cs typeface="+mn-ea"/>
                 <a:sym typeface="+mn-lt"/>
               </a:rPr>
-              <a:t>指派人員操作</a:t>
-            </a:r>
-            <a:r>
-              <a:rPr lang="en-US" altLang="zh-TW" sz="2800" b="1" dirty="0" smtClean="0">
+              <a:t>(</a:t>
+            </a:r>
+            <a:r>
+              <a:rPr lang="zh-TW" altLang="en-US" sz="2800" b="1" dirty="0">
                 <a:solidFill>
                   <a:srgbClr val="39759D"/>
                 </a:solidFill>
                 <a:cs typeface="+mn-ea"/>
                 <a:sym typeface="+mn-lt"/>
               </a:rPr>
-              <a:t>(</a:t>
-            </a:r>
-            <a:r>
-              <a:rPr lang="zh-TW" altLang="en-US" sz="2800" b="1" dirty="0" smtClean="0">
-                <a:solidFill>
-                  <a:srgbClr val="39759D"/>
-                </a:solidFill>
-                <a:cs typeface="+mn-ea"/>
-                <a:sym typeface="+mn-lt"/>
-              </a:rPr>
               <a:t>新增業務主管為例</a:t>
             </a:r>
             <a:r>
-              <a:rPr lang="en-US" altLang="zh-TW" sz="2800" b="1" dirty="0" smtClean="0">
+              <a:rPr lang="en-US" altLang="zh-TW" sz="2800" b="1" dirty="0">
                 <a:solidFill>
                   <a:srgbClr val="39759D"/>
                 </a:solidFill>
@@ -7549,7 +8596,7 @@
           <a:p>
             <a:pPr algn="l"/>
             <a:r>
-              <a:rPr lang="zh-TW" altLang="en-US" dirty="0" smtClean="0">
+              <a:rPr lang="zh-TW" altLang="en-US" dirty="0">
                 <a:solidFill>
                   <a:srgbClr val="FF0000"/>
                 </a:solidFill>
@@ -7559,14 +8606,14 @@
               <a:t>業務主管</a:t>
             </a:r>
             <a:r>
-              <a:rPr lang="zh-TW" altLang="en-US" dirty="0" smtClean="0">
+              <a:rPr lang="zh-TW" altLang="en-US" dirty="0">
                 <a:cs typeface="+mn-ea"/>
                 <a:sym typeface="+mn-lt"/>
               </a:rPr>
               <a:t>需由</a:t>
             </a:r>
             <a:r>
-              <a:rPr lang="zh-TW" altLang="en-US" dirty="0" smtClean="0">
+              <a:rPr lang="zh-TW" altLang="en-US" dirty="0">
                 <a:solidFill>
                   <a:srgbClr val="FF0000"/>
                 </a:solidFill>
@@ -7576,7 +8623,7 @@
               <a:t>資訊室</a:t>
             </a:r>
             <a:r>
-              <a:rPr lang="zh-TW" altLang="en-US" dirty="0" smtClean="0">
+              <a:rPr lang="zh-TW" altLang="en-US" dirty="0">
                 <a:cs typeface="+mn-ea"/>
                 <a:sym typeface="+mn-lt"/>
               </a:rPr>
@@ -7632,14 +8679,7 @@
                 <a:cs typeface="+mn-ea"/>
                 <a:sym typeface="+mn-lt"/>
               </a:rPr>
-              <a:t>需</a:t>
-            </a:r>
-            <a:r>
-              <a:rPr lang="zh-TW" altLang="en-US" dirty="0" smtClean="0">
-                <a:cs typeface="+mn-ea"/>
-                <a:sym typeface="+mn-lt"/>
-              </a:rPr>
-              <a:t>由</a:t>
+              <a:t>需由</a:t>
             </a:r>
             <a:r>
               <a:rPr lang="zh-TW" altLang="en-US" dirty="0">
@@ -7652,7 +8692,7 @@
               <a:t>業務主管</a:t>
             </a:r>
             <a:r>
-              <a:rPr lang="zh-TW" altLang="en-US" dirty="0" smtClean="0">
+              <a:rPr lang="zh-TW" altLang="en-US" dirty="0">
                 <a:cs typeface="+mn-ea"/>
                 <a:sym typeface="+mn-lt"/>
               </a:rPr>
@@ -7694,23 +8734,6 @@
           <a:lstStyle/>
           <a:p>
             <a:r>
-              <a:rPr lang="zh-TW" altLang="en-US" dirty="0" smtClean="0">
-                <a:solidFill>
-                  <a:srgbClr val="FF0000"/>
-                </a:solidFill>
-                <a:cs typeface="+mn-ea"/>
-                <a:sym typeface="+mn-lt"/>
-              </a:rPr>
-              <a:t>業務承辦人</a:t>
-            </a:r>
-            <a:r>
-              <a:rPr lang="zh-TW" altLang="en-US" dirty="0">
-                <a:cs typeface="+mn-ea"/>
-                <a:sym typeface="+mn-lt"/>
-              </a:rPr>
-              <a:t>需由</a:t>
-            </a:r>
-            <a:r>
               <a:rPr lang="zh-TW" altLang="en-US" dirty="0">
                 <a:solidFill>
                   <a:srgbClr val="FF0000"/>
@@ -7718,6 +8741,23 @@
                 <a:cs typeface="+mn-ea"/>
                 <a:sym typeface="+mn-lt"/>
               </a:rPr>
+              <a:t>業務承辦人</a:t>
+            </a:r>
+            <a:r>
+              <a:rPr lang="zh-TW" altLang="en-US" dirty="0">
+                <a:cs typeface="+mn-ea"/>
+                <a:sym typeface="+mn-lt"/>
+              </a:rPr>
+              <a:t>需由</a:t>
+            </a:r>
+            <a:r>
+              <a:rPr lang="zh-TW" altLang="en-US" dirty="0">
+                <a:solidFill>
+                  <a:srgbClr val="FF0000"/>
+                </a:solidFill>
+                <a:cs typeface="+mn-ea"/>
+                <a:sym typeface="+mn-lt"/>
+              </a:rPr>
               <a:t>業務承辦主管</a:t>
             </a:r>
             <a:r>
@@ -7727,10 +8767,6 @@
               </a:rPr>
               <a:t>新增</a:t>
             </a:r>
-            <a:endParaRPr lang="zh-TW" altLang="en-US" dirty="0" smtClean="0">
-              <a:cs typeface="+mn-ea"/>
-              <a:sym typeface="+mn-lt"/>
-            </a:endParaRPr>
           </a:p>
         </p:txBody>
       </p:sp>
@@ -7849,10 +8885,6 @@
               </a:rPr>
               <a:t>選擇欲指派人員</a:t>
             </a:r>
-            <a:endParaRPr lang="zh-TW" altLang="en-US" dirty="0" smtClean="0">
-              <a:cs typeface="+mn-ea"/>
-              <a:sym typeface="+mn-lt"/>
-            </a:endParaRPr>
           </a:p>
         </p:txBody>
       </p:sp>
@@ -7890,7 +8922,7 @@
           <a:p>
             <a:pPr algn="l"/>
             <a:r>
-              <a:rPr lang="zh-TW" altLang="en-US" dirty="0" smtClean="0">
+              <a:rPr lang="zh-TW" altLang="en-US" dirty="0">
                 <a:cs typeface="+mn-ea"/>
                 <a:sym typeface="+mn-lt"/>
               </a:rPr>
@@ -7984,7 +9016,7 @@
           <a:p>
             <a:pPr algn="ctr"/>
             <a:r>
-              <a:rPr lang="zh-TW" altLang="en-US" dirty="0" smtClean="0">
+              <a:rPr lang="zh-TW" altLang="en-US" dirty="0">
                 <a:cs typeface="+mn-ea"/>
                 <a:sym typeface="+mn-lt"/>
               </a:rPr>
@@ -8221,7 +9253,7 @@
           <a:p>
             <a:pPr algn="l"/>
             <a:r>
-              <a:rPr lang="zh-TW" altLang="en-US" dirty="0" smtClean="0">
+              <a:rPr lang="zh-TW" altLang="en-US" dirty="0">
                 <a:cs typeface="+mn-ea"/>
                 <a:sym typeface="+mn-lt"/>
               </a:rPr>
@@ -8315,7 +9347,7 @@
           <a:p>
             <a:pPr algn="l"/>
             <a:r>
-              <a:rPr lang="zh-TW" altLang="en-US" dirty="0" smtClean="0">
+              <a:rPr lang="zh-TW" altLang="en-US" dirty="0">
                 <a:cs typeface="+mn-ea"/>
                 <a:sym typeface="+mn-lt"/>
               </a:rPr>
@@ -8412,87 +9444,77 @@
           <a:lstStyle/>
           <a:p>
             <a:r>
-              <a:rPr lang="zh-TW" altLang="en-US" sz="2800" b="1" dirty="0" smtClean="0">
+              <a:rPr lang="zh-TW" altLang="en-US" sz="2800" b="1" dirty="0">
                 <a:solidFill>
                   <a:srgbClr val="39759D"/>
                 </a:solidFill>
                 <a:cs typeface="+mn-ea"/>
                 <a:sym typeface="+mn-lt"/>
               </a:rPr>
-              <a:t>履約</a:t>
-            </a:r>
-            <a:r>
-              <a:rPr lang="zh-TW" altLang="en-US" sz="2800" b="1" dirty="0" smtClean="0">
+              <a:t>履約系統</a:t>
+            </a:r>
+            <a:r>
+              <a:rPr lang="en-US" altLang="zh-TW" sz="2800" b="1" dirty="0">
                 <a:solidFill>
                   <a:srgbClr val="39759D"/>
                 </a:solidFill>
                 <a:cs typeface="+mn-ea"/>
                 <a:sym typeface="+mn-lt"/>
               </a:rPr>
-              <a:t>系統</a:t>
-            </a:r>
-            <a:r>
-              <a:rPr lang="en-US" altLang="zh-TW" sz="2800" b="1" dirty="0" smtClean="0">
+              <a:t>_</a:t>
+            </a:r>
+            <a:r>
+              <a:rPr lang="zh-TW" altLang="en-US" sz="2800" b="1" dirty="0">
                 <a:solidFill>
                   <a:srgbClr val="39759D"/>
                 </a:solidFill>
                 <a:cs typeface="+mn-ea"/>
                 <a:sym typeface="+mn-lt"/>
               </a:rPr>
-              <a:t>_</a:t>
-            </a:r>
-            <a:r>
-              <a:rPr lang="zh-TW" altLang="en-US" sz="2800" b="1" dirty="0" smtClean="0">
+              <a:t>人事管理</a:t>
+            </a:r>
+            <a:r>
+              <a:rPr lang="en-US" altLang="zh-TW" sz="2800" b="1" dirty="0">
                 <a:solidFill>
                   <a:srgbClr val="39759D"/>
                 </a:solidFill>
                 <a:cs typeface="+mn-ea"/>
                 <a:sym typeface="+mn-lt"/>
               </a:rPr>
-              <a:t>人事管理</a:t>
-            </a:r>
-            <a:r>
-              <a:rPr lang="en-US" altLang="zh-TW" sz="2800" b="1" dirty="0" smtClean="0">
+              <a:t>_</a:t>
+            </a:r>
+            <a:r>
+              <a:rPr lang="zh-TW" altLang="en-US" sz="2800" b="1" dirty="0">
                 <a:solidFill>
                   <a:srgbClr val="39759D"/>
                 </a:solidFill>
                 <a:cs typeface="+mn-ea"/>
                 <a:sym typeface="+mn-lt"/>
               </a:rPr>
-              <a:t>_</a:t>
-            </a:r>
-            <a:r>
-              <a:rPr lang="zh-TW" altLang="en-US" sz="2800" b="1" dirty="0" smtClean="0">
+              <a:t>指派人員操作</a:t>
+            </a:r>
+            <a:r>
+              <a:rPr lang="en-US" altLang="zh-TW" sz="2800" b="1" dirty="0">
                 <a:solidFill>
                   <a:srgbClr val="39759D"/>
                 </a:solidFill>
                 <a:cs typeface="+mn-ea"/>
                 <a:sym typeface="+mn-lt"/>
               </a:rPr>
-              <a:t>指派人員操作</a:t>
-            </a:r>
-            <a:r>
-              <a:rPr lang="en-US" altLang="zh-TW" sz="2800" b="1" dirty="0" smtClean="0">
+              <a:t>(</a:t>
+            </a:r>
+            <a:r>
+              <a:rPr lang="zh-TW" altLang="en-US" sz="2800" b="1" dirty="0">
                 <a:solidFill>
                   <a:srgbClr val="39759D"/>
                 </a:solidFill>
                 <a:cs typeface="+mn-ea"/>
                 <a:sym typeface="+mn-lt"/>
               </a:rPr>
-              <a:t>(</a:t>
-            </a:r>
-            <a:r>
-              <a:rPr lang="zh-TW" altLang="en-US" sz="2800" b="1" dirty="0" smtClean="0">
-                <a:solidFill>
-                  <a:srgbClr val="39759D"/>
-                </a:solidFill>
-                <a:cs typeface="+mn-ea"/>
-                <a:sym typeface="+mn-lt"/>
-              </a:rPr>
               <a:t>新增業務主管為例</a:t>
             </a:r>
             <a:r>
-              <a:rPr lang="en-US" altLang="zh-TW" sz="2800" b="1" dirty="0" smtClean="0">
+              <a:rPr lang="en-US" altLang="zh-TW" sz="2800" b="1" dirty="0">
                 <a:solidFill>
                   <a:srgbClr val="39759D"/>
                 </a:solidFill>
@@ -8588,7 +9610,7 @@
           <a:p>
             <a:pPr algn="l"/>
             <a:r>
-              <a:rPr lang="zh-TW" altLang="en-US" dirty="0" smtClean="0">
+              <a:rPr lang="zh-TW" altLang="en-US" dirty="0">
                 <a:solidFill>
                   <a:srgbClr val="FF0000"/>
                 </a:solidFill>
@@ -8598,14 +9620,14 @@
               <a:t>業務主管</a:t>
             </a:r>
             <a:r>
-              <a:rPr lang="zh-TW" altLang="en-US" dirty="0" smtClean="0">
+              <a:rPr lang="zh-TW" altLang="en-US" dirty="0">
                 <a:cs typeface="+mn-ea"/>
                 <a:sym typeface="+mn-lt"/>
               </a:rPr>
               <a:t>需由</a:t>
             </a:r>
             <a:r>
-              <a:rPr lang="zh-TW" altLang="en-US" dirty="0" smtClean="0">
+              <a:rPr lang="zh-TW" altLang="en-US" dirty="0">
                 <a:solidFill>
                   <a:srgbClr val="FF0000"/>
                 </a:solidFill>
@@ -8615,7 +9637,7 @@
               <a:t>資訊室</a:t>
             </a:r>
             <a:r>
-              <a:rPr lang="zh-TW" altLang="en-US" dirty="0" smtClean="0">
+              <a:rPr lang="zh-TW" altLang="en-US" dirty="0">
                 <a:cs typeface="+mn-ea"/>
                 <a:sym typeface="+mn-lt"/>
               </a:rPr>
@@ -8671,14 +9693,7 @@
                 <a:cs typeface="+mn-ea"/>
                 <a:sym typeface="+mn-lt"/>
               </a:rPr>
-              <a:t>需</a:t>
-            </a:r>
-            <a:r>
-              <a:rPr lang="zh-TW" altLang="en-US" dirty="0" smtClean="0">
-                <a:cs typeface="+mn-ea"/>
-                <a:sym typeface="+mn-lt"/>
-              </a:rPr>
-              <a:t>由</a:t>
+              <a:t>需由</a:t>
             </a:r>
             <a:r>
               <a:rPr lang="zh-TW" altLang="en-US" dirty="0">
@@ -8691,7 +9706,7 @@
               <a:t>業務主管</a:t>
             </a:r>
             <a:r>
-              <a:rPr lang="zh-TW" altLang="en-US" dirty="0" smtClean="0">
+              <a:rPr lang="zh-TW" altLang="en-US" dirty="0">
                 <a:cs typeface="+mn-ea"/>
                 <a:sym typeface="+mn-lt"/>
               </a:rPr>
@@ -8733,23 +9748,6 @@
           <a:lstStyle/>
           <a:p>
             <a:r>
-              <a:rPr lang="zh-TW" altLang="en-US" dirty="0" smtClean="0">
-                <a:solidFill>
-                  <a:srgbClr val="FF0000"/>
-                </a:solidFill>
-                <a:cs typeface="+mn-ea"/>
-                <a:sym typeface="+mn-lt"/>
-              </a:rPr>
-              <a:t>業務承辦人</a:t>
-            </a:r>
-            <a:r>
-              <a:rPr lang="zh-TW" altLang="en-US" dirty="0">
-                <a:cs typeface="+mn-ea"/>
-                <a:sym typeface="+mn-lt"/>
-              </a:rPr>
-              <a:t>需由</a:t>
-            </a:r>
-            <a:r>
               <a:rPr lang="zh-TW" altLang="en-US" dirty="0">
                 <a:solidFill>
                   <a:srgbClr val="FF0000"/>
@@ -8757,6 +9755,23 @@
                 <a:cs typeface="+mn-ea"/>
                 <a:sym typeface="+mn-lt"/>
               </a:rPr>
+              <a:t>業務承辦人</a:t>
+            </a:r>
+            <a:r>
+              <a:rPr lang="zh-TW" altLang="en-US" dirty="0">
+                <a:cs typeface="+mn-ea"/>
+                <a:sym typeface="+mn-lt"/>
+              </a:rPr>
+              <a:t>需由</a:t>
+            </a:r>
+            <a:r>
+              <a:rPr lang="zh-TW" altLang="en-US" dirty="0">
+                <a:solidFill>
+                  <a:srgbClr val="FF0000"/>
+                </a:solidFill>
+                <a:cs typeface="+mn-ea"/>
+                <a:sym typeface="+mn-lt"/>
+              </a:rPr>
               <a:t>業務承辦主管</a:t>
             </a:r>
             <a:r>
@@ -8766,10 +9781,6 @@
               </a:rPr>
               <a:t>新增</a:t>
             </a:r>
-            <a:endParaRPr lang="zh-TW" altLang="en-US" dirty="0" smtClean="0">
-              <a:cs typeface="+mn-ea"/>
-              <a:sym typeface="+mn-lt"/>
-            </a:endParaRPr>
           </a:p>
         </p:txBody>
       </p:sp>
@@ -8933,7 +9944,7 @@
           <a:p>
             <a:pPr algn="l"/>
             <a:r>
-              <a:rPr lang="zh-TW" altLang="en-US" dirty="0" smtClean="0">
+              <a:rPr lang="zh-TW" altLang="en-US" dirty="0">
                 <a:cs typeface="+mn-ea"/>
                 <a:sym typeface="+mn-lt"/>
               </a:rPr>
@@ -9122,87 +10133,77 @@
           <a:lstStyle/>
           <a:p>
             <a:r>
-              <a:rPr lang="zh-TW" altLang="en-US" sz="2800" b="1" dirty="0" smtClean="0">
+              <a:rPr lang="zh-TW" altLang="en-US" sz="2800" b="1" dirty="0">
                 <a:solidFill>
                   <a:srgbClr val="39759D"/>
                 </a:solidFill>
                 <a:cs typeface="+mn-ea"/>
                 <a:sym typeface="+mn-lt"/>
               </a:rPr>
-              <a:t>履約</a:t>
-            </a:r>
-            <a:r>
-              <a:rPr lang="zh-TW" altLang="en-US" sz="2800" b="1" dirty="0" smtClean="0">
+              <a:t>履約系統</a:t>
+            </a:r>
+            <a:r>
+              <a:rPr lang="en-US" altLang="zh-TW" sz="2800" b="1" dirty="0">
                 <a:solidFill>
                   <a:srgbClr val="39759D"/>
                 </a:solidFill>
                 <a:cs typeface="+mn-ea"/>
                 <a:sym typeface="+mn-lt"/>
               </a:rPr>
-              <a:t>系統</a:t>
-            </a:r>
-            <a:r>
-              <a:rPr lang="en-US" altLang="zh-TW" sz="2800" b="1" dirty="0" smtClean="0">
+              <a:t>_</a:t>
+            </a:r>
+            <a:r>
+              <a:rPr lang="zh-TW" altLang="en-US" sz="2800" b="1" dirty="0">
                 <a:solidFill>
                   <a:srgbClr val="39759D"/>
                 </a:solidFill>
                 <a:cs typeface="+mn-ea"/>
                 <a:sym typeface="+mn-lt"/>
               </a:rPr>
-              <a:t>_</a:t>
-            </a:r>
-            <a:r>
-              <a:rPr lang="zh-TW" altLang="en-US" sz="2800" b="1" dirty="0" smtClean="0">
+              <a:t>人事管理</a:t>
+            </a:r>
+            <a:r>
+              <a:rPr lang="en-US" altLang="zh-TW" sz="2800" b="1" dirty="0">
                 <a:solidFill>
                   <a:srgbClr val="39759D"/>
                 </a:solidFill>
                 <a:cs typeface="+mn-ea"/>
                 <a:sym typeface="+mn-lt"/>
               </a:rPr>
-              <a:t>人事管理</a:t>
-            </a:r>
-            <a:r>
-              <a:rPr lang="en-US" altLang="zh-TW" sz="2800" b="1" dirty="0" smtClean="0">
+              <a:t>_</a:t>
+            </a:r>
+            <a:r>
+              <a:rPr lang="zh-TW" altLang="en-US" sz="2800" b="1" dirty="0">
                 <a:solidFill>
                   <a:srgbClr val="39759D"/>
                 </a:solidFill>
                 <a:cs typeface="+mn-ea"/>
                 <a:sym typeface="+mn-lt"/>
               </a:rPr>
-              <a:t>_</a:t>
-            </a:r>
-            <a:r>
-              <a:rPr lang="zh-TW" altLang="en-US" sz="2800" b="1" dirty="0" smtClean="0">
+              <a:t>指派人員操作</a:t>
+            </a:r>
+            <a:r>
+              <a:rPr lang="en-US" altLang="zh-TW" sz="2800" b="1" dirty="0">
                 <a:solidFill>
                   <a:srgbClr val="39759D"/>
                 </a:solidFill>
                 <a:cs typeface="+mn-ea"/>
                 <a:sym typeface="+mn-lt"/>
               </a:rPr>
-              <a:t>指派人員操作</a:t>
-            </a:r>
-            <a:r>
-              <a:rPr lang="en-US" altLang="zh-TW" sz="2800" b="1" dirty="0" smtClean="0">
+              <a:t>(</a:t>
+            </a:r>
+            <a:r>
+              <a:rPr lang="zh-TW" altLang="en-US" sz="2800" b="1" dirty="0">
                 <a:solidFill>
                   <a:srgbClr val="39759D"/>
                 </a:solidFill>
                 <a:cs typeface="+mn-ea"/>
                 <a:sym typeface="+mn-lt"/>
               </a:rPr>
-              <a:t>(</a:t>
-            </a:r>
-            <a:r>
-              <a:rPr lang="zh-TW" altLang="en-US" sz="2800" b="1" dirty="0" smtClean="0">
-                <a:solidFill>
-                  <a:srgbClr val="39759D"/>
-                </a:solidFill>
-                <a:cs typeface="+mn-ea"/>
-                <a:sym typeface="+mn-lt"/>
-              </a:rPr>
               <a:t>新增業務主管為例</a:t>
             </a:r>
             <a:r>
-              <a:rPr lang="en-US" altLang="zh-TW" sz="2800" b="1" dirty="0" smtClean="0">
+              <a:rPr lang="en-US" altLang="zh-TW" sz="2800" b="1" dirty="0">
                 <a:solidFill>
                   <a:srgbClr val="39759D"/>
                 </a:solidFill>
@@ -9298,7 +10299,7 @@
           <a:p>
             <a:pPr algn="l"/>
             <a:r>
-              <a:rPr lang="zh-TW" altLang="en-US" dirty="0" smtClean="0">
+              <a:rPr lang="zh-TW" altLang="en-US" dirty="0">
                 <a:solidFill>
                   <a:srgbClr val="FF0000"/>
                 </a:solidFill>
@@ -9308,14 +10309,14 @@
               <a:t>業務主管</a:t>
             </a:r>
             <a:r>
-              <a:rPr lang="zh-TW" altLang="en-US" dirty="0" smtClean="0">
+              <a:rPr lang="zh-TW" altLang="en-US" dirty="0">
                 <a:cs typeface="+mn-ea"/>
                 <a:sym typeface="+mn-lt"/>
               </a:rPr>
               <a:t>需由</a:t>
             </a:r>
             <a:r>
-              <a:rPr lang="zh-TW" altLang="en-US" dirty="0" smtClean="0">
+              <a:rPr lang="zh-TW" altLang="en-US" dirty="0">
                 <a:solidFill>
                   <a:srgbClr val="FF0000"/>
                 </a:solidFill>
@@ -9325,7 +10326,7 @@
               <a:t>資訊室</a:t>
             </a:r>
             <a:r>
-              <a:rPr lang="zh-TW" altLang="en-US" dirty="0" smtClean="0">
+              <a:rPr lang="zh-TW" altLang="en-US" dirty="0">
                 <a:cs typeface="+mn-ea"/>
                 <a:sym typeface="+mn-lt"/>
               </a:rPr>
@@ -9381,14 +10382,7 @@
                 <a:cs typeface="+mn-ea"/>
                 <a:sym typeface="+mn-lt"/>
               </a:rPr>
-              <a:t>需</a:t>
-            </a:r>
-            <a:r>
-              <a:rPr lang="zh-TW" altLang="en-US" dirty="0" smtClean="0">
-                <a:cs typeface="+mn-ea"/>
-                <a:sym typeface="+mn-lt"/>
-              </a:rPr>
-              <a:t>由</a:t>
+              <a:t>需由</a:t>
             </a:r>
             <a:r>
               <a:rPr lang="zh-TW" altLang="en-US" dirty="0">
@@ -9401,7 +10395,7 @@
               <a:t>業務主管</a:t>
             </a:r>
             <a:r>
-              <a:rPr lang="zh-TW" altLang="en-US" dirty="0" smtClean="0">
+              <a:rPr lang="zh-TW" altLang="en-US" dirty="0">
                 <a:cs typeface="+mn-ea"/>
                 <a:sym typeface="+mn-lt"/>
               </a:rPr>
@@ -9443,23 +10437,6 @@
           <a:lstStyle/>
           <a:p>
             <a:r>
-              <a:rPr lang="zh-TW" altLang="en-US" dirty="0" smtClean="0">
-                <a:solidFill>
-                  <a:srgbClr val="FF0000"/>
-                </a:solidFill>
-                <a:cs typeface="+mn-ea"/>
-                <a:sym typeface="+mn-lt"/>
-              </a:rPr>
-              <a:t>業務承辦人</a:t>
-            </a:r>
-            <a:r>
-              <a:rPr lang="zh-TW" altLang="en-US" dirty="0">
-                <a:cs typeface="+mn-ea"/>
-                <a:sym typeface="+mn-lt"/>
-              </a:rPr>
-              <a:t>需由</a:t>
-            </a:r>
-            <a:r>
               <a:rPr lang="zh-TW" altLang="en-US" dirty="0">
                 <a:solidFill>
                   <a:srgbClr val="FF0000"/>
@@ -9467,6 +10444,23 @@
                 <a:cs typeface="+mn-ea"/>
                 <a:sym typeface="+mn-lt"/>
               </a:rPr>
+              <a:t>業務承辦人</a:t>
+            </a:r>
+            <a:r>
+              <a:rPr lang="zh-TW" altLang="en-US" dirty="0">
+                <a:cs typeface="+mn-ea"/>
+                <a:sym typeface="+mn-lt"/>
+              </a:rPr>
+              <a:t>需由</a:t>
+            </a:r>
+            <a:r>
+              <a:rPr lang="zh-TW" altLang="en-US" dirty="0">
+                <a:solidFill>
+                  <a:srgbClr val="FF0000"/>
+                </a:solidFill>
+                <a:cs typeface="+mn-ea"/>
+                <a:sym typeface="+mn-lt"/>
+              </a:rPr>
               <a:t>業務承辦主管</a:t>
             </a:r>
             <a:r>
@@ -9476,10 +10470,6 @@
               </a:rPr>
               <a:t>新增</a:t>
             </a:r>
-            <a:endParaRPr lang="zh-TW" altLang="en-US" dirty="0" smtClean="0">
-              <a:cs typeface="+mn-ea"/>
-              <a:sym typeface="+mn-lt"/>
-            </a:endParaRPr>
           </a:p>
         </p:txBody>
       </p:sp>
@@ -9596,19 +10586,8 @@
                 <a:cs typeface="+mn-ea"/>
                 <a:sym typeface="+mn-lt"/>
               </a:rPr>
-              <a:t>人員確定</a:t>
-            </a:r>
-            <a:r>
-              <a:rPr lang="zh-TW" altLang="en-US" dirty="0" smtClean="0">
-                <a:cs typeface="+mn-ea"/>
-                <a:sym typeface="+mn-lt"/>
-              </a:rPr>
-              <a:t>後，將會移到指派區域，指派完成。</a:t>
-            </a:r>
-            <a:endParaRPr lang="zh-TW" altLang="en-US" dirty="0" smtClean="0">
-              <a:cs typeface="+mn-ea"/>
-              <a:sym typeface="+mn-lt"/>
-            </a:endParaRPr>
+              <a:t>人員確定後，將會移到指派區域，指派完成。</a:t>
+            </a:r>
           </a:p>
         </p:txBody>
       </p:sp>
@@ -9629,6 +10608,1450 @@
       </p:transition>
     </mc:Choice>
     <mc:Fallback xmlns="">
+      <p:transition spd="slow">
+        <p:cut/>
+      </p:transition>
+    </mc:Fallback>
+  </mc:AlternateContent>
+</p:sld>
+</file>
+
+<file path=ppt/slides/slide7.xml><?xml version="1.0" encoding="utf-8"?>
+<p:sld xmlns:a="http://schemas.openxmlformats.org/drawingml/2006/main" xmlns:r="http://schemas.openxmlformats.org/officeDocument/2006/relationships" xmlns:p="http://schemas.openxmlformats.org/presentationml/2006/main">
+  <p:cSld>
+    <p:spTree>
+      <p:nvGrpSpPr>
+        <p:cNvPr id="1" name=""/>
+        <p:cNvGrpSpPr/>
+        <p:nvPr/>
+      </p:nvGrpSpPr>
+      <p:grpSpPr>
+        <a:xfrm>
+          <a:off x="0" y="0"/>
+          <a:ext cx="0" cy="0"/>
+          <a:chOff x="0" y="0"/>
+          <a:chExt cx="0" cy="0"/>
+        </a:xfrm>
+      </p:grpSpPr>
+      <p:pic>
+        <p:nvPicPr>
+          <p:cNvPr id="23" name="圖片 22">
+            <a:extLst>
+              <a:ext uri="{FF2B5EF4-FFF2-40B4-BE49-F238E27FC236}">
+                <a16:creationId xmlns:a16="http://schemas.microsoft.com/office/drawing/2014/main" id="{31B36BF2-154F-4871-84C5-1B8D5B9AE40D}"/>
+              </a:ext>
+            </a:extLst>
+          </p:cNvPr>
+          <p:cNvPicPr>
+            <a:picLocks noChangeAspect="1"/>
+          </p:cNvPicPr>
+          <p:nvPr/>
+        </p:nvPicPr>
+        <p:blipFill>
+          <a:blip r:embed="rId3"/>
+          <a:stretch>
+            <a:fillRect/>
+          </a:stretch>
+        </p:blipFill>
+        <p:spPr>
+          <a:xfrm>
+            <a:off x="0" y="1664703"/>
+            <a:ext cx="12192000" cy="2124364"/>
+          </a:xfrm>
+          <a:prstGeom prst="rect">
+            <a:avLst/>
+          </a:prstGeom>
+        </p:spPr>
+      </p:pic>
+      <p:sp>
+        <p:nvSpPr>
+          <p:cNvPr id="5" name="矩形 4">
+            <a:extLst>
+              <a:ext uri="{FF2B5EF4-FFF2-40B4-BE49-F238E27FC236}">
+                <a16:creationId xmlns:a16="http://schemas.microsoft.com/office/drawing/2014/main" id="{739D8F48-B55E-49DA-9B62-82A3E38C6C22}"/>
+              </a:ext>
+            </a:extLst>
+          </p:cNvPr>
+          <p:cNvSpPr/>
+          <p:nvPr/>
+        </p:nvSpPr>
+        <p:spPr>
+          <a:xfrm>
+            <a:off x="37577" y="30746"/>
+            <a:ext cx="8558569" cy="665027"/>
+          </a:xfrm>
+          <a:prstGeom prst="rect">
+            <a:avLst/>
+          </a:prstGeom>
+          <a:noFill/>
+          <a:ln>
+            <a:noFill/>
+          </a:ln>
+        </p:spPr>
+        <p:style>
+          <a:lnRef idx="2">
+            <a:schemeClr val="accent1">
+              <a:shade val="50000"/>
+            </a:schemeClr>
+          </a:lnRef>
+          <a:fillRef idx="1">
+            <a:schemeClr val="accent1"/>
+          </a:fillRef>
+          <a:effectRef idx="0">
+            <a:schemeClr val="accent1"/>
+          </a:effectRef>
+          <a:fontRef idx="minor">
+            <a:schemeClr val="lt1"/>
+          </a:fontRef>
+        </p:style>
+        <p:txBody>
+          <a:bodyPr rtlCol="0" anchor="ctr"/>
+          <a:lstStyle/>
+          <a:p>
+            <a:r>
+              <a:rPr lang="zh-TW" altLang="en-US" sz="2800" b="1" dirty="0">
+                <a:solidFill>
+                  <a:srgbClr val="39759D"/>
+                </a:solidFill>
+                <a:cs typeface="+mn-ea"/>
+                <a:sym typeface="+mn-lt"/>
+              </a:rPr>
+              <a:t>履約系統</a:t>
+            </a:r>
+            <a:r>
+              <a:rPr lang="en-US" altLang="zh-TW" sz="2800" b="1" dirty="0">
+                <a:solidFill>
+                  <a:srgbClr val="39759D"/>
+                </a:solidFill>
+                <a:cs typeface="+mn-ea"/>
+                <a:sym typeface="+mn-lt"/>
+              </a:rPr>
+              <a:t>_</a:t>
+            </a:r>
+            <a:r>
+              <a:rPr lang="zh-TW" altLang="en-US" sz="2800" b="1" dirty="0">
+                <a:solidFill>
+                  <a:srgbClr val="39759D"/>
+                </a:solidFill>
+                <a:cs typeface="+mn-ea"/>
+                <a:sym typeface="+mn-lt"/>
+              </a:rPr>
+              <a:t>人事管理</a:t>
+            </a:r>
+            <a:r>
+              <a:rPr lang="en-US" altLang="zh-TW" sz="2800" b="1" dirty="0">
+                <a:solidFill>
+                  <a:srgbClr val="39759D"/>
+                </a:solidFill>
+                <a:cs typeface="+mn-ea"/>
+                <a:sym typeface="+mn-lt"/>
+              </a:rPr>
+              <a:t>_</a:t>
+            </a:r>
+            <a:r>
+              <a:rPr lang="zh-TW" altLang="en-US" sz="2800" b="1" dirty="0">
+                <a:solidFill>
+                  <a:srgbClr val="39759D"/>
+                </a:solidFill>
+                <a:cs typeface="+mn-ea"/>
+                <a:sym typeface="+mn-lt"/>
+              </a:rPr>
+              <a:t>指派施工單位</a:t>
+            </a:r>
+          </a:p>
+        </p:txBody>
+      </p:sp>
+      <p:cxnSp>
+        <p:nvCxnSpPr>
+          <p:cNvPr id="6" name="直線接點 5">
+            <a:extLst>
+              <a:ext uri="{FF2B5EF4-FFF2-40B4-BE49-F238E27FC236}">
+                <a16:creationId xmlns:a16="http://schemas.microsoft.com/office/drawing/2014/main" id="{1CCC58A9-F8FF-419B-A67A-55D2B959D158}"/>
+              </a:ext>
+            </a:extLst>
+          </p:cNvPr>
+          <p:cNvCxnSpPr>
+            <a:cxnSpLocks/>
+          </p:cNvCxnSpPr>
+          <p:nvPr/>
+        </p:nvCxnSpPr>
+        <p:spPr>
+          <a:xfrm>
+            <a:off x="136200" y="695773"/>
+            <a:ext cx="8459946" cy="0"/>
+          </a:xfrm>
+          <a:prstGeom prst="line">
+            <a:avLst/>
+          </a:prstGeom>
+          <a:ln w="76200">
+            <a:solidFill>
+              <a:srgbClr val="39759D"/>
+            </a:solidFill>
+          </a:ln>
+        </p:spPr>
+        <p:style>
+          <a:lnRef idx="1">
+            <a:schemeClr val="accent1"/>
+          </a:lnRef>
+          <a:fillRef idx="0">
+            <a:schemeClr val="accent1"/>
+          </a:fillRef>
+          <a:effectRef idx="0">
+            <a:schemeClr val="accent1"/>
+          </a:effectRef>
+          <a:fontRef idx="minor">
+            <a:schemeClr val="tx1"/>
+          </a:fontRef>
+        </p:style>
+      </p:cxnSp>
+      <p:sp>
+        <p:nvSpPr>
+          <p:cNvPr id="7" name="矩形 6">
+            <a:extLst>
+              <a:ext uri="{FF2B5EF4-FFF2-40B4-BE49-F238E27FC236}">
+                <a16:creationId xmlns:a16="http://schemas.microsoft.com/office/drawing/2014/main" id="{FDC30A9E-7400-4333-87F0-E303222DF6E3}"/>
+              </a:ext>
+            </a:extLst>
+          </p:cNvPr>
+          <p:cNvSpPr/>
+          <p:nvPr/>
+        </p:nvSpPr>
+        <p:spPr>
+          <a:xfrm>
+            <a:off x="2023352" y="1791576"/>
+            <a:ext cx="648511" cy="247086"/>
+          </a:xfrm>
+          <a:prstGeom prst="rect">
+            <a:avLst/>
+          </a:prstGeom>
+          <a:noFill/>
+          <a:ln w="19050">
+            <a:solidFill>
+              <a:srgbClr val="FF0000"/>
+            </a:solidFill>
+          </a:ln>
+        </p:spPr>
+        <p:style>
+          <a:lnRef idx="2">
+            <a:schemeClr val="accent1">
+              <a:shade val="50000"/>
+            </a:schemeClr>
+          </a:lnRef>
+          <a:fillRef idx="1">
+            <a:schemeClr val="accent1"/>
+          </a:fillRef>
+          <a:effectRef idx="0">
+            <a:schemeClr val="accent1"/>
+          </a:effectRef>
+          <a:fontRef idx="minor">
+            <a:schemeClr val="lt1"/>
+          </a:fontRef>
+        </p:style>
+        <p:txBody>
+          <a:bodyPr rtlCol="0" anchor="ctr"/>
+          <a:lstStyle/>
+          <a:p>
+            <a:pPr algn="ctr"/>
+            <a:endParaRPr lang="zh-TW" altLang="en-US"/>
+          </a:p>
+        </p:txBody>
+      </p:sp>
+      <p:sp>
+        <p:nvSpPr>
+          <p:cNvPr id="27" name="文字方塊 26">
+            <a:extLst>
+              <a:ext uri="{FF2B5EF4-FFF2-40B4-BE49-F238E27FC236}">
+                <a16:creationId xmlns:a16="http://schemas.microsoft.com/office/drawing/2014/main" id="{32C44DE4-2BF3-43CE-9469-9995DE2819E6}"/>
+              </a:ext>
+            </a:extLst>
+          </p:cNvPr>
+          <p:cNvSpPr txBox="1"/>
+          <p:nvPr/>
+        </p:nvSpPr>
+        <p:spPr>
+          <a:xfrm>
+            <a:off x="2675031" y="1353243"/>
+            <a:ext cx="6841938" cy="369332"/>
+          </a:xfrm>
+          <a:prstGeom prst="rect">
+            <a:avLst/>
+          </a:prstGeom>
+          <a:solidFill>
+            <a:schemeClr val="accent4">
+              <a:lumMod val="40000"/>
+              <a:lumOff val="60000"/>
+            </a:schemeClr>
+          </a:solidFill>
+          <a:ln>
+            <a:solidFill>
+              <a:srgbClr val="FF0000"/>
+            </a:solidFill>
+          </a:ln>
+        </p:spPr>
+        <p:txBody>
+          <a:bodyPr wrap="none" rtlCol="0">
+            <a:spAutoFit/>
+          </a:bodyPr>
+          <a:lstStyle/>
+          <a:p>
+            <a:pPr algn="ctr"/>
+            <a:r>
+              <a:rPr lang="zh-TW" altLang="en-US" dirty="0">
+                <a:cs typeface="+mn-ea"/>
+                <a:sym typeface="+mn-lt"/>
+              </a:rPr>
+              <a:t>專業管理單位連絡人於決標後模組</a:t>
+            </a:r>
+            <a:r>
+              <a:rPr lang="en-US" altLang="zh-TW" dirty="0">
+                <a:cs typeface="+mn-ea"/>
+                <a:sym typeface="+mn-lt"/>
+              </a:rPr>
+              <a:t>A5.6</a:t>
+            </a:r>
+            <a:r>
+              <a:rPr lang="zh-TW" altLang="en-US" dirty="0">
+                <a:cs typeface="+mn-ea"/>
+                <a:sym typeface="+mn-lt"/>
+              </a:rPr>
+              <a:t>簽訂契約流程指派後帶入</a:t>
+            </a:r>
+          </a:p>
+        </p:txBody>
+      </p:sp>
+    </p:spTree>
+    <p:extLst>
+      <p:ext uri="{BB962C8B-B14F-4D97-AF65-F5344CB8AC3E}">
+        <p14:creationId xmlns:p14="http://schemas.microsoft.com/office/powerpoint/2010/main" val="4075349724"/>
+      </p:ext>
+    </p:extLst>
+  </p:cSld>
+  <p:clrMapOvr>
+    <a:masterClrMapping/>
+  </p:clrMapOvr>
+  <mc:AlternateContent xmlns:mc="http://schemas.openxmlformats.org/markup-compatibility/2006">
+    <mc:Choice xmlns:p14="http://schemas.microsoft.com/office/powerpoint/2010/main" Requires="p14">
+      <p:transition spd="slow" p14:dur="2000">
+        <p:cut/>
+      </p:transition>
+    </mc:Choice>
+    <mc:Fallback>
+      <p:transition spd="slow">
+        <p:cut/>
+      </p:transition>
+    </mc:Fallback>
+  </mc:AlternateContent>
+</p:sld>
+</file>
+
+<file path=ppt/slides/slide8.xml><?xml version="1.0" encoding="utf-8"?>
+<p:sld xmlns:a="http://schemas.openxmlformats.org/drawingml/2006/main" xmlns:r="http://schemas.openxmlformats.org/officeDocument/2006/relationships" xmlns:p="http://schemas.openxmlformats.org/presentationml/2006/main">
+  <p:cSld>
+    <p:spTree>
+      <p:nvGrpSpPr>
+        <p:cNvPr id="1" name=""/>
+        <p:cNvGrpSpPr/>
+        <p:nvPr/>
+      </p:nvGrpSpPr>
+      <p:grpSpPr>
+        <a:xfrm>
+          <a:off x="0" y="0"/>
+          <a:ext cx="0" cy="0"/>
+          <a:chOff x="0" y="0"/>
+          <a:chExt cx="0" cy="0"/>
+        </a:xfrm>
+      </p:grpSpPr>
+      <p:pic>
+        <p:nvPicPr>
+          <p:cNvPr id="4" name="圖片 3">
+            <a:extLst>
+              <a:ext uri="{FF2B5EF4-FFF2-40B4-BE49-F238E27FC236}">
+                <a16:creationId xmlns:a16="http://schemas.microsoft.com/office/drawing/2014/main" id="{61BAB315-F031-4B0C-97D0-EBE66FA3AF0C}"/>
+              </a:ext>
+            </a:extLst>
+          </p:cNvPr>
+          <p:cNvPicPr>
+            <a:picLocks noChangeAspect="1"/>
+          </p:cNvPicPr>
+          <p:nvPr/>
+        </p:nvPicPr>
+        <p:blipFill>
+          <a:blip r:embed="rId3"/>
+          <a:stretch>
+            <a:fillRect/>
+          </a:stretch>
+        </p:blipFill>
+        <p:spPr>
+          <a:xfrm>
+            <a:off x="8316" y="695773"/>
+            <a:ext cx="12192000" cy="3362017"/>
+          </a:xfrm>
+          <a:prstGeom prst="rect">
+            <a:avLst/>
+          </a:prstGeom>
+        </p:spPr>
+      </p:pic>
+      <p:sp>
+        <p:nvSpPr>
+          <p:cNvPr id="5" name="矩形 4">
+            <a:extLst>
+              <a:ext uri="{FF2B5EF4-FFF2-40B4-BE49-F238E27FC236}">
+                <a16:creationId xmlns:a16="http://schemas.microsoft.com/office/drawing/2014/main" id="{739D8F48-B55E-49DA-9B62-82A3E38C6C22}"/>
+              </a:ext>
+            </a:extLst>
+          </p:cNvPr>
+          <p:cNvSpPr/>
+          <p:nvPr/>
+        </p:nvSpPr>
+        <p:spPr>
+          <a:xfrm>
+            <a:off x="37577" y="30746"/>
+            <a:ext cx="8558569" cy="665027"/>
+          </a:xfrm>
+          <a:prstGeom prst="rect">
+            <a:avLst/>
+          </a:prstGeom>
+          <a:noFill/>
+          <a:ln>
+            <a:noFill/>
+          </a:ln>
+        </p:spPr>
+        <p:style>
+          <a:lnRef idx="2">
+            <a:schemeClr val="accent1">
+              <a:shade val="50000"/>
+            </a:schemeClr>
+          </a:lnRef>
+          <a:fillRef idx="1">
+            <a:schemeClr val="accent1"/>
+          </a:fillRef>
+          <a:effectRef idx="0">
+            <a:schemeClr val="accent1"/>
+          </a:effectRef>
+          <a:fontRef idx="minor">
+            <a:schemeClr val="lt1"/>
+          </a:fontRef>
+        </p:style>
+        <p:txBody>
+          <a:bodyPr rtlCol="0" anchor="ctr"/>
+          <a:lstStyle/>
+          <a:p>
+            <a:r>
+              <a:rPr lang="zh-TW" altLang="en-US" sz="2800" b="1" dirty="0">
+                <a:solidFill>
+                  <a:srgbClr val="39759D"/>
+                </a:solidFill>
+                <a:cs typeface="+mn-ea"/>
+                <a:sym typeface="+mn-lt"/>
+              </a:rPr>
+              <a:t>履約系統</a:t>
+            </a:r>
+            <a:r>
+              <a:rPr lang="en-US" altLang="zh-TW" sz="2800" b="1" dirty="0">
+                <a:solidFill>
+                  <a:srgbClr val="39759D"/>
+                </a:solidFill>
+                <a:cs typeface="+mn-ea"/>
+                <a:sym typeface="+mn-lt"/>
+              </a:rPr>
+              <a:t>_</a:t>
+            </a:r>
+            <a:r>
+              <a:rPr lang="zh-TW" altLang="en-US" sz="2800" b="1" dirty="0">
+                <a:solidFill>
+                  <a:srgbClr val="39759D"/>
+                </a:solidFill>
+                <a:cs typeface="+mn-ea"/>
+                <a:sym typeface="+mn-lt"/>
+              </a:rPr>
+              <a:t>人事管理</a:t>
+            </a:r>
+            <a:r>
+              <a:rPr lang="en-US" altLang="zh-TW" sz="2800" b="1" dirty="0">
+                <a:solidFill>
+                  <a:srgbClr val="39759D"/>
+                </a:solidFill>
+                <a:cs typeface="+mn-ea"/>
+                <a:sym typeface="+mn-lt"/>
+              </a:rPr>
+              <a:t>_</a:t>
+            </a:r>
+            <a:r>
+              <a:rPr lang="zh-TW" altLang="en-US" sz="2800" b="1" dirty="0">
+                <a:solidFill>
+                  <a:srgbClr val="39759D"/>
+                </a:solidFill>
+                <a:cs typeface="+mn-ea"/>
+                <a:sym typeface="+mn-lt"/>
+              </a:rPr>
+              <a:t>指派施工單位</a:t>
+            </a:r>
+          </a:p>
+        </p:txBody>
+      </p:sp>
+      <p:cxnSp>
+        <p:nvCxnSpPr>
+          <p:cNvPr id="6" name="直線接點 5">
+            <a:extLst>
+              <a:ext uri="{FF2B5EF4-FFF2-40B4-BE49-F238E27FC236}">
+                <a16:creationId xmlns:a16="http://schemas.microsoft.com/office/drawing/2014/main" id="{1CCC58A9-F8FF-419B-A67A-55D2B959D158}"/>
+              </a:ext>
+            </a:extLst>
+          </p:cNvPr>
+          <p:cNvCxnSpPr>
+            <a:cxnSpLocks/>
+          </p:cNvCxnSpPr>
+          <p:nvPr/>
+        </p:nvCxnSpPr>
+        <p:spPr>
+          <a:xfrm>
+            <a:off x="136200" y="695773"/>
+            <a:ext cx="8459946" cy="0"/>
+          </a:xfrm>
+          <a:prstGeom prst="line">
+            <a:avLst/>
+          </a:prstGeom>
+          <a:ln w="76200">
+            <a:solidFill>
+              <a:srgbClr val="39759D"/>
+            </a:solidFill>
+          </a:ln>
+        </p:spPr>
+        <p:style>
+          <a:lnRef idx="1">
+            <a:schemeClr val="accent1"/>
+          </a:lnRef>
+          <a:fillRef idx="0">
+            <a:schemeClr val="accent1"/>
+          </a:fillRef>
+          <a:effectRef idx="0">
+            <a:schemeClr val="accent1"/>
+          </a:effectRef>
+          <a:fontRef idx="minor">
+            <a:schemeClr val="tx1"/>
+          </a:fontRef>
+        </p:style>
+      </p:cxnSp>
+      <p:sp>
+        <p:nvSpPr>
+          <p:cNvPr id="10" name="矩形 9"/>
+          <p:cNvSpPr/>
+          <p:nvPr/>
+        </p:nvSpPr>
+        <p:spPr>
+          <a:xfrm>
+            <a:off x="136199" y="1297673"/>
+            <a:ext cx="11815851" cy="1184492"/>
+          </a:xfrm>
+          <a:prstGeom prst="rect">
+            <a:avLst/>
+          </a:prstGeom>
+          <a:noFill/>
+          <a:ln w="19050">
+            <a:solidFill>
+              <a:srgbClr val="FF0000"/>
+            </a:solidFill>
+          </a:ln>
+        </p:spPr>
+        <p:style>
+          <a:lnRef idx="2">
+            <a:schemeClr val="accent1">
+              <a:shade val="50000"/>
+            </a:schemeClr>
+          </a:lnRef>
+          <a:fillRef idx="1">
+            <a:schemeClr val="accent1"/>
+          </a:fillRef>
+          <a:effectRef idx="0">
+            <a:schemeClr val="accent1"/>
+          </a:effectRef>
+          <a:fontRef idx="minor">
+            <a:schemeClr val="lt1"/>
+          </a:fontRef>
+        </p:style>
+        <p:txBody>
+          <a:bodyPr rot="0" spcFirstLastPara="0" vertOverflow="overflow" horzOverflow="overflow" vert="horz" wrap="square" lIns="91440" tIns="45720" rIns="91440" bIns="45720" numCol="1" spcCol="0" rtlCol="0" fromWordArt="0" anchor="ctr" anchorCtr="0" forceAA="0" compatLnSpc="1">
+            <a:prstTxWarp prst="textNoShape">
+              <a:avLst/>
+            </a:prstTxWarp>
+            <a:noAutofit/>
+          </a:bodyPr>
+          <a:lstStyle/>
+          <a:p>
+            <a:pPr algn="ctr"/>
+            <a:endParaRPr lang="zh-TW" altLang="en-US"/>
+          </a:p>
+        </p:txBody>
+      </p:sp>
+      <p:sp>
+        <p:nvSpPr>
+          <p:cNvPr id="11" name="文字方塊 10"/>
+          <p:cNvSpPr txBox="1"/>
+          <p:nvPr/>
+        </p:nvSpPr>
+        <p:spPr>
+          <a:xfrm>
+            <a:off x="3431068" y="1274761"/>
+            <a:ext cx="5226111" cy="369332"/>
+          </a:xfrm>
+          <a:prstGeom prst="rect">
+            <a:avLst/>
+          </a:prstGeom>
+          <a:solidFill>
+            <a:schemeClr val="accent4">
+              <a:lumMod val="40000"/>
+              <a:lumOff val="60000"/>
+            </a:schemeClr>
+          </a:solidFill>
+          <a:ln>
+            <a:solidFill>
+              <a:srgbClr val="FF0000"/>
+            </a:solidFill>
+          </a:ln>
+        </p:spPr>
+        <p:txBody>
+          <a:bodyPr wrap="none" rtlCol="0">
+            <a:spAutoFit/>
+          </a:bodyPr>
+          <a:lstStyle/>
+          <a:p>
+            <a:pPr algn="ctr"/>
+            <a:r>
+              <a:rPr lang="zh-TW" altLang="en-US" dirty="0">
+                <a:cs typeface="+mn-ea"/>
+                <a:sym typeface="+mn-lt"/>
+              </a:rPr>
+              <a:t>聯絡人於決標後模組</a:t>
+            </a:r>
+            <a:r>
+              <a:rPr lang="en-US" altLang="zh-TW" dirty="0">
+                <a:cs typeface="+mn-ea"/>
+                <a:sym typeface="+mn-lt"/>
+              </a:rPr>
+              <a:t>A5.6</a:t>
+            </a:r>
+            <a:r>
+              <a:rPr lang="zh-TW" altLang="en-US" dirty="0">
+                <a:cs typeface="+mn-ea"/>
+                <a:sym typeface="+mn-lt"/>
+              </a:rPr>
+              <a:t>簽訂契約流程指派後帶入</a:t>
+            </a:r>
+          </a:p>
+        </p:txBody>
+      </p:sp>
+      <p:sp>
+        <p:nvSpPr>
+          <p:cNvPr id="7" name="矩形 6">
+            <a:extLst>
+              <a:ext uri="{FF2B5EF4-FFF2-40B4-BE49-F238E27FC236}">
+                <a16:creationId xmlns:a16="http://schemas.microsoft.com/office/drawing/2014/main" id="{FDC30A9E-7400-4333-87F0-E303222DF6E3}"/>
+              </a:ext>
+            </a:extLst>
+          </p:cNvPr>
+          <p:cNvSpPr/>
+          <p:nvPr/>
+        </p:nvSpPr>
+        <p:spPr>
+          <a:xfrm>
+            <a:off x="2996118" y="834949"/>
+            <a:ext cx="648511" cy="247086"/>
+          </a:xfrm>
+          <a:prstGeom prst="rect">
+            <a:avLst/>
+          </a:prstGeom>
+          <a:noFill/>
+          <a:ln w="19050">
+            <a:solidFill>
+              <a:srgbClr val="FF0000"/>
+            </a:solidFill>
+          </a:ln>
+        </p:spPr>
+        <p:style>
+          <a:lnRef idx="2">
+            <a:schemeClr val="accent1">
+              <a:shade val="50000"/>
+            </a:schemeClr>
+          </a:lnRef>
+          <a:fillRef idx="1">
+            <a:schemeClr val="accent1"/>
+          </a:fillRef>
+          <a:effectRef idx="0">
+            <a:schemeClr val="accent1"/>
+          </a:effectRef>
+          <a:fontRef idx="minor">
+            <a:schemeClr val="lt1"/>
+          </a:fontRef>
+        </p:style>
+        <p:txBody>
+          <a:bodyPr rtlCol="0" anchor="ctr"/>
+          <a:lstStyle/>
+          <a:p>
+            <a:pPr algn="ctr"/>
+            <a:endParaRPr lang="zh-TW" altLang="en-US"/>
+          </a:p>
+        </p:txBody>
+      </p:sp>
+      <p:sp>
+        <p:nvSpPr>
+          <p:cNvPr id="8" name="矩形 7">
+            <a:extLst>
+              <a:ext uri="{FF2B5EF4-FFF2-40B4-BE49-F238E27FC236}">
+                <a16:creationId xmlns:a16="http://schemas.microsoft.com/office/drawing/2014/main" id="{D0541FD3-83D1-4EAC-B233-09B9CD292AE6}"/>
+              </a:ext>
+            </a:extLst>
+          </p:cNvPr>
+          <p:cNvSpPr/>
+          <p:nvPr/>
+        </p:nvSpPr>
+        <p:spPr>
+          <a:xfrm>
+            <a:off x="136199" y="2592413"/>
+            <a:ext cx="11815851" cy="1184493"/>
+          </a:xfrm>
+          <a:prstGeom prst="rect">
+            <a:avLst/>
+          </a:prstGeom>
+          <a:noFill/>
+          <a:ln w="19050">
+            <a:solidFill>
+              <a:srgbClr val="FF0000"/>
+            </a:solidFill>
+          </a:ln>
+        </p:spPr>
+        <p:style>
+          <a:lnRef idx="2">
+            <a:schemeClr val="accent1">
+              <a:shade val="50000"/>
+            </a:schemeClr>
+          </a:lnRef>
+          <a:fillRef idx="1">
+            <a:schemeClr val="accent1"/>
+          </a:fillRef>
+          <a:effectRef idx="0">
+            <a:schemeClr val="accent1"/>
+          </a:effectRef>
+          <a:fontRef idx="minor">
+            <a:schemeClr val="lt1"/>
+          </a:fontRef>
+        </p:style>
+        <p:txBody>
+          <a:bodyPr rtlCol="0" anchor="ctr"/>
+          <a:lstStyle/>
+          <a:p>
+            <a:pPr algn="ctr"/>
+            <a:endParaRPr lang="zh-TW" altLang="en-US"/>
+          </a:p>
+        </p:txBody>
+      </p:sp>
+      <p:sp>
+        <p:nvSpPr>
+          <p:cNvPr id="14" name="文字方塊 13">
+            <a:extLst>
+              <a:ext uri="{FF2B5EF4-FFF2-40B4-BE49-F238E27FC236}">
+                <a16:creationId xmlns:a16="http://schemas.microsoft.com/office/drawing/2014/main" id="{B327AD42-B354-4A24-AD4F-A16B05C96A0F}"/>
+              </a:ext>
+            </a:extLst>
+          </p:cNvPr>
+          <p:cNvSpPr txBox="1"/>
+          <p:nvPr/>
+        </p:nvSpPr>
+        <p:spPr>
+          <a:xfrm>
+            <a:off x="2571938" y="2584296"/>
+            <a:ext cx="7064756" cy="369332"/>
+          </a:xfrm>
+          <a:prstGeom prst="rect">
+            <a:avLst/>
+          </a:prstGeom>
+          <a:solidFill>
+            <a:schemeClr val="accent4">
+              <a:lumMod val="40000"/>
+              <a:lumOff val="60000"/>
+            </a:schemeClr>
+          </a:solidFill>
+          <a:ln>
+            <a:solidFill>
+              <a:srgbClr val="FF0000"/>
+            </a:solidFill>
+          </a:ln>
+        </p:spPr>
+        <p:txBody>
+          <a:bodyPr wrap="none" rtlCol="0">
+            <a:spAutoFit/>
+          </a:bodyPr>
+          <a:lstStyle/>
+          <a:p>
+            <a:pPr algn="ctr"/>
+            <a:r>
+              <a:rPr lang="zh-TW" altLang="en-US" dirty="0">
+                <a:sym typeface="+mn-lt"/>
+              </a:rPr>
+              <a:t>組織人員於開工前模組</a:t>
+            </a:r>
+            <a:r>
+              <a:rPr lang="en-US" altLang="zh-TW" dirty="0">
+                <a:sym typeface="+mn-lt"/>
+              </a:rPr>
+              <a:t>B1.5</a:t>
+            </a:r>
+            <a:r>
+              <a:rPr lang="zh-TW" altLang="en-US" dirty="0"/>
+              <a:t>施工廠商派駐工地人員報核</a:t>
+            </a:r>
+            <a:r>
+              <a:rPr lang="zh-TW" altLang="en-US" dirty="0">
+                <a:sym typeface="+mn-lt"/>
+              </a:rPr>
+              <a:t>指派後帶入</a:t>
+            </a:r>
+          </a:p>
+        </p:txBody>
+      </p:sp>
+      <p:sp>
+        <p:nvSpPr>
+          <p:cNvPr id="16" name="矩形 15">
+            <a:extLst>
+              <a:ext uri="{FF2B5EF4-FFF2-40B4-BE49-F238E27FC236}">
+                <a16:creationId xmlns:a16="http://schemas.microsoft.com/office/drawing/2014/main" id="{6E01F45E-53D5-492C-8E90-06394B2286AE}"/>
+              </a:ext>
+            </a:extLst>
+          </p:cNvPr>
+          <p:cNvSpPr/>
+          <p:nvPr/>
+        </p:nvSpPr>
+        <p:spPr>
+          <a:xfrm>
+            <a:off x="11186809" y="3429000"/>
+            <a:ext cx="538263" cy="196174"/>
+          </a:xfrm>
+          <a:prstGeom prst="rect">
+            <a:avLst/>
+          </a:prstGeom>
+          <a:noFill/>
+          <a:ln w="19050">
+            <a:solidFill>
+              <a:srgbClr val="FF0000"/>
+            </a:solidFill>
+          </a:ln>
+        </p:spPr>
+        <p:style>
+          <a:lnRef idx="2">
+            <a:schemeClr val="accent1">
+              <a:shade val="50000"/>
+            </a:schemeClr>
+          </a:lnRef>
+          <a:fillRef idx="1">
+            <a:schemeClr val="accent1"/>
+          </a:fillRef>
+          <a:effectRef idx="0">
+            <a:schemeClr val="accent1"/>
+          </a:effectRef>
+          <a:fontRef idx="minor">
+            <a:schemeClr val="lt1"/>
+          </a:fontRef>
+        </p:style>
+        <p:txBody>
+          <a:bodyPr rtlCol="0" anchor="ctr"/>
+          <a:lstStyle/>
+          <a:p>
+            <a:pPr algn="ctr"/>
+            <a:endParaRPr lang="zh-TW" altLang="en-US"/>
+          </a:p>
+        </p:txBody>
+      </p:sp>
+      <p:pic>
+        <p:nvPicPr>
+          <p:cNvPr id="18" name="圖片 17">
+            <a:extLst>
+              <a:ext uri="{FF2B5EF4-FFF2-40B4-BE49-F238E27FC236}">
+                <a16:creationId xmlns:a16="http://schemas.microsoft.com/office/drawing/2014/main" id="{74A6AF65-F037-4805-A55D-477DDBB65F71}"/>
+              </a:ext>
+            </a:extLst>
+          </p:cNvPr>
+          <p:cNvPicPr>
+            <a:picLocks noChangeAspect="1"/>
+          </p:cNvPicPr>
+          <p:nvPr/>
+        </p:nvPicPr>
+        <p:blipFill>
+          <a:blip r:embed="rId4"/>
+          <a:stretch>
+            <a:fillRect/>
+          </a:stretch>
+        </p:blipFill>
+        <p:spPr>
+          <a:xfrm>
+            <a:off x="5347433" y="3887154"/>
+            <a:ext cx="5781009" cy="2839435"/>
+          </a:xfrm>
+          <a:prstGeom prst="rect">
+            <a:avLst/>
+          </a:prstGeom>
+          <a:ln>
+            <a:solidFill>
+              <a:schemeClr val="accent1"/>
+            </a:solidFill>
+          </a:ln>
+        </p:spPr>
+      </p:pic>
+      <p:cxnSp>
+        <p:nvCxnSpPr>
+          <p:cNvPr id="20" name="接點: 肘形 19">
+            <a:extLst>
+              <a:ext uri="{FF2B5EF4-FFF2-40B4-BE49-F238E27FC236}">
+                <a16:creationId xmlns:a16="http://schemas.microsoft.com/office/drawing/2014/main" id="{1F38CEE7-9D09-42EF-AF56-FE07585A3E28}"/>
+              </a:ext>
+            </a:extLst>
+          </p:cNvPr>
+          <p:cNvCxnSpPr>
+            <a:stCxn id="16" idx="2"/>
+            <a:endCxn id="18" idx="3"/>
+          </p:cNvCxnSpPr>
+          <p:nvPr/>
+        </p:nvCxnSpPr>
+        <p:spPr>
+          <a:xfrm rot="5400000">
+            <a:off x="10451343" y="4302274"/>
+            <a:ext cx="1681698" cy="327499"/>
+          </a:xfrm>
+          <a:prstGeom prst="bentConnector2">
+            <a:avLst/>
+          </a:prstGeom>
+          <a:ln w="12700">
+            <a:solidFill>
+              <a:srgbClr val="FF0000"/>
+            </a:solidFill>
+            <a:tailEnd type="triangle"/>
+          </a:ln>
+        </p:spPr>
+        <p:style>
+          <a:lnRef idx="1">
+            <a:schemeClr val="accent1"/>
+          </a:lnRef>
+          <a:fillRef idx="0">
+            <a:schemeClr val="accent1"/>
+          </a:fillRef>
+          <a:effectRef idx="0">
+            <a:schemeClr val="accent1"/>
+          </a:effectRef>
+          <a:fontRef idx="minor">
+            <a:schemeClr val="tx1"/>
+          </a:fontRef>
+        </p:style>
+      </p:cxnSp>
+    </p:spTree>
+    <p:extLst>
+      <p:ext uri="{BB962C8B-B14F-4D97-AF65-F5344CB8AC3E}">
+        <p14:creationId xmlns:p14="http://schemas.microsoft.com/office/powerpoint/2010/main" val="901122443"/>
+      </p:ext>
+    </p:extLst>
+  </p:cSld>
+  <p:clrMapOvr>
+    <a:masterClrMapping/>
+  </p:clrMapOvr>
+  <mc:AlternateContent xmlns:mc="http://schemas.openxmlformats.org/markup-compatibility/2006">
+    <mc:Choice xmlns:p14="http://schemas.microsoft.com/office/powerpoint/2010/main" Requires="p14">
+      <p:transition spd="slow" p14:dur="2000">
+        <p:cut/>
+      </p:transition>
+    </mc:Choice>
+    <mc:Fallback>
+      <p:transition spd="slow">
+        <p:cut/>
+      </p:transition>
+    </mc:Fallback>
+  </mc:AlternateContent>
+</p:sld>
+</file>
+
+<file path=ppt/slides/slide9.xml><?xml version="1.0" encoding="utf-8"?>
+<p:sld xmlns:a="http://schemas.openxmlformats.org/drawingml/2006/main" xmlns:r="http://schemas.openxmlformats.org/officeDocument/2006/relationships" xmlns:p="http://schemas.openxmlformats.org/presentationml/2006/main">
+  <p:cSld>
+    <p:spTree>
+      <p:nvGrpSpPr>
+        <p:cNvPr id="1" name=""/>
+        <p:cNvGrpSpPr/>
+        <p:nvPr/>
+      </p:nvGrpSpPr>
+      <p:grpSpPr>
+        <a:xfrm>
+          <a:off x="0" y="0"/>
+          <a:ext cx="0" cy="0"/>
+          <a:chOff x="0" y="0"/>
+          <a:chExt cx="0" cy="0"/>
+        </a:xfrm>
+      </p:grpSpPr>
+      <p:pic>
+        <p:nvPicPr>
+          <p:cNvPr id="3" name="圖片 2">
+            <a:extLst>
+              <a:ext uri="{FF2B5EF4-FFF2-40B4-BE49-F238E27FC236}">
+                <a16:creationId xmlns:a16="http://schemas.microsoft.com/office/drawing/2014/main" id="{D9DDD0A3-9A2D-4633-A047-C1C4942F1763}"/>
+              </a:ext>
+            </a:extLst>
+          </p:cNvPr>
+          <p:cNvPicPr>
+            <a:picLocks noChangeAspect="1"/>
+          </p:cNvPicPr>
+          <p:nvPr/>
+        </p:nvPicPr>
+        <p:blipFill>
+          <a:blip r:embed="rId3"/>
+          <a:stretch>
+            <a:fillRect/>
+          </a:stretch>
+        </p:blipFill>
+        <p:spPr>
+          <a:xfrm>
+            <a:off x="37577" y="834948"/>
+            <a:ext cx="12192000" cy="3182131"/>
+          </a:xfrm>
+          <a:prstGeom prst="rect">
+            <a:avLst/>
+          </a:prstGeom>
+        </p:spPr>
+      </p:pic>
+      <p:sp>
+        <p:nvSpPr>
+          <p:cNvPr id="5" name="矩形 4">
+            <a:extLst>
+              <a:ext uri="{FF2B5EF4-FFF2-40B4-BE49-F238E27FC236}">
+                <a16:creationId xmlns:a16="http://schemas.microsoft.com/office/drawing/2014/main" id="{739D8F48-B55E-49DA-9B62-82A3E38C6C22}"/>
+              </a:ext>
+            </a:extLst>
+          </p:cNvPr>
+          <p:cNvSpPr/>
+          <p:nvPr/>
+        </p:nvSpPr>
+        <p:spPr>
+          <a:xfrm>
+            <a:off x="37577" y="30746"/>
+            <a:ext cx="8558569" cy="665027"/>
+          </a:xfrm>
+          <a:prstGeom prst="rect">
+            <a:avLst/>
+          </a:prstGeom>
+          <a:noFill/>
+          <a:ln>
+            <a:noFill/>
+          </a:ln>
+        </p:spPr>
+        <p:style>
+          <a:lnRef idx="2">
+            <a:schemeClr val="accent1">
+              <a:shade val="50000"/>
+            </a:schemeClr>
+          </a:lnRef>
+          <a:fillRef idx="1">
+            <a:schemeClr val="accent1"/>
+          </a:fillRef>
+          <a:effectRef idx="0">
+            <a:schemeClr val="accent1"/>
+          </a:effectRef>
+          <a:fontRef idx="minor">
+            <a:schemeClr val="lt1"/>
+          </a:fontRef>
+        </p:style>
+        <p:txBody>
+          <a:bodyPr rtlCol="0" anchor="ctr"/>
+          <a:lstStyle/>
+          <a:p>
+            <a:r>
+              <a:rPr lang="zh-TW" altLang="en-US" sz="2800" b="1" dirty="0">
+                <a:solidFill>
+                  <a:srgbClr val="39759D"/>
+                </a:solidFill>
+                <a:cs typeface="+mn-ea"/>
+                <a:sym typeface="+mn-lt"/>
+              </a:rPr>
+              <a:t>履約系統</a:t>
+            </a:r>
+            <a:r>
+              <a:rPr lang="en-US" altLang="zh-TW" sz="2800" b="1" dirty="0">
+                <a:solidFill>
+                  <a:srgbClr val="39759D"/>
+                </a:solidFill>
+                <a:cs typeface="+mn-ea"/>
+                <a:sym typeface="+mn-lt"/>
+              </a:rPr>
+              <a:t>_</a:t>
+            </a:r>
+            <a:r>
+              <a:rPr lang="zh-TW" altLang="en-US" sz="2800" b="1" dirty="0">
+                <a:solidFill>
+                  <a:srgbClr val="39759D"/>
+                </a:solidFill>
+                <a:cs typeface="+mn-ea"/>
+                <a:sym typeface="+mn-lt"/>
+              </a:rPr>
+              <a:t>人事管理</a:t>
+            </a:r>
+            <a:r>
+              <a:rPr lang="en-US" altLang="zh-TW" sz="2800" b="1" dirty="0">
+                <a:solidFill>
+                  <a:srgbClr val="39759D"/>
+                </a:solidFill>
+                <a:cs typeface="+mn-ea"/>
+                <a:sym typeface="+mn-lt"/>
+              </a:rPr>
+              <a:t>_</a:t>
+            </a:r>
+            <a:r>
+              <a:rPr lang="zh-TW" altLang="en-US" sz="2800" b="1" dirty="0">
+                <a:solidFill>
+                  <a:srgbClr val="39759D"/>
+                </a:solidFill>
+                <a:cs typeface="+mn-ea"/>
+                <a:sym typeface="+mn-lt"/>
+              </a:rPr>
+              <a:t>指派監造單位</a:t>
+            </a:r>
+          </a:p>
+        </p:txBody>
+      </p:sp>
+      <p:cxnSp>
+        <p:nvCxnSpPr>
+          <p:cNvPr id="6" name="直線接點 5">
+            <a:extLst>
+              <a:ext uri="{FF2B5EF4-FFF2-40B4-BE49-F238E27FC236}">
+                <a16:creationId xmlns:a16="http://schemas.microsoft.com/office/drawing/2014/main" id="{1CCC58A9-F8FF-419B-A67A-55D2B959D158}"/>
+              </a:ext>
+            </a:extLst>
+          </p:cNvPr>
+          <p:cNvCxnSpPr>
+            <a:cxnSpLocks/>
+          </p:cNvCxnSpPr>
+          <p:nvPr/>
+        </p:nvCxnSpPr>
+        <p:spPr>
+          <a:xfrm>
+            <a:off x="136200" y="695773"/>
+            <a:ext cx="8459946" cy="0"/>
+          </a:xfrm>
+          <a:prstGeom prst="line">
+            <a:avLst/>
+          </a:prstGeom>
+          <a:ln w="76200">
+            <a:solidFill>
+              <a:srgbClr val="39759D"/>
+            </a:solidFill>
+          </a:ln>
+        </p:spPr>
+        <p:style>
+          <a:lnRef idx="1">
+            <a:schemeClr val="accent1"/>
+          </a:lnRef>
+          <a:fillRef idx="0">
+            <a:schemeClr val="accent1"/>
+          </a:fillRef>
+          <a:effectRef idx="0">
+            <a:schemeClr val="accent1"/>
+          </a:effectRef>
+          <a:fontRef idx="minor">
+            <a:schemeClr val="tx1"/>
+          </a:fontRef>
+        </p:style>
+      </p:cxnSp>
+      <p:sp>
+        <p:nvSpPr>
+          <p:cNvPr id="10" name="矩形 9"/>
+          <p:cNvSpPr/>
+          <p:nvPr/>
+        </p:nvSpPr>
+        <p:spPr>
+          <a:xfrm>
+            <a:off x="136199" y="1297673"/>
+            <a:ext cx="11815851" cy="1184492"/>
+          </a:xfrm>
+          <a:prstGeom prst="rect">
+            <a:avLst/>
+          </a:prstGeom>
+          <a:noFill/>
+          <a:ln w="19050">
+            <a:solidFill>
+              <a:srgbClr val="FF0000"/>
+            </a:solidFill>
+          </a:ln>
+        </p:spPr>
+        <p:style>
+          <a:lnRef idx="2">
+            <a:schemeClr val="accent1">
+              <a:shade val="50000"/>
+            </a:schemeClr>
+          </a:lnRef>
+          <a:fillRef idx="1">
+            <a:schemeClr val="accent1"/>
+          </a:fillRef>
+          <a:effectRef idx="0">
+            <a:schemeClr val="accent1"/>
+          </a:effectRef>
+          <a:fontRef idx="minor">
+            <a:schemeClr val="lt1"/>
+          </a:fontRef>
+        </p:style>
+        <p:txBody>
+          <a:bodyPr rot="0" spcFirstLastPara="0" vertOverflow="overflow" horzOverflow="overflow" vert="horz" wrap="square" lIns="91440" tIns="45720" rIns="91440" bIns="45720" numCol="1" spcCol="0" rtlCol="0" fromWordArt="0" anchor="ctr" anchorCtr="0" forceAA="0" compatLnSpc="1">
+            <a:prstTxWarp prst="textNoShape">
+              <a:avLst/>
+            </a:prstTxWarp>
+            <a:noAutofit/>
+          </a:bodyPr>
+          <a:lstStyle/>
+          <a:p>
+            <a:pPr algn="ctr"/>
+            <a:endParaRPr lang="zh-TW" altLang="en-US"/>
+          </a:p>
+        </p:txBody>
+      </p:sp>
+      <p:sp>
+        <p:nvSpPr>
+          <p:cNvPr id="11" name="文字方塊 10"/>
+          <p:cNvSpPr txBox="1"/>
+          <p:nvPr/>
+        </p:nvSpPr>
+        <p:spPr>
+          <a:xfrm>
+            <a:off x="3431068" y="1274761"/>
+            <a:ext cx="5226111" cy="369332"/>
+          </a:xfrm>
+          <a:prstGeom prst="rect">
+            <a:avLst/>
+          </a:prstGeom>
+          <a:solidFill>
+            <a:schemeClr val="accent4">
+              <a:lumMod val="40000"/>
+              <a:lumOff val="60000"/>
+            </a:schemeClr>
+          </a:solidFill>
+          <a:ln>
+            <a:solidFill>
+              <a:srgbClr val="FF0000"/>
+            </a:solidFill>
+          </a:ln>
+        </p:spPr>
+        <p:txBody>
+          <a:bodyPr wrap="none" rtlCol="0">
+            <a:spAutoFit/>
+          </a:bodyPr>
+          <a:lstStyle/>
+          <a:p>
+            <a:pPr algn="ctr"/>
+            <a:r>
+              <a:rPr lang="zh-TW" altLang="en-US" dirty="0">
+                <a:cs typeface="+mn-ea"/>
+                <a:sym typeface="+mn-lt"/>
+              </a:rPr>
+              <a:t>聯絡人於決標後模組</a:t>
+            </a:r>
+            <a:r>
+              <a:rPr lang="en-US" altLang="zh-TW" dirty="0">
+                <a:cs typeface="+mn-ea"/>
+                <a:sym typeface="+mn-lt"/>
+              </a:rPr>
+              <a:t>A5.6</a:t>
+            </a:r>
+            <a:r>
+              <a:rPr lang="zh-TW" altLang="en-US" dirty="0">
+                <a:cs typeface="+mn-ea"/>
+                <a:sym typeface="+mn-lt"/>
+              </a:rPr>
+              <a:t>簽訂契約流程指派後帶入</a:t>
+            </a:r>
+          </a:p>
+        </p:txBody>
+      </p:sp>
+      <p:sp>
+        <p:nvSpPr>
+          <p:cNvPr id="7" name="矩形 6">
+            <a:extLst>
+              <a:ext uri="{FF2B5EF4-FFF2-40B4-BE49-F238E27FC236}">
+                <a16:creationId xmlns:a16="http://schemas.microsoft.com/office/drawing/2014/main" id="{FDC30A9E-7400-4333-87F0-E303222DF6E3}"/>
+              </a:ext>
+            </a:extLst>
+          </p:cNvPr>
+          <p:cNvSpPr/>
+          <p:nvPr/>
+        </p:nvSpPr>
+        <p:spPr>
+          <a:xfrm>
+            <a:off x="3668350" y="983869"/>
+            <a:ext cx="648511" cy="247086"/>
+          </a:xfrm>
+          <a:prstGeom prst="rect">
+            <a:avLst/>
+          </a:prstGeom>
+          <a:noFill/>
+          <a:ln w="19050">
+            <a:solidFill>
+              <a:srgbClr val="FF0000"/>
+            </a:solidFill>
+          </a:ln>
+        </p:spPr>
+        <p:style>
+          <a:lnRef idx="2">
+            <a:schemeClr val="accent1">
+              <a:shade val="50000"/>
+            </a:schemeClr>
+          </a:lnRef>
+          <a:fillRef idx="1">
+            <a:schemeClr val="accent1"/>
+          </a:fillRef>
+          <a:effectRef idx="0">
+            <a:schemeClr val="accent1"/>
+          </a:effectRef>
+          <a:fontRef idx="minor">
+            <a:schemeClr val="lt1"/>
+          </a:fontRef>
+        </p:style>
+        <p:txBody>
+          <a:bodyPr rtlCol="0" anchor="ctr"/>
+          <a:lstStyle/>
+          <a:p>
+            <a:pPr algn="ctr"/>
+            <a:endParaRPr lang="zh-TW" altLang="en-US"/>
+          </a:p>
+        </p:txBody>
+      </p:sp>
+      <p:sp>
+        <p:nvSpPr>
+          <p:cNvPr id="8" name="矩形 7">
+            <a:extLst>
+              <a:ext uri="{FF2B5EF4-FFF2-40B4-BE49-F238E27FC236}">
+                <a16:creationId xmlns:a16="http://schemas.microsoft.com/office/drawing/2014/main" id="{D0541FD3-83D1-4EAC-B233-09B9CD292AE6}"/>
+              </a:ext>
+            </a:extLst>
+          </p:cNvPr>
+          <p:cNvSpPr/>
+          <p:nvPr/>
+        </p:nvSpPr>
+        <p:spPr>
+          <a:xfrm>
+            <a:off x="136199" y="2592413"/>
+            <a:ext cx="11815851" cy="1369987"/>
+          </a:xfrm>
+          <a:prstGeom prst="rect">
+            <a:avLst/>
+          </a:prstGeom>
+          <a:noFill/>
+          <a:ln w="19050">
+            <a:solidFill>
+              <a:srgbClr val="FF0000"/>
+            </a:solidFill>
+          </a:ln>
+        </p:spPr>
+        <p:style>
+          <a:lnRef idx="2">
+            <a:schemeClr val="accent1">
+              <a:shade val="50000"/>
+            </a:schemeClr>
+          </a:lnRef>
+          <a:fillRef idx="1">
+            <a:schemeClr val="accent1"/>
+          </a:fillRef>
+          <a:effectRef idx="0">
+            <a:schemeClr val="accent1"/>
+          </a:effectRef>
+          <a:fontRef idx="minor">
+            <a:schemeClr val="lt1"/>
+          </a:fontRef>
+        </p:style>
+        <p:txBody>
+          <a:bodyPr rtlCol="0" anchor="ctr"/>
+          <a:lstStyle/>
+          <a:p>
+            <a:pPr algn="ctr"/>
+            <a:endParaRPr lang="zh-TW" altLang="en-US"/>
+          </a:p>
+        </p:txBody>
+      </p:sp>
+      <p:sp>
+        <p:nvSpPr>
+          <p:cNvPr id="14" name="文字方塊 13">
+            <a:extLst>
+              <a:ext uri="{FF2B5EF4-FFF2-40B4-BE49-F238E27FC236}">
+                <a16:creationId xmlns:a16="http://schemas.microsoft.com/office/drawing/2014/main" id="{B327AD42-B354-4A24-AD4F-A16B05C96A0F}"/>
+              </a:ext>
+            </a:extLst>
+          </p:cNvPr>
+          <p:cNvSpPr txBox="1"/>
+          <p:nvPr/>
+        </p:nvSpPr>
+        <p:spPr>
+          <a:xfrm>
+            <a:off x="2571939" y="2584296"/>
+            <a:ext cx="7064756" cy="369332"/>
+          </a:xfrm>
+          <a:prstGeom prst="rect">
+            <a:avLst/>
+          </a:prstGeom>
+          <a:solidFill>
+            <a:schemeClr val="accent4">
+              <a:lumMod val="40000"/>
+              <a:lumOff val="60000"/>
+            </a:schemeClr>
+          </a:solidFill>
+          <a:ln>
+            <a:solidFill>
+              <a:srgbClr val="FF0000"/>
+            </a:solidFill>
+          </a:ln>
+        </p:spPr>
+        <p:txBody>
+          <a:bodyPr wrap="none" rtlCol="0">
+            <a:spAutoFit/>
+          </a:bodyPr>
+          <a:lstStyle/>
+          <a:p>
+            <a:pPr algn="ctr"/>
+            <a:r>
+              <a:rPr lang="zh-TW" altLang="en-US" dirty="0">
+                <a:sym typeface="+mn-lt"/>
+              </a:rPr>
+              <a:t>組織人員於開工前模組</a:t>
+            </a:r>
+            <a:r>
+              <a:rPr lang="en-US" altLang="zh-TW" dirty="0">
+                <a:sym typeface="+mn-lt"/>
+              </a:rPr>
+              <a:t>B1.4</a:t>
+            </a:r>
+            <a:r>
+              <a:rPr lang="zh-TW" altLang="en-US" dirty="0">
+                <a:sym typeface="+mn-lt"/>
+              </a:rPr>
+              <a:t>監造</a:t>
+            </a:r>
+            <a:r>
+              <a:rPr lang="zh-TW" altLang="en-US" dirty="0"/>
+              <a:t>廠商派駐工地人員報核</a:t>
+            </a:r>
+            <a:r>
+              <a:rPr lang="zh-TW" altLang="en-US" dirty="0">
+                <a:sym typeface="+mn-lt"/>
+              </a:rPr>
+              <a:t>指派後帶入</a:t>
+            </a:r>
+          </a:p>
+        </p:txBody>
+      </p:sp>
+    </p:spTree>
+    <p:extLst>
+      <p:ext uri="{BB962C8B-B14F-4D97-AF65-F5344CB8AC3E}">
+        <p14:creationId xmlns:p14="http://schemas.microsoft.com/office/powerpoint/2010/main" val="1838918140"/>
+      </p:ext>
+    </p:extLst>
+  </p:cSld>
+  <p:clrMapOvr>
+    <a:masterClrMapping/>
+  </p:clrMapOvr>
+  <mc:AlternateContent xmlns:mc="http://schemas.openxmlformats.org/markup-compatibility/2006">
+    <mc:Choice xmlns:p14="http://schemas.microsoft.com/office/powerpoint/2010/main" Requires="p14">
+      <p:transition spd="slow" p14:dur="2000">
+        <p:cut/>
+      </p:transition>
+    </mc:Choice>
+    <mc:Fallback>
       <p:transition spd="slow">
         <p:cut/>
       </p:transition>

--- a/人事管理.pptx
+++ b/人事管理.pptx
@@ -14,11 +14,11 @@
     <p:sldId id="259" r:id="rId5"/>
     <p:sldId id="260" r:id="rId6"/>
     <p:sldId id="261" r:id="rId7"/>
-    <p:sldId id="262" r:id="rId8"/>
-    <p:sldId id="263" r:id="rId9"/>
-    <p:sldId id="264" r:id="rId10"/>
-    <p:sldId id="265" r:id="rId11"/>
-    <p:sldId id="266" r:id="rId12"/>
+    <p:sldId id="266" r:id="rId8"/>
+    <p:sldId id="262" r:id="rId9"/>
+    <p:sldId id="263" r:id="rId10"/>
+    <p:sldId id="264" r:id="rId11"/>
+    <p:sldId id="265" r:id="rId12"/>
   </p:sldIdLst>
   <p:sldSz cx="12192000" cy="6858000"/>
   <p:notesSz cx="6858000" cy="9144000"/>
@@ -207,7 +207,7 @@
           <a:p>
             <a:fld id="{FCBBC32F-BC28-4221-B6FF-D78B62618E79}" type="datetimeFigureOut">
               <a:rPr lang="zh-TW" altLang="en-US" smtClean="0"/>
-              <a:t>2022/1/24</a:t>
+              <a:t>2022/1/25</a:t>
             </a:fld>
             <a:endParaRPr lang="zh-TW" altLang="en-US"/>
           </a:p>
@@ -632,7 +632,7 @@
     </p:spTree>
     <p:extLst>
       <p:ext uri="{BB962C8B-B14F-4D97-AF65-F5344CB8AC3E}">
-        <p14:creationId xmlns:p14="http://schemas.microsoft.com/office/powerpoint/2010/main" val="2688199360"/>
+        <p14:creationId xmlns:p14="http://schemas.microsoft.com/office/powerpoint/2010/main" val="3472107665"/>
       </p:ext>
     </p:extLst>
   </p:cSld>
@@ -716,7 +716,7 @@
     </p:spTree>
     <p:extLst>
       <p:ext uri="{BB962C8B-B14F-4D97-AF65-F5344CB8AC3E}">
-        <p14:creationId xmlns:p14="http://schemas.microsoft.com/office/powerpoint/2010/main" val="2217665932"/>
+        <p14:creationId xmlns:p14="http://schemas.microsoft.com/office/powerpoint/2010/main" val="2688199360"/>
       </p:ext>
     </p:extLst>
   </p:cSld>
@@ -1220,7 +1220,7 @@
     </p:spTree>
     <p:extLst>
       <p:ext uri="{BB962C8B-B14F-4D97-AF65-F5344CB8AC3E}">
-        <p14:creationId xmlns:p14="http://schemas.microsoft.com/office/powerpoint/2010/main" val="2527355315"/>
+        <p14:creationId xmlns:p14="http://schemas.microsoft.com/office/powerpoint/2010/main" val="2217665932"/>
       </p:ext>
     </p:extLst>
   </p:cSld>
@@ -1304,7 +1304,7 @@
     </p:spTree>
     <p:extLst>
       <p:ext uri="{BB962C8B-B14F-4D97-AF65-F5344CB8AC3E}">
-        <p14:creationId xmlns:p14="http://schemas.microsoft.com/office/powerpoint/2010/main" val="3832289375"/>
+        <p14:creationId xmlns:p14="http://schemas.microsoft.com/office/powerpoint/2010/main" val="2527355315"/>
       </p:ext>
     </p:extLst>
   </p:cSld>
@@ -1388,7 +1388,7 @@
     </p:spTree>
     <p:extLst>
       <p:ext uri="{BB962C8B-B14F-4D97-AF65-F5344CB8AC3E}">
-        <p14:creationId xmlns:p14="http://schemas.microsoft.com/office/powerpoint/2010/main" val="3472107665"/>
+        <p14:creationId xmlns:p14="http://schemas.microsoft.com/office/powerpoint/2010/main" val="3832289375"/>
       </p:ext>
     </p:extLst>
   </p:cSld>
@@ -1527,7 +1527,7 @@
           <a:p>
             <a:fld id="{87013262-28ED-4F8C-8558-DF4C8F8DE18F}" type="datetimeFigureOut">
               <a:rPr lang="zh-TW" altLang="en-US" smtClean="0"/>
-              <a:t>2022/1/24</a:t>
+              <a:t>2022/1/25</a:t>
             </a:fld>
             <a:endParaRPr lang="zh-TW" altLang="en-US"/>
           </a:p>
@@ -1695,7 +1695,7 @@
           <a:p>
             <a:fld id="{87013262-28ED-4F8C-8558-DF4C8F8DE18F}" type="datetimeFigureOut">
               <a:rPr lang="zh-TW" altLang="en-US" smtClean="0"/>
-              <a:t>2022/1/24</a:t>
+              <a:t>2022/1/25</a:t>
             </a:fld>
             <a:endParaRPr lang="zh-TW" altLang="en-US"/>
           </a:p>
@@ -1873,7 +1873,7 @@
           <a:p>
             <a:fld id="{87013262-28ED-4F8C-8558-DF4C8F8DE18F}" type="datetimeFigureOut">
               <a:rPr lang="zh-TW" altLang="en-US" smtClean="0"/>
-              <a:t>2022/1/24</a:t>
+              <a:t>2022/1/25</a:t>
             </a:fld>
             <a:endParaRPr lang="zh-TW" altLang="en-US"/>
           </a:p>
@@ -2848,7 +2848,7 @@
           <a:p>
             <a:fld id="{87013262-28ED-4F8C-8558-DF4C8F8DE18F}" type="datetimeFigureOut">
               <a:rPr lang="zh-TW" altLang="en-US" smtClean="0"/>
-              <a:t>2022/1/24</a:t>
+              <a:t>2022/1/25</a:t>
             </a:fld>
             <a:endParaRPr lang="zh-TW" altLang="en-US"/>
           </a:p>
@@ -3093,7 +3093,7 @@
           <a:p>
             <a:fld id="{87013262-28ED-4F8C-8558-DF4C8F8DE18F}" type="datetimeFigureOut">
               <a:rPr lang="zh-TW" altLang="en-US" smtClean="0"/>
-              <a:t>2022/1/24</a:t>
+              <a:t>2022/1/25</a:t>
             </a:fld>
             <a:endParaRPr lang="zh-TW" altLang="en-US"/>
           </a:p>
@@ -3322,7 +3322,7 @@
           <a:p>
             <a:fld id="{87013262-28ED-4F8C-8558-DF4C8F8DE18F}" type="datetimeFigureOut">
               <a:rPr lang="zh-TW" altLang="en-US" smtClean="0"/>
-              <a:t>2022/1/24</a:t>
+              <a:t>2022/1/25</a:t>
             </a:fld>
             <a:endParaRPr lang="zh-TW" altLang="en-US"/>
           </a:p>
@@ -3686,7 +3686,7 @@
           <a:p>
             <a:fld id="{87013262-28ED-4F8C-8558-DF4C8F8DE18F}" type="datetimeFigureOut">
               <a:rPr lang="zh-TW" altLang="en-US" smtClean="0"/>
-              <a:t>2022/1/24</a:t>
+              <a:t>2022/1/25</a:t>
             </a:fld>
             <a:endParaRPr lang="zh-TW" altLang="en-US"/>
           </a:p>
@@ -3803,7 +3803,7 @@
           <a:p>
             <a:fld id="{87013262-28ED-4F8C-8558-DF4C8F8DE18F}" type="datetimeFigureOut">
               <a:rPr lang="zh-TW" altLang="en-US" smtClean="0"/>
-              <a:t>2022/1/24</a:t>
+              <a:t>2022/1/25</a:t>
             </a:fld>
             <a:endParaRPr lang="zh-TW" altLang="en-US"/>
           </a:p>
@@ -3898,7 +3898,7 @@
           <a:p>
             <a:fld id="{87013262-28ED-4F8C-8558-DF4C8F8DE18F}" type="datetimeFigureOut">
               <a:rPr lang="zh-TW" altLang="en-US" smtClean="0"/>
-              <a:t>2022/1/24</a:t>
+              <a:t>2022/1/25</a:t>
             </a:fld>
             <a:endParaRPr lang="zh-TW" altLang="en-US"/>
           </a:p>
@@ -4173,7 +4173,7 @@
           <a:p>
             <a:fld id="{87013262-28ED-4F8C-8558-DF4C8F8DE18F}" type="datetimeFigureOut">
               <a:rPr lang="zh-TW" altLang="en-US" smtClean="0"/>
-              <a:t>2022/1/24</a:t>
+              <a:t>2022/1/25</a:t>
             </a:fld>
             <a:endParaRPr lang="zh-TW" altLang="en-US"/>
           </a:p>
@@ -4425,7 +4425,7 @@
           <a:p>
             <a:fld id="{87013262-28ED-4F8C-8558-DF4C8F8DE18F}" type="datetimeFigureOut">
               <a:rPr lang="zh-TW" altLang="en-US" smtClean="0"/>
-              <a:t>2022/1/24</a:t>
+              <a:t>2022/1/25</a:t>
             </a:fld>
             <a:endParaRPr lang="zh-TW" altLang="en-US"/>
           </a:p>
@@ -4636,7 +4636,7 @@
           <a:p>
             <a:fld id="{87013262-28ED-4F8C-8558-DF4C8F8DE18F}" type="datetimeFigureOut">
               <a:rPr lang="zh-TW" altLang="en-US" smtClean="0"/>
-              <a:t>2022/1/24</a:t>
+              <a:t>2022/1/25</a:t>
             </a:fld>
             <a:endParaRPr lang="zh-TW" altLang="en-US"/>
           </a:p>
@@ -5522,10 +5522,10 @@
       </p:grpSpPr>
       <p:pic>
         <p:nvPicPr>
-          <p:cNvPr id="4" name="圖片 3">
+          <p:cNvPr id="3" name="圖片 2">
             <a:extLst>
               <a:ext uri="{FF2B5EF4-FFF2-40B4-BE49-F238E27FC236}">
-                <a16:creationId xmlns:a16="http://schemas.microsoft.com/office/drawing/2014/main" id="{43D3954F-80C2-474C-84F9-11CC1CF59492}"/>
+                <a16:creationId xmlns:a16="http://schemas.microsoft.com/office/drawing/2014/main" id="{D9DDD0A3-9A2D-4633-A047-C1C4942F1763}"/>
               </a:ext>
             </a:extLst>
           </p:cNvPr>
@@ -5542,8 +5542,8 @@
         </p:blipFill>
         <p:spPr>
           <a:xfrm>
-            <a:off x="0" y="1667005"/>
-            <a:ext cx="12192000" cy="2002133"/>
+            <a:off x="37577" y="834948"/>
+            <a:ext cx="12192000" cy="3182131"/>
           </a:xfrm>
           <a:prstGeom prst="rect">
             <a:avLst/>
@@ -5643,7 +5643,7 @@
                 <a:cs typeface="+mn-ea"/>
                 <a:sym typeface="+mn-lt"/>
               </a:rPr>
-              <a:t>指派耐震監督單位</a:t>
+              <a:t>指派監造單位</a:t>
             </a:r>
           </a:p>
         </p:txBody>
@@ -5699,7 +5699,7 @@
         </p:nvSpPr>
         <p:spPr>
           <a:xfrm>
-            <a:off x="136199" y="2231528"/>
+            <a:off x="136199" y="1297673"/>
             <a:ext cx="11815851" cy="1184492"/>
           </a:xfrm>
           <a:prstGeom prst="rect">
@@ -5750,8 +5750,8 @@
         </p:nvSpPr>
         <p:spPr>
           <a:xfrm>
-            <a:off x="2853988" y="2208616"/>
-            <a:ext cx="6380273" cy="369332"/>
+            <a:off x="3431068" y="1274761"/>
+            <a:ext cx="5226111" cy="369332"/>
           </a:xfrm>
           <a:prstGeom prst="rect">
             <a:avLst/>
@@ -5780,7 +5780,7 @@
                 <a:cs typeface="+mn-ea"/>
                 <a:sym typeface="+mn-lt"/>
               </a:rPr>
-              <a:t>耐震單位聯絡人於決標後模組</a:t>
+              <a:t>聯絡人於決標後模組</a:t>
             </a:r>
             <a:r>
               <a:rPr lang="en-US" altLang="zh-TW" dirty="0">
@@ -5801,10 +5801,10 @@
       </p:sp>
       <p:sp>
         <p:nvSpPr>
-          <p:cNvPr id="9" name="矩形 8">
+          <p:cNvPr id="7" name="矩形 6">
             <a:extLst>
               <a:ext uri="{FF2B5EF4-FFF2-40B4-BE49-F238E27FC236}">
-                <a16:creationId xmlns:a16="http://schemas.microsoft.com/office/drawing/2014/main" id="{C48B3DA1-9956-4481-AE38-008D3FF4FF95}"/>
+                <a16:creationId xmlns:a16="http://schemas.microsoft.com/office/drawing/2014/main" id="{FDC30A9E-7400-4333-87F0-E303222DF6E3}"/>
               </a:ext>
             </a:extLst>
           </p:cNvPr>
@@ -5813,8 +5813,8 @@
         </p:nvSpPr>
         <p:spPr>
           <a:xfrm>
-            <a:off x="4565515" y="1763949"/>
-            <a:ext cx="862519" cy="214461"/>
+            <a:off x="3668350" y="983869"/>
+            <a:ext cx="648511" cy="247086"/>
           </a:xfrm>
           <a:prstGeom prst="rect">
             <a:avLst/>
@@ -5851,23 +5851,145 @@
           </a:p>
         </p:txBody>
       </p:sp>
+      <p:sp>
+        <p:nvSpPr>
+          <p:cNvPr id="8" name="矩形 7">
+            <a:extLst>
+              <a:ext uri="{FF2B5EF4-FFF2-40B4-BE49-F238E27FC236}">
+                <a16:creationId xmlns:a16="http://schemas.microsoft.com/office/drawing/2014/main" id="{D0541FD3-83D1-4EAC-B233-09B9CD292AE6}"/>
+              </a:ext>
+            </a:extLst>
+          </p:cNvPr>
+          <p:cNvSpPr/>
+          <p:nvPr/>
+        </p:nvSpPr>
+        <p:spPr>
+          <a:xfrm>
+            <a:off x="136199" y="2592413"/>
+            <a:ext cx="11815851" cy="1369987"/>
+          </a:xfrm>
+          <a:prstGeom prst="rect">
+            <a:avLst/>
+          </a:prstGeom>
+          <a:noFill/>
+          <a:ln w="19050">
+            <a:solidFill>
+              <a:srgbClr val="FF0000"/>
+            </a:solidFill>
+          </a:ln>
+        </p:spPr>
+        <p:style>
+          <a:lnRef idx="2">
+            <a:schemeClr val="accent1">
+              <a:shade val="50000"/>
+            </a:schemeClr>
+          </a:lnRef>
+          <a:fillRef idx="1">
+            <a:schemeClr val="accent1"/>
+          </a:fillRef>
+          <a:effectRef idx="0">
+            <a:schemeClr val="accent1"/>
+          </a:effectRef>
+          <a:fontRef idx="minor">
+            <a:schemeClr val="lt1"/>
+          </a:fontRef>
+        </p:style>
+        <p:txBody>
+          <a:bodyPr rtlCol="0" anchor="ctr"/>
+          <a:lstStyle/>
+          <a:p>
+            <a:pPr algn="ctr"/>
+            <a:endParaRPr lang="zh-TW" altLang="en-US"/>
+          </a:p>
+        </p:txBody>
+      </p:sp>
+      <p:sp>
+        <p:nvSpPr>
+          <p:cNvPr id="14" name="文字方塊 13">
+            <a:extLst>
+              <a:ext uri="{FF2B5EF4-FFF2-40B4-BE49-F238E27FC236}">
+                <a16:creationId xmlns:a16="http://schemas.microsoft.com/office/drawing/2014/main" id="{B327AD42-B354-4A24-AD4F-A16B05C96A0F}"/>
+              </a:ext>
+            </a:extLst>
+          </p:cNvPr>
+          <p:cNvSpPr txBox="1"/>
+          <p:nvPr/>
+        </p:nvSpPr>
+        <p:spPr>
+          <a:xfrm>
+            <a:off x="2571939" y="2584296"/>
+            <a:ext cx="7064756" cy="369332"/>
+          </a:xfrm>
+          <a:prstGeom prst="rect">
+            <a:avLst/>
+          </a:prstGeom>
+          <a:solidFill>
+            <a:schemeClr val="accent4">
+              <a:lumMod val="40000"/>
+              <a:lumOff val="60000"/>
+            </a:schemeClr>
+          </a:solidFill>
+          <a:ln>
+            <a:solidFill>
+              <a:srgbClr val="FF0000"/>
+            </a:solidFill>
+          </a:ln>
+        </p:spPr>
+        <p:txBody>
+          <a:bodyPr wrap="none" rtlCol="0">
+            <a:spAutoFit/>
+          </a:bodyPr>
+          <a:lstStyle/>
+          <a:p>
+            <a:pPr algn="ctr"/>
+            <a:r>
+              <a:rPr lang="zh-TW" altLang="en-US" dirty="0">
+                <a:sym typeface="+mn-lt"/>
+              </a:rPr>
+              <a:t>組織人員於開工前模組</a:t>
+            </a:r>
+            <a:r>
+              <a:rPr lang="en-US" altLang="zh-TW" dirty="0">
+                <a:sym typeface="+mn-lt"/>
+              </a:rPr>
+              <a:t>B1.4</a:t>
+            </a:r>
+            <a:r>
+              <a:rPr lang="zh-TW" altLang="en-US" dirty="0">
+                <a:sym typeface="+mn-lt"/>
+              </a:rPr>
+              <a:t>監造</a:t>
+            </a:r>
+            <a:r>
+              <a:rPr lang="zh-TW" altLang="en-US" dirty="0"/>
+              <a:t>廠商派駐工地人員報核</a:t>
+            </a:r>
+            <a:r>
+              <a:rPr lang="zh-TW" altLang="en-US" dirty="0">
+                <a:sym typeface="+mn-lt"/>
+              </a:rPr>
+              <a:t>指派後帶入</a:t>
+            </a:r>
+          </a:p>
+        </p:txBody>
+      </p:sp>
     </p:spTree>
     <p:extLst>
       <p:ext uri="{BB962C8B-B14F-4D97-AF65-F5344CB8AC3E}">
-        <p14:creationId xmlns:p14="http://schemas.microsoft.com/office/powerpoint/2010/main" val="2395425915"/>
+        <p14:creationId xmlns:p14="http://schemas.microsoft.com/office/powerpoint/2010/main" val="1838918140"/>
       </p:ext>
     </p:extLst>
   </p:cSld>
   <p:clrMapOvr>
     <a:masterClrMapping/>
   </p:clrMapOvr>
-  <mc:AlternateContent xmlns:mc="http://schemas.openxmlformats.org/markup-compatibility/2006">
-    <mc:Choice xmlns:p14="http://schemas.microsoft.com/office/powerpoint/2010/main" Requires="p14">
+  <mc:AlternateContent xmlns:mc="http://schemas.openxmlformats.org/markup-compatibility/2006" xmlns:p14="http://schemas.microsoft.com/office/powerpoint/2010/main">
+    <mc:Choice Requires="p14">
       <p:transition spd="slow" p14:dur="2000">
         <p:cut/>
       </p:transition>
     </mc:Choice>
-    <mc:Fallback>
+    <mc:Fallback xmlns="">
       <p:transition spd="slow">
         <p:cut/>
       </p:transition>
@@ -5895,10 +6017,10 @@
       </p:grpSpPr>
       <p:pic>
         <p:nvPicPr>
-          <p:cNvPr id="3" name="圖片 2">
+          <p:cNvPr id="4" name="圖片 3">
             <a:extLst>
               <a:ext uri="{FF2B5EF4-FFF2-40B4-BE49-F238E27FC236}">
-                <a16:creationId xmlns:a16="http://schemas.microsoft.com/office/drawing/2014/main" id="{5379DC35-CF3C-440B-B2FE-56B042DAC982}"/>
+                <a16:creationId xmlns:a16="http://schemas.microsoft.com/office/drawing/2014/main" id="{43D3954F-80C2-474C-84F9-11CC1CF59492}"/>
               </a:ext>
             </a:extLst>
           </p:cNvPr>
@@ -5915,8 +6037,8 @@
         </p:blipFill>
         <p:spPr>
           <a:xfrm>
-            <a:off x="0" y="1760191"/>
-            <a:ext cx="12192000" cy="2027626"/>
+            <a:off x="0" y="1667005"/>
+            <a:ext cx="12192000" cy="2002133"/>
           </a:xfrm>
           <a:prstGeom prst="rect">
             <a:avLst/>
@@ -6016,7 +6138,7 @@
                 <a:cs typeface="+mn-ea"/>
                 <a:sym typeface="+mn-lt"/>
               </a:rPr>
-              <a:t>指派設計單位</a:t>
+              <a:t>指派耐震監督單位</a:t>
             </a:r>
           </a:p>
         </p:txBody>
@@ -6072,7 +6194,7 @@
         </p:nvSpPr>
         <p:spPr>
           <a:xfrm>
-            <a:off x="37577" y="2400141"/>
+            <a:off x="136199" y="2231528"/>
             <a:ext cx="11815851" cy="1184492"/>
           </a:xfrm>
           <a:prstGeom prst="rect">
@@ -6123,8 +6245,8 @@
         </p:nvSpPr>
         <p:spPr>
           <a:xfrm>
-            <a:off x="2280081" y="2377229"/>
-            <a:ext cx="7330853" cy="369332"/>
+            <a:off x="2853988" y="2208616"/>
+            <a:ext cx="6380273" cy="369332"/>
           </a:xfrm>
           <a:prstGeom prst="rect">
             <a:avLst/>
@@ -6153,31 +6275,31 @@
                 <a:cs typeface="+mn-ea"/>
                 <a:sym typeface="+mn-lt"/>
               </a:rPr>
-              <a:t>設計單位聯絡人於預算管理 </a:t>
+              <a:t>耐震單位聯絡人於決標後模組</a:t>
             </a:r>
             <a:r>
               <a:rPr lang="en-US" altLang="zh-TW" dirty="0">
                 <a:cs typeface="+mn-ea"/>
                 <a:sym typeface="+mn-lt"/>
               </a:rPr>
-              <a:t>&gt; </a:t>
+              <a:t>A5.6</a:t>
             </a:r>
             <a:r>
               <a:rPr lang="zh-TW" altLang="en-US" dirty="0">
                 <a:cs typeface="+mn-ea"/>
                 <a:sym typeface="+mn-lt"/>
               </a:rPr>
-              <a:t>標案資料內選擇有設計廠商後指派帶入</a:t>
-            </a:r>
-          </a:p>
-        </p:txBody>
-      </p:sp>
-      <p:sp>
-        <p:nvSpPr>
-          <p:cNvPr id="7" name="矩形 6">
+              <a:t>簽訂契約流程指派後帶入</a:t>
+            </a:r>
+          </a:p>
+        </p:txBody>
+      </p:sp>
+      <p:sp>
+        <p:nvSpPr>
+          <p:cNvPr id="9" name="矩形 8">
             <a:extLst>
               <a:ext uri="{FF2B5EF4-FFF2-40B4-BE49-F238E27FC236}">
-                <a16:creationId xmlns:a16="http://schemas.microsoft.com/office/drawing/2014/main" id="{9787E40A-A77A-414E-8455-E23EF2819480}"/>
+                <a16:creationId xmlns:a16="http://schemas.microsoft.com/office/drawing/2014/main" id="{C48B3DA1-9956-4481-AE38-008D3FF4FF95}"/>
               </a:ext>
             </a:extLst>
           </p:cNvPr>
@@ -6186,8 +6308,8 @@
         </p:nvSpPr>
         <p:spPr>
           <a:xfrm>
-            <a:off x="1277566" y="1854740"/>
-            <a:ext cx="654996" cy="246434"/>
+            <a:off x="4565515" y="1763949"/>
+            <a:ext cx="862519" cy="214461"/>
           </a:xfrm>
           <a:prstGeom prst="rect">
             <a:avLst/>
@@ -6227,20 +6349,20 @@
     </p:spTree>
     <p:extLst>
       <p:ext uri="{BB962C8B-B14F-4D97-AF65-F5344CB8AC3E}">
-        <p14:creationId xmlns:p14="http://schemas.microsoft.com/office/powerpoint/2010/main" val="2009298250"/>
+        <p14:creationId xmlns:p14="http://schemas.microsoft.com/office/powerpoint/2010/main" val="2395425915"/>
       </p:ext>
     </p:extLst>
   </p:cSld>
   <p:clrMapOvr>
     <a:masterClrMapping/>
   </p:clrMapOvr>
-  <mc:AlternateContent xmlns:mc="http://schemas.openxmlformats.org/markup-compatibility/2006">
-    <mc:Choice xmlns:p14="http://schemas.microsoft.com/office/powerpoint/2010/main" Requires="p14">
+  <mc:AlternateContent xmlns:mc="http://schemas.openxmlformats.org/markup-compatibility/2006" xmlns:p14="http://schemas.microsoft.com/office/powerpoint/2010/main">
+    <mc:Choice Requires="p14">
       <p:transition spd="slow" p14:dur="2000">
         <p:cut/>
       </p:transition>
     </mc:Choice>
-    <mc:Fallback>
+    <mc:Fallback xmlns="">
       <p:transition spd="slow">
         <p:cut/>
       </p:transition>
@@ -10635,10 +10757,10 @@
       </p:grpSpPr>
       <p:pic>
         <p:nvPicPr>
-          <p:cNvPr id="23" name="圖片 22">
+          <p:cNvPr id="3" name="圖片 2">
             <a:extLst>
               <a:ext uri="{FF2B5EF4-FFF2-40B4-BE49-F238E27FC236}">
-                <a16:creationId xmlns:a16="http://schemas.microsoft.com/office/drawing/2014/main" id="{31B36BF2-154F-4871-84C5-1B8D5B9AE40D}"/>
+                <a16:creationId xmlns:a16="http://schemas.microsoft.com/office/drawing/2014/main" id="{5379DC35-CF3C-440B-B2FE-56B042DAC982}"/>
               </a:ext>
             </a:extLst>
           </p:cNvPr>
@@ -10655,8 +10777,8 @@
         </p:blipFill>
         <p:spPr>
           <a:xfrm>
-            <a:off x="0" y="1664703"/>
-            <a:ext cx="12192000" cy="2124364"/>
+            <a:off x="0" y="1241383"/>
+            <a:ext cx="12192000" cy="2027626"/>
           </a:xfrm>
           <a:prstGeom prst="rect">
             <a:avLst/>
@@ -10756,7 +10878,7 @@
                 <a:cs typeface="+mn-ea"/>
                 <a:sym typeface="+mn-lt"/>
               </a:rPr>
-              <a:t>指派施工單位</a:t>
+              <a:t>指派設計單位</a:t>
             </a:r>
           </a:p>
         </p:txBody>
@@ -10806,20 +10928,14 @@
       </p:cxnSp>
       <p:sp>
         <p:nvSpPr>
-          <p:cNvPr id="7" name="矩形 6">
-            <a:extLst>
-              <a:ext uri="{FF2B5EF4-FFF2-40B4-BE49-F238E27FC236}">
-                <a16:creationId xmlns:a16="http://schemas.microsoft.com/office/drawing/2014/main" id="{FDC30A9E-7400-4333-87F0-E303222DF6E3}"/>
-              </a:ext>
-            </a:extLst>
-          </p:cNvPr>
+          <p:cNvPr id="10" name="矩形 9"/>
           <p:cNvSpPr/>
           <p:nvPr/>
         </p:nvSpPr>
         <p:spPr>
           <a:xfrm>
-            <a:off x="2023352" y="1791576"/>
-            <a:ext cx="648511" cy="247086"/>
+            <a:off x="37577" y="1881333"/>
+            <a:ext cx="11815851" cy="1184492"/>
           </a:xfrm>
           <a:prstGeom prst="rect">
             <a:avLst/>
@@ -10848,7 +10964,12 @@
           </a:fontRef>
         </p:style>
         <p:txBody>
-          <a:bodyPr rtlCol="0" anchor="ctr"/>
+          <a:bodyPr rot="0" spcFirstLastPara="0" vertOverflow="overflow" horzOverflow="overflow" vert="horz" wrap="square" lIns="91440" tIns="45720" rIns="91440" bIns="45720" numCol="1" spcCol="0" rtlCol="0" fromWordArt="0" anchor="ctr" anchorCtr="0" forceAA="0" compatLnSpc="1">
+            <a:prstTxWarp prst="textNoShape">
+              <a:avLst/>
+            </a:prstTxWarp>
+            <a:noAutofit/>
+          </a:bodyPr>
           <a:lstStyle/>
           <a:p>
             <a:pPr algn="ctr"/>
@@ -10858,20 +10979,14 @@
       </p:sp>
       <p:sp>
         <p:nvSpPr>
-          <p:cNvPr id="27" name="文字方塊 26">
-            <a:extLst>
-              <a:ext uri="{FF2B5EF4-FFF2-40B4-BE49-F238E27FC236}">
-                <a16:creationId xmlns:a16="http://schemas.microsoft.com/office/drawing/2014/main" id="{32C44DE4-2BF3-43CE-9469-9995DE2819E6}"/>
-              </a:ext>
-            </a:extLst>
-          </p:cNvPr>
+          <p:cNvPr id="11" name="文字方塊 10"/>
           <p:cNvSpPr txBox="1"/>
           <p:nvPr/>
         </p:nvSpPr>
         <p:spPr>
           <a:xfrm>
-            <a:off x="2675031" y="1353243"/>
-            <a:ext cx="6841938" cy="369332"/>
+            <a:off x="2280081" y="1858421"/>
+            <a:ext cx="7330853" cy="369332"/>
           </a:xfrm>
           <a:prstGeom prst="rect">
             <a:avLst/>
@@ -10900,6 +11015,717 @@
                 <a:cs typeface="+mn-ea"/>
                 <a:sym typeface="+mn-lt"/>
               </a:rPr>
+              <a:t>設計單位聯絡人於預算管理 </a:t>
+            </a:r>
+            <a:r>
+              <a:rPr lang="en-US" altLang="zh-TW" dirty="0">
+                <a:cs typeface="+mn-ea"/>
+                <a:sym typeface="+mn-lt"/>
+              </a:rPr>
+              <a:t>&gt; </a:t>
+            </a:r>
+            <a:r>
+              <a:rPr lang="zh-TW" altLang="en-US" dirty="0">
+                <a:cs typeface="+mn-ea"/>
+                <a:sym typeface="+mn-lt"/>
+              </a:rPr>
+              <a:t>標案資料內選擇有設計廠商後指派帶入</a:t>
+            </a:r>
+          </a:p>
+        </p:txBody>
+      </p:sp>
+      <p:sp>
+        <p:nvSpPr>
+          <p:cNvPr id="7" name="矩形 6">
+            <a:extLst>
+              <a:ext uri="{FF2B5EF4-FFF2-40B4-BE49-F238E27FC236}">
+                <a16:creationId xmlns:a16="http://schemas.microsoft.com/office/drawing/2014/main" id="{9787E40A-A77A-414E-8455-E23EF2819480}"/>
+              </a:ext>
+            </a:extLst>
+          </p:cNvPr>
+          <p:cNvSpPr/>
+          <p:nvPr/>
+        </p:nvSpPr>
+        <p:spPr>
+          <a:xfrm>
+            <a:off x="1277566" y="1335932"/>
+            <a:ext cx="654996" cy="246434"/>
+          </a:xfrm>
+          <a:prstGeom prst="rect">
+            <a:avLst/>
+          </a:prstGeom>
+          <a:noFill/>
+          <a:ln w="19050">
+            <a:solidFill>
+              <a:srgbClr val="FF0000"/>
+            </a:solidFill>
+          </a:ln>
+        </p:spPr>
+        <p:style>
+          <a:lnRef idx="2">
+            <a:schemeClr val="accent1">
+              <a:shade val="50000"/>
+            </a:schemeClr>
+          </a:lnRef>
+          <a:fillRef idx="1">
+            <a:schemeClr val="accent1"/>
+          </a:fillRef>
+          <a:effectRef idx="0">
+            <a:schemeClr val="accent1"/>
+          </a:effectRef>
+          <a:fontRef idx="minor">
+            <a:schemeClr val="lt1"/>
+          </a:fontRef>
+        </p:style>
+        <p:txBody>
+          <a:bodyPr rtlCol="0" anchor="ctr"/>
+          <a:lstStyle/>
+          <a:p>
+            <a:pPr algn="ctr"/>
+            <a:endParaRPr lang="zh-TW" altLang="en-US"/>
+          </a:p>
+        </p:txBody>
+      </p:sp>
+      <p:pic>
+        <p:nvPicPr>
+          <p:cNvPr id="9" name="圖片 8">
+            <a:extLst>
+              <a:ext uri="{FF2B5EF4-FFF2-40B4-BE49-F238E27FC236}">
+                <a16:creationId xmlns:a16="http://schemas.microsoft.com/office/drawing/2014/main" id="{D497D8AC-8B3E-4552-9111-AA724AEF8C44}"/>
+              </a:ext>
+            </a:extLst>
+          </p:cNvPr>
+          <p:cNvPicPr>
+            <a:picLocks noChangeAspect="1"/>
+          </p:cNvPicPr>
+          <p:nvPr/>
+        </p:nvPicPr>
+        <p:blipFill rotWithShape="1">
+          <a:blip r:embed="rId4"/>
+          <a:srcRect b="33332"/>
+          <a:stretch/>
+        </p:blipFill>
+        <p:spPr>
+          <a:xfrm>
+            <a:off x="5514603" y="3088737"/>
+            <a:ext cx="2140910" cy="3761429"/>
+          </a:xfrm>
+          <a:prstGeom prst="rect">
+            <a:avLst/>
+          </a:prstGeom>
+        </p:spPr>
+      </p:pic>
+      <p:sp>
+        <p:nvSpPr>
+          <p:cNvPr id="12" name="矩形 11">
+            <a:extLst>
+              <a:ext uri="{FF2B5EF4-FFF2-40B4-BE49-F238E27FC236}">
+                <a16:creationId xmlns:a16="http://schemas.microsoft.com/office/drawing/2014/main" id="{2AC4FC5C-CADD-4F58-BE22-0E3BD48F5184}"/>
+              </a:ext>
+            </a:extLst>
+          </p:cNvPr>
+          <p:cNvSpPr/>
+          <p:nvPr/>
+        </p:nvSpPr>
+        <p:spPr>
+          <a:xfrm>
+            <a:off x="6057089" y="4740613"/>
+            <a:ext cx="888460" cy="298315"/>
+          </a:xfrm>
+          <a:prstGeom prst="rect">
+            <a:avLst/>
+          </a:prstGeom>
+          <a:noFill/>
+          <a:ln w="19050">
+            <a:solidFill>
+              <a:srgbClr val="FF0000"/>
+            </a:solidFill>
+          </a:ln>
+        </p:spPr>
+        <p:style>
+          <a:lnRef idx="2">
+            <a:schemeClr val="accent1">
+              <a:shade val="50000"/>
+            </a:schemeClr>
+          </a:lnRef>
+          <a:fillRef idx="1">
+            <a:schemeClr val="accent1"/>
+          </a:fillRef>
+          <a:effectRef idx="0">
+            <a:schemeClr val="accent1"/>
+          </a:effectRef>
+          <a:fontRef idx="minor">
+            <a:schemeClr val="lt1"/>
+          </a:fontRef>
+        </p:style>
+        <p:txBody>
+          <a:bodyPr rtlCol="0" anchor="ctr"/>
+          <a:lstStyle/>
+          <a:p>
+            <a:pPr algn="ctr"/>
+            <a:endParaRPr lang="zh-TW" altLang="en-US"/>
+          </a:p>
+        </p:txBody>
+      </p:sp>
+      <p:sp>
+        <p:nvSpPr>
+          <p:cNvPr id="13" name="矩形 12">
+            <a:extLst>
+              <a:ext uri="{FF2B5EF4-FFF2-40B4-BE49-F238E27FC236}">
+                <a16:creationId xmlns:a16="http://schemas.microsoft.com/office/drawing/2014/main" id="{DC94383A-06ED-47B1-9839-05787507E6D4}"/>
+              </a:ext>
+            </a:extLst>
+          </p:cNvPr>
+          <p:cNvSpPr/>
+          <p:nvPr/>
+        </p:nvSpPr>
+        <p:spPr>
+          <a:xfrm>
+            <a:off x="5447489" y="3429000"/>
+            <a:ext cx="661481" cy="526915"/>
+          </a:xfrm>
+          <a:prstGeom prst="rect">
+            <a:avLst/>
+          </a:prstGeom>
+          <a:noFill/>
+          <a:ln w="19050">
+            <a:solidFill>
+              <a:srgbClr val="FF0000"/>
+            </a:solidFill>
+          </a:ln>
+        </p:spPr>
+        <p:style>
+          <a:lnRef idx="2">
+            <a:schemeClr val="accent1">
+              <a:shade val="50000"/>
+            </a:schemeClr>
+          </a:lnRef>
+          <a:fillRef idx="1">
+            <a:schemeClr val="accent1"/>
+          </a:fillRef>
+          <a:effectRef idx="0">
+            <a:schemeClr val="accent1"/>
+          </a:effectRef>
+          <a:fontRef idx="minor">
+            <a:schemeClr val="lt1"/>
+          </a:fontRef>
+        </p:style>
+        <p:txBody>
+          <a:bodyPr rtlCol="0" anchor="ctr"/>
+          <a:lstStyle/>
+          <a:p>
+            <a:pPr algn="ctr"/>
+            <a:endParaRPr lang="zh-TW" altLang="en-US"/>
+          </a:p>
+        </p:txBody>
+      </p:sp>
+      <p:sp>
+        <p:nvSpPr>
+          <p:cNvPr id="14" name="矩形 13">
+            <a:extLst>
+              <a:ext uri="{FF2B5EF4-FFF2-40B4-BE49-F238E27FC236}">
+                <a16:creationId xmlns:a16="http://schemas.microsoft.com/office/drawing/2014/main" id="{6051A8CE-BF6F-49B9-86E0-AF8A81193C1C}"/>
+              </a:ext>
+            </a:extLst>
+          </p:cNvPr>
+          <p:cNvSpPr/>
+          <p:nvPr/>
+        </p:nvSpPr>
+        <p:spPr>
+          <a:xfrm>
+            <a:off x="4280170" y="1835509"/>
+            <a:ext cx="1031132" cy="369332"/>
+          </a:xfrm>
+          <a:prstGeom prst="rect">
+            <a:avLst/>
+          </a:prstGeom>
+          <a:noFill/>
+          <a:ln w="19050">
+            <a:solidFill>
+              <a:srgbClr val="FF0000"/>
+            </a:solidFill>
+          </a:ln>
+        </p:spPr>
+        <p:style>
+          <a:lnRef idx="2">
+            <a:schemeClr val="accent1">
+              <a:shade val="50000"/>
+            </a:schemeClr>
+          </a:lnRef>
+          <a:fillRef idx="1">
+            <a:schemeClr val="accent1"/>
+          </a:fillRef>
+          <a:effectRef idx="0">
+            <a:schemeClr val="accent1"/>
+          </a:effectRef>
+          <a:fontRef idx="minor">
+            <a:schemeClr val="lt1"/>
+          </a:fontRef>
+        </p:style>
+        <p:txBody>
+          <a:bodyPr rtlCol="0" anchor="ctr"/>
+          <a:lstStyle/>
+          <a:p>
+            <a:pPr algn="ctr"/>
+            <a:endParaRPr lang="zh-TW" altLang="en-US"/>
+          </a:p>
+        </p:txBody>
+      </p:sp>
+      <p:sp>
+        <p:nvSpPr>
+          <p:cNvPr id="15" name="矩形 14">
+            <a:extLst>
+              <a:ext uri="{FF2B5EF4-FFF2-40B4-BE49-F238E27FC236}">
+                <a16:creationId xmlns:a16="http://schemas.microsoft.com/office/drawing/2014/main" id="{F061C63B-85D8-4CF2-86FC-E3B605EC3CFB}"/>
+              </a:ext>
+            </a:extLst>
+          </p:cNvPr>
+          <p:cNvSpPr/>
+          <p:nvPr/>
+        </p:nvSpPr>
+        <p:spPr>
+          <a:xfrm>
+            <a:off x="5447489" y="1835509"/>
+            <a:ext cx="940341" cy="369332"/>
+          </a:xfrm>
+          <a:prstGeom prst="rect">
+            <a:avLst/>
+          </a:prstGeom>
+          <a:noFill/>
+          <a:ln w="19050">
+            <a:solidFill>
+              <a:srgbClr val="FF0000"/>
+            </a:solidFill>
+          </a:ln>
+        </p:spPr>
+        <p:style>
+          <a:lnRef idx="2">
+            <a:schemeClr val="accent1">
+              <a:shade val="50000"/>
+            </a:schemeClr>
+          </a:lnRef>
+          <a:fillRef idx="1">
+            <a:schemeClr val="accent1"/>
+          </a:fillRef>
+          <a:effectRef idx="0">
+            <a:schemeClr val="accent1"/>
+          </a:effectRef>
+          <a:fontRef idx="minor">
+            <a:schemeClr val="lt1"/>
+          </a:fontRef>
+        </p:style>
+        <p:txBody>
+          <a:bodyPr rtlCol="0" anchor="ctr"/>
+          <a:lstStyle/>
+          <a:p>
+            <a:pPr algn="ctr"/>
+            <a:endParaRPr lang="zh-TW" altLang="en-US"/>
+          </a:p>
+        </p:txBody>
+      </p:sp>
+      <p:cxnSp>
+        <p:nvCxnSpPr>
+          <p:cNvPr id="17" name="接點: 肘形 16">
+            <a:extLst>
+              <a:ext uri="{FF2B5EF4-FFF2-40B4-BE49-F238E27FC236}">
+                <a16:creationId xmlns:a16="http://schemas.microsoft.com/office/drawing/2014/main" id="{7B695853-3483-4616-8A4C-78897BB45569}"/>
+              </a:ext>
+            </a:extLst>
+          </p:cNvPr>
+          <p:cNvCxnSpPr>
+            <a:cxnSpLocks/>
+            <a:stCxn id="14" idx="2"/>
+            <a:endCxn id="13" idx="1"/>
+          </p:cNvCxnSpPr>
+          <p:nvPr/>
+        </p:nvCxnSpPr>
+        <p:spPr>
+          <a:xfrm rot="16200000" flipH="1">
+            <a:off x="4377804" y="2622772"/>
+            <a:ext cx="1487617" cy="651753"/>
+          </a:xfrm>
+          <a:prstGeom prst="bentConnector2">
+            <a:avLst/>
+          </a:prstGeom>
+          <a:ln w="12700">
+            <a:solidFill>
+              <a:srgbClr val="FF0000"/>
+            </a:solidFill>
+            <a:tailEnd type="triangle"/>
+          </a:ln>
+        </p:spPr>
+        <p:style>
+          <a:lnRef idx="1">
+            <a:schemeClr val="accent1"/>
+          </a:lnRef>
+          <a:fillRef idx="0">
+            <a:schemeClr val="accent1"/>
+          </a:fillRef>
+          <a:effectRef idx="0">
+            <a:schemeClr val="accent1"/>
+          </a:effectRef>
+          <a:fontRef idx="minor">
+            <a:schemeClr val="tx1"/>
+          </a:fontRef>
+        </p:style>
+      </p:cxnSp>
+      <p:cxnSp>
+        <p:nvCxnSpPr>
+          <p:cNvPr id="19" name="接點: 肘形 18">
+            <a:extLst>
+              <a:ext uri="{FF2B5EF4-FFF2-40B4-BE49-F238E27FC236}">
+                <a16:creationId xmlns:a16="http://schemas.microsoft.com/office/drawing/2014/main" id="{C7CD1C9D-BF46-4179-BEA7-6B1D79465A10}"/>
+              </a:ext>
+            </a:extLst>
+          </p:cNvPr>
+          <p:cNvCxnSpPr>
+            <a:cxnSpLocks/>
+            <a:stCxn id="11" idx="2"/>
+            <a:endCxn id="12" idx="0"/>
+          </p:cNvCxnSpPr>
+          <p:nvPr/>
+        </p:nvCxnSpPr>
+        <p:spPr>
+          <a:xfrm rot="16200000" flipH="1">
+            <a:off x="4966983" y="3206277"/>
+            <a:ext cx="2512860" cy="555811"/>
+          </a:xfrm>
+          <a:prstGeom prst="bentConnector3">
+            <a:avLst>
+              <a:gd name="adj1" fmla="val 17740"/>
+            </a:avLst>
+          </a:prstGeom>
+          <a:ln w="12700">
+            <a:solidFill>
+              <a:srgbClr val="FF0000"/>
+            </a:solidFill>
+            <a:tailEnd type="triangle"/>
+          </a:ln>
+        </p:spPr>
+        <p:style>
+          <a:lnRef idx="1">
+            <a:schemeClr val="accent1"/>
+          </a:lnRef>
+          <a:fillRef idx="0">
+            <a:schemeClr val="accent1"/>
+          </a:fillRef>
+          <a:effectRef idx="0">
+            <a:schemeClr val="accent1"/>
+          </a:effectRef>
+          <a:fontRef idx="minor">
+            <a:schemeClr val="tx1"/>
+          </a:fontRef>
+        </p:style>
+      </p:cxnSp>
+    </p:spTree>
+    <p:extLst>
+      <p:ext uri="{BB962C8B-B14F-4D97-AF65-F5344CB8AC3E}">
+        <p14:creationId xmlns:p14="http://schemas.microsoft.com/office/powerpoint/2010/main" val="2009298250"/>
+      </p:ext>
+    </p:extLst>
+  </p:cSld>
+  <p:clrMapOvr>
+    <a:masterClrMapping/>
+  </p:clrMapOvr>
+  <mc:AlternateContent xmlns:mc="http://schemas.openxmlformats.org/markup-compatibility/2006" xmlns:p14="http://schemas.microsoft.com/office/powerpoint/2010/main">
+    <mc:Choice Requires="p14">
+      <p:transition spd="slow" p14:dur="2000">
+        <p:cut/>
+      </p:transition>
+    </mc:Choice>
+    <mc:Fallback xmlns="">
+      <p:transition spd="slow">
+        <p:cut/>
+      </p:transition>
+    </mc:Fallback>
+  </mc:AlternateContent>
+</p:sld>
+</file>
+
+<file path=ppt/slides/slide8.xml><?xml version="1.0" encoding="utf-8"?>
+<p:sld xmlns:a="http://schemas.openxmlformats.org/drawingml/2006/main" xmlns:r="http://schemas.openxmlformats.org/officeDocument/2006/relationships" xmlns:p="http://schemas.openxmlformats.org/presentationml/2006/main">
+  <p:cSld>
+    <p:spTree>
+      <p:nvGrpSpPr>
+        <p:cNvPr id="1" name=""/>
+        <p:cNvGrpSpPr/>
+        <p:nvPr/>
+      </p:nvGrpSpPr>
+      <p:grpSpPr>
+        <a:xfrm>
+          <a:off x="0" y="0"/>
+          <a:ext cx="0" cy="0"/>
+          <a:chOff x="0" y="0"/>
+          <a:chExt cx="0" cy="0"/>
+        </a:xfrm>
+      </p:grpSpPr>
+      <p:pic>
+        <p:nvPicPr>
+          <p:cNvPr id="23" name="圖片 22">
+            <a:extLst>
+              <a:ext uri="{FF2B5EF4-FFF2-40B4-BE49-F238E27FC236}">
+                <a16:creationId xmlns:a16="http://schemas.microsoft.com/office/drawing/2014/main" id="{31B36BF2-154F-4871-84C5-1B8D5B9AE40D}"/>
+              </a:ext>
+            </a:extLst>
+          </p:cNvPr>
+          <p:cNvPicPr>
+            <a:picLocks noChangeAspect="1"/>
+          </p:cNvPicPr>
+          <p:nvPr/>
+        </p:nvPicPr>
+        <p:blipFill>
+          <a:blip r:embed="rId3"/>
+          <a:stretch>
+            <a:fillRect/>
+          </a:stretch>
+        </p:blipFill>
+        <p:spPr>
+          <a:xfrm>
+            <a:off x="0" y="1664703"/>
+            <a:ext cx="12192000" cy="2124364"/>
+          </a:xfrm>
+          <a:prstGeom prst="rect">
+            <a:avLst/>
+          </a:prstGeom>
+        </p:spPr>
+      </p:pic>
+      <p:sp>
+        <p:nvSpPr>
+          <p:cNvPr id="5" name="矩形 4">
+            <a:extLst>
+              <a:ext uri="{FF2B5EF4-FFF2-40B4-BE49-F238E27FC236}">
+                <a16:creationId xmlns:a16="http://schemas.microsoft.com/office/drawing/2014/main" id="{739D8F48-B55E-49DA-9B62-82A3E38C6C22}"/>
+              </a:ext>
+            </a:extLst>
+          </p:cNvPr>
+          <p:cNvSpPr/>
+          <p:nvPr/>
+        </p:nvSpPr>
+        <p:spPr>
+          <a:xfrm>
+            <a:off x="37577" y="30746"/>
+            <a:ext cx="8558569" cy="665027"/>
+          </a:xfrm>
+          <a:prstGeom prst="rect">
+            <a:avLst/>
+          </a:prstGeom>
+          <a:noFill/>
+          <a:ln>
+            <a:noFill/>
+          </a:ln>
+        </p:spPr>
+        <p:style>
+          <a:lnRef idx="2">
+            <a:schemeClr val="accent1">
+              <a:shade val="50000"/>
+            </a:schemeClr>
+          </a:lnRef>
+          <a:fillRef idx="1">
+            <a:schemeClr val="accent1"/>
+          </a:fillRef>
+          <a:effectRef idx="0">
+            <a:schemeClr val="accent1"/>
+          </a:effectRef>
+          <a:fontRef idx="minor">
+            <a:schemeClr val="lt1"/>
+          </a:fontRef>
+        </p:style>
+        <p:txBody>
+          <a:bodyPr rtlCol="0" anchor="ctr"/>
+          <a:lstStyle/>
+          <a:p>
+            <a:r>
+              <a:rPr lang="zh-TW" altLang="en-US" sz="2800" b="1" dirty="0">
+                <a:solidFill>
+                  <a:srgbClr val="39759D"/>
+                </a:solidFill>
+                <a:cs typeface="+mn-ea"/>
+                <a:sym typeface="+mn-lt"/>
+              </a:rPr>
+              <a:t>履約系統</a:t>
+            </a:r>
+            <a:r>
+              <a:rPr lang="en-US" altLang="zh-TW" sz="2800" b="1" dirty="0">
+                <a:solidFill>
+                  <a:srgbClr val="39759D"/>
+                </a:solidFill>
+                <a:cs typeface="+mn-ea"/>
+                <a:sym typeface="+mn-lt"/>
+              </a:rPr>
+              <a:t>_</a:t>
+            </a:r>
+            <a:r>
+              <a:rPr lang="zh-TW" altLang="en-US" sz="2800" b="1" dirty="0">
+                <a:solidFill>
+                  <a:srgbClr val="39759D"/>
+                </a:solidFill>
+                <a:cs typeface="+mn-ea"/>
+                <a:sym typeface="+mn-lt"/>
+              </a:rPr>
+              <a:t>人事管理</a:t>
+            </a:r>
+            <a:r>
+              <a:rPr lang="en-US" altLang="zh-TW" sz="2800" b="1" dirty="0">
+                <a:solidFill>
+                  <a:srgbClr val="39759D"/>
+                </a:solidFill>
+                <a:cs typeface="+mn-ea"/>
+                <a:sym typeface="+mn-lt"/>
+              </a:rPr>
+              <a:t>_</a:t>
+            </a:r>
+            <a:r>
+              <a:rPr lang="zh-TW" altLang="en-US" sz="2800" b="1" dirty="0">
+                <a:solidFill>
+                  <a:srgbClr val="39759D"/>
+                </a:solidFill>
+                <a:cs typeface="+mn-ea"/>
+                <a:sym typeface="+mn-lt"/>
+              </a:rPr>
+              <a:t>指派施工單位</a:t>
+            </a:r>
+          </a:p>
+        </p:txBody>
+      </p:sp>
+      <p:cxnSp>
+        <p:nvCxnSpPr>
+          <p:cNvPr id="6" name="直線接點 5">
+            <a:extLst>
+              <a:ext uri="{FF2B5EF4-FFF2-40B4-BE49-F238E27FC236}">
+                <a16:creationId xmlns:a16="http://schemas.microsoft.com/office/drawing/2014/main" id="{1CCC58A9-F8FF-419B-A67A-55D2B959D158}"/>
+              </a:ext>
+            </a:extLst>
+          </p:cNvPr>
+          <p:cNvCxnSpPr>
+            <a:cxnSpLocks/>
+          </p:cNvCxnSpPr>
+          <p:nvPr/>
+        </p:nvCxnSpPr>
+        <p:spPr>
+          <a:xfrm>
+            <a:off x="136200" y="695773"/>
+            <a:ext cx="8459946" cy="0"/>
+          </a:xfrm>
+          <a:prstGeom prst="line">
+            <a:avLst/>
+          </a:prstGeom>
+          <a:ln w="76200">
+            <a:solidFill>
+              <a:srgbClr val="39759D"/>
+            </a:solidFill>
+          </a:ln>
+        </p:spPr>
+        <p:style>
+          <a:lnRef idx="1">
+            <a:schemeClr val="accent1"/>
+          </a:lnRef>
+          <a:fillRef idx="0">
+            <a:schemeClr val="accent1"/>
+          </a:fillRef>
+          <a:effectRef idx="0">
+            <a:schemeClr val="accent1"/>
+          </a:effectRef>
+          <a:fontRef idx="minor">
+            <a:schemeClr val="tx1"/>
+          </a:fontRef>
+        </p:style>
+      </p:cxnSp>
+      <p:sp>
+        <p:nvSpPr>
+          <p:cNvPr id="7" name="矩形 6">
+            <a:extLst>
+              <a:ext uri="{FF2B5EF4-FFF2-40B4-BE49-F238E27FC236}">
+                <a16:creationId xmlns:a16="http://schemas.microsoft.com/office/drawing/2014/main" id="{FDC30A9E-7400-4333-87F0-E303222DF6E3}"/>
+              </a:ext>
+            </a:extLst>
+          </p:cNvPr>
+          <p:cNvSpPr/>
+          <p:nvPr/>
+        </p:nvSpPr>
+        <p:spPr>
+          <a:xfrm>
+            <a:off x="2023352" y="1791576"/>
+            <a:ext cx="648511" cy="247086"/>
+          </a:xfrm>
+          <a:prstGeom prst="rect">
+            <a:avLst/>
+          </a:prstGeom>
+          <a:noFill/>
+          <a:ln w="19050">
+            <a:solidFill>
+              <a:srgbClr val="FF0000"/>
+            </a:solidFill>
+          </a:ln>
+        </p:spPr>
+        <p:style>
+          <a:lnRef idx="2">
+            <a:schemeClr val="accent1">
+              <a:shade val="50000"/>
+            </a:schemeClr>
+          </a:lnRef>
+          <a:fillRef idx="1">
+            <a:schemeClr val="accent1"/>
+          </a:fillRef>
+          <a:effectRef idx="0">
+            <a:schemeClr val="accent1"/>
+          </a:effectRef>
+          <a:fontRef idx="minor">
+            <a:schemeClr val="lt1"/>
+          </a:fontRef>
+        </p:style>
+        <p:txBody>
+          <a:bodyPr rtlCol="0" anchor="ctr"/>
+          <a:lstStyle/>
+          <a:p>
+            <a:pPr algn="ctr"/>
+            <a:endParaRPr lang="zh-TW" altLang="en-US"/>
+          </a:p>
+        </p:txBody>
+      </p:sp>
+      <p:sp>
+        <p:nvSpPr>
+          <p:cNvPr id="27" name="文字方塊 26">
+            <a:extLst>
+              <a:ext uri="{FF2B5EF4-FFF2-40B4-BE49-F238E27FC236}">
+                <a16:creationId xmlns:a16="http://schemas.microsoft.com/office/drawing/2014/main" id="{32C44DE4-2BF3-43CE-9469-9995DE2819E6}"/>
+              </a:ext>
+            </a:extLst>
+          </p:cNvPr>
+          <p:cNvSpPr txBox="1"/>
+          <p:nvPr/>
+        </p:nvSpPr>
+        <p:spPr>
+          <a:xfrm>
+            <a:off x="2675031" y="1353243"/>
+            <a:ext cx="6841938" cy="369332"/>
+          </a:xfrm>
+          <a:prstGeom prst="rect">
+            <a:avLst/>
+          </a:prstGeom>
+          <a:solidFill>
+            <a:schemeClr val="accent4">
+              <a:lumMod val="40000"/>
+              <a:lumOff val="60000"/>
+            </a:schemeClr>
+          </a:solidFill>
+          <a:ln>
+            <a:solidFill>
+              <a:srgbClr val="FF0000"/>
+            </a:solidFill>
+          </a:ln>
+        </p:spPr>
+        <p:txBody>
+          <a:bodyPr wrap="none" rtlCol="0">
+            <a:spAutoFit/>
+          </a:bodyPr>
+          <a:lstStyle/>
+          <a:p>
+            <a:pPr algn="ctr"/>
+            <a:r>
+              <a:rPr lang="zh-TW" altLang="en-US" dirty="0">
+                <a:cs typeface="+mn-ea"/>
+                <a:sym typeface="+mn-lt"/>
+              </a:rPr>
               <a:t>專業管理單位連絡人於決標後模組</a:t>
             </a:r>
             <a:r>
@@ -10929,13 +11755,13 @@
   <p:clrMapOvr>
     <a:masterClrMapping/>
   </p:clrMapOvr>
-  <mc:AlternateContent xmlns:mc="http://schemas.openxmlformats.org/markup-compatibility/2006">
-    <mc:Choice xmlns:p14="http://schemas.microsoft.com/office/powerpoint/2010/main" Requires="p14">
+  <mc:AlternateContent xmlns:mc="http://schemas.openxmlformats.org/markup-compatibility/2006" xmlns:p14="http://schemas.microsoft.com/office/powerpoint/2010/main">
+    <mc:Choice Requires="p14">
       <p:transition spd="slow" p14:dur="2000">
         <p:cut/>
       </p:transition>
     </mc:Choice>
-    <mc:Fallback>
+    <mc:Fallback xmlns="">
       <p:transition spd="slow">
         <p:cut/>
       </p:transition>
@@ -10944,7 +11770,7 @@
 </p:sld>
 </file>
 
-<file path=ppt/slides/slide8.xml><?xml version="1.0" encoding="utf-8"?>
+<file path=ppt/slides/slide9.xml><?xml version="1.0" encoding="utf-8"?>
 <p:sld xmlns:a="http://schemas.openxmlformats.org/drawingml/2006/main" xmlns:r="http://schemas.openxmlformats.org/officeDocument/2006/relationships" xmlns:p="http://schemas.openxmlformats.org/presentationml/2006/main">
   <p:cSld>
     <p:spTree>
@@ -11550,508 +12376,13 @@
   <p:clrMapOvr>
     <a:masterClrMapping/>
   </p:clrMapOvr>
-  <mc:AlternateContent xmlns:mc="http://schemas.openxmlformats.org/markup-compatibility/2006">
-    <mc:Choice xmlns:p14="http://schemas.microsoft.com/office/powerpoint/2010/main" Requires="p14">
+  <mc:AlternateContent xmlns:mc="http://schemas.openxmlformats.org/markup-compatibility/2006" xmlns:p14="http://schemas.microsoft.com/office/powerpoint/2010/main">
+    <mc:Choice Requires="p14">
       <p:transition spd="slow" p14:dur="2000">
         <p:cut/>
       </p:transition>
     </mc:Choice>
-    <mc:Fallback>
-      <p:transition spd="slow">
-        <p:cut/>
-      </p:transition>
-    </mc:Fallback>
-  </mc:AlternateContent>
-</p:sld>
-</file>
-
-<file path=ppt/slides/slide9.xml><?xml version="1.0" encoding="utf-8"?>
-<p:sld xmlns:a="http://schemas.openxmlformats.org/drawingml/2006/main" xmlns:r="http://schemas.openxmlformats.org/officeDocument/2006/relationships" xmlns:p="http://schemas.openxmlformats.org/presentationml/2006/main">
-  <p:cSld>
-    <p:spTree>
-      <p:nvGrpSpPr>
-        <p:cNvPr id="1" name=""/>
-        <p:cNvGrpSpPr/>
-        <p:nvPr/>
-      </p:nvGrpSpPr>
-      <p:grpSpPr>
-        <a:xfrm>
-          <a:off x="0" y="0"/>
-          <a:ext cx="0" cy="0"/>
-          <a:chOff x="0" y="0"/>
-          <a:chExt cx="0" cy="0"/>
-        </a:xfrm>
-      </p:grpSpPr>
-      <p:pic>
-        <p:nvPicPr>
-          <p:cNvPr id="3" name="圖片 2">
-            <a:extLst>
-              <a:ext uri="{FF2B5EF4-FFF2-40B4-BE49-F238E27FC236}">
-                <a16:creationId xmlns:a16="http://schemas.microsoft.com/office/drawing/2014/main" id="{D9DDD0A3-9A2D-4633-A047-C1C4942F1763}"/>
-              </a:ext>
-            </a:extLst>
-          </p:cNvPr>
-          <p:cNvPicPr>
-            <a:picLocks noChangeAspect="1"/>
-          </p:cNvPicPr>
-          <p:nvPr/>
-        </p:nvPicPr>
-        <p:blipFill>
-          <a:blip r:embed="rId3"/>
-          <a:stretch>
-            <a:fillRect/>
-          </a:stretch>
-        </p:blipFill>
-        <p:spPr>
-          <a:xfrm>
-            <a:off x="37577" y="834948"/>
-            <a:ext cx="12192000" cy="3182131"/>
-          </a:xfrm>
-          <a:prstGeom prst="rect">
-            <a:avLst/>
-          </a:prstGeom>
-        </p:spPr>
-      </p:pic>
-      <p:sp>
-        <p:nvSpPr>
-          <p:cNvPr id="5" name="矩形 4">
-            <a:extLst>
-              <a:ext uri="{FF2B5EF4-FFF2-40B4-BE49-F238E27FC236}">
-                <a16:creationId xmlns:a16="http://schemas.microsoft.com/office/drawing/2014/main" id="{739D8F48-B55E-49DA-9B62-82A3E38C6C22}"/>
-              </a:ext>
-            </a:extLst>
-          </p:cNvPr>
-          <p:cNvSpPr/>
-          <p:nvPr/>
-        </p:nvSpPr>
-        <p:spPr>
-          <a:xfrm>
-            <a:off x="37577" y="30746"/>
-            <a:ext cx="8558569" cy="665027"/>
-          </a:xfrm>
-          <a:prstGeom prst="rect">
-            <a:avLst/>
-          </a:prstGeom>
-          <a:noFill/>
-          <a:ln>
-            <a:noFill/>
-          </a:ln>
-        </p:spPr>
-        <p:style>
-          <a:lnRef idx="2">
-            <a:schemeClr val="accent1">
-              <a:shade val="50000"/>
-            </a:schemeClr>
-          </a:lnRef>
-          <a:fillRef idx="1">
-            <a:schemeClr val="accent1"/>
-          </a:fillRef>
-          <a:effectRef idx="0">
-            <a:schemeClr val="accent1"/>
-          </a:effectRef>
-          <a:fontRef idx="minor">
-            <a:schemeClr val="lt1"/>
-          </a:fontRef>
-        </p:style>
-        <p:txBody>
-          <a:bodyPr rtlCol="0" anchor="ctr"/>
-          <a:lstStyle/>
-          <a:p>
-            <a:r>
-              <a:rPr lang="zh-TW" altLang="en-US" sz="2800" b="1" dirty="0">
-                <a:solidFill>
-                  <a:srgbClr val="39759D"/>
-                </a:solidFill>
-                <a:cs typeface="+mn-ea"/>
-                <a:sym typeface="+mn-lt"/>
-              </a:rPr>
-              <a:t>履約系統</a:t>
-            </a:r>
-            <a:r>
-              <a:rPr lang="en-US" altLang="zh-TW" sz="2800" b="1" dirty="0">
-                <a:solidFill>
-                  <a:srgbClr val="39759D"/>
-                </a:solidFill>
-                <a:cs typeface="+mn-ea"/>
-                <a:sym typeface="+mn-lt"/>
-              </a:rPr>
-              <a:t>_</a:t>
-            </a:r>
-            <a:r>
-              <a:rPr lang="zh-TW" altLang="en-US" sz="2800" b="1" dirty="0">
-                <a:solidFill>
-                  <a:srgbClr val="39759D"/>
-                </a:solidFill>
-                <a:cs typeface="+mn-ea"/>
-                <a:sym typeface="+mn-lt"/>
-              </a:rPr>
-              <a:t>人事管理</a:t>
-            </a:r>
-            <a:r>
-              <a:rPr lang="en-US" altLang="zh-TW" sz="2800" b="1" dirty="0">
-                <a:solidFill>
-                  <a:srgbClr val="39759D"/>
-                </a:solidFill>
-                <a:cs typeface="+mn-ea"/>
-                <a:sym typeface="+mn-lt"/>
-              </a:rPr>
-              <a:t>_</a:t>
-            </a:r>
-            <a:r>
-              <a:rPr lang="zh-TW" altLang="en-US" sz="2800" b="1" dirty="0">
-                <a:solidFill>
-                  <a:srgbClr val="39759D"/>
-                </a:solidFill>
-                <a:cs typeface="+mn-ea"/>
-                <a:sym typeface="+mn-lt"/>
-              </a:rPr>
-              <a:t>指派監造單位</a:t>
-            </a:r>
-          </a:p>
-        </p:txBody>
-      </p:sp>
-      <p:cxnSp>
-        <p:nvCxnSpPr>
-          <p:cNvPr id="6" name="直線接點 5">
-            <a:extLst>
-              <a:ext uri="{FF2B5EF4-FFF2-40B4-BE49-F238E27FC236}">
-                <a16:creationId xmlns:a16="http://schemas.microsoft.com/office/drawing/2014/main" id="{1CCC58A9-F8FF-419B-A67A-55D2B959D158}"/>
-              </a:ext>
-            </a:extLst>
-          </p:cNvPr>
-          <p:cNvCxnSpPr>
-            <a:cxnSpLocks/>
-          </p:cNvCxnSpPr>
-          <p:nvPr/>
-        </p:nvCxnSpPr>
-        <p:spPr>
-          <a:xfrm>
-            <a:off x="136200" y="695773"/>
-            <a:ext cx="8459946" cy="0"/>
-          </a:xfrm>
-          <a:prstGeom prst="line">
-            <a:avLst/>
-          </a:prstGeom>
-          <a:ln w="76200">
-            <a:solidFill>
-              <a:srgbClr val="39759D"/>
-            </a:solidFill>
-          </a:ln>
-        </p:spPr>
-        <p:style>
-          <a:lnRef idx="1">
-            <a:schemeClr val="accent1"/>
-          </a:lnRef>
-          <a:fillRef idx="0">
-            <a:schemeClr val="accent1"/>
-          </a:fillRef>
-          <a:effectRef idx="0">
-            <a:schemeClr val="accent1"/>
-          </a:effectRef>
-          <a:fontRef idx="minor">
-            <a:schemeClr val="tx1"/>
-          </a:fontRef>
-        </p:style>
-      </p:cxnSp>
-      <p:sp>
-        <p:nvSpPr>
-          <p:cNvPr id="10" name="矩形 9"/>
-          <p:cNvSpPr/>
-          <p:nvPr/>
-        </p:nvSpPr>
-        <p:spPr>
-          <a:xfrm>
-            <a:off x="136199" y="1297673"/>
-            <a:ext cx="11815851" cy="1184492"/>
-          </a:xfrm>
-          <a:prstGeom prst="rect">
-            <a:avLst/>
-          </a:prstGeom>
-          <a:noFill/>
-          <a:ln w="19050">
-            <a:solidFill>
-              <a:srgbClr val="FF0000"/>
-            </a:solidFill>
-          </a:ln>
-        </p:spPr>
-        <p:style>
-          <a:lnRef idx="2">
-            <a:schemeClr val="accent1">
-              <a:shade val="50000"/>
-            </a:schemeClr>
-          </a:lnRef>
-          <a:fillRef idx="1">
-            <a:schemeClr val="accent1"/>
-          </a:fillRef>
-          <a:effectRef idx="0">
-            <a:schemeClr val="accent1"/>
-          </a:effectRef>
-          <a:fontRef idx="minor">
-            <a:schemeClr val="lt1"/>
-          </a:fontRef>
-        </p:style>
-        <p:txBody>
-          <a:bodyPr rot="0" spcFirstLastPara="0" vertOverflow="overflow" horzOverflow="overflow" vert="horz" wrap="square" lIns="91440" tIns="45720" rIns="91440" bIns="45720" numCol="1" spcCol="0" rtlCol="0" fromWordArt="0" anchor="ctr" anchorCtr="0" forceAA="0" compatLnSpc="1">
-            <a:prstTxWarp prst="textNoShape">
-              <a:avLst/>
-            </a:prstTxWarp>
-            <a:noAutofit/>
-          </a:bodyPr>
-          <a:lstStyle/>
-          <a:p>
-            <a:pPr algn="ctr"/>
-            <a:endParaRPr lang="zh-TW" altLang="en-US"/>
-          </a:p>
-        </p:txBody>
-      </p:sp>
-      <p:sp>
-        <p:nvSpPr>
-          <p:cNvPr id="11" name="文字方塊 10"/>
-          <p:cNvSpPr txBox="1"/>
-          <p:nvPr/>
-        </p:nvSpPr>
-        <p:spPr>
-          <a:xfrm>
-            <a:off x="3431068" y="1274761"/>
-            <a:ext cx="5226111" cy="369332"/>
-          </a:xfrm>
-          <a:prstGeom prst="rect">
-            <a:avLst/>
-          </a:prstGeom>
-          <a:solidFill>
-            <a:schemeClr val="accent4">
-              <a:lumMod val="40000"/>
-              <a:lumOff val="60000"/>
-            </a:schemeClr>
-          </a:solidFill>
-          <a:ln>
-            <a:solidFill>
-              <a:srgbClr val="FF0000"/>
-            </a:solidFill>
-          </a:ln>
-        </p:spPr>
-        <p:txBody>
-          <a:bodyPr wrap="none" rtlCol="0">
-            <a:spAutoFit/>
-          </a:bodyPr>
-          <a:lstStyle/>
-          <a:p>
-            <a:pPr algn="ctr"/>
-            <a:r>
-              <a:rPr lang="zh-TW" altLang="en-US" dirty="0">
-                <a:cs typeface="+mn-ea"/>
-                <a:sym typeface="+mn-lt"/>
-              </a:rPr>
-              <a:t>聯絡人於決標後模組</a:t>
-            </a:r>
-            <a:r>
-              <a:rPr lang="en-US" altLang="zh-TW" dirty="0">
-                <a:cs typeface="+mn-ea"/>
-                <a:sym typeface="+mn-lt"/>
-              </a:rPr>
-              <a:t>A5.6</a:t>
-            </a:r>
-            <a:r>
-              <a:rPr lang="zh-TW" altLang="en-US" dirty="0">
-                <a:cs typeface="+mn-ea"/>
-                <a:sym typeface="+mn-lt"/>
-              </a:rPr>
-              <a:t>簽訂契約流程指派後帶入</a:t>
-            </a:r>
-          </a:p>
-        </p:txBody>
-      </p:sp>
-      <p:sp>
-        <p:nvSpPr>
-          <p:cNvPr id="7" name="矩形 6">
-            <a:extLst>
-              <a:ext uri="{FF2B5EF4-FFF2-40B4-BE49-F238E27FC236}">
-                <a16:creationId xmlns:a16="http://schemas.microsoft.com/office/drawing/2014/main" id="{FDC30A9E-7400-4333-87F0-E303222DF6E3}"/>
-              </a:ext>
-            </a:extLst>
-          </p:cNvPr>
-          <p:cNvSpPr/>
-          <p:nvPr/>
-        </p:nvSpPr>
-        <p:spPr>
-          <a:xfrm>
-            <a:off x="3668350" y="983869"/>
-            <a:ext cx="648511" cy="247086"/>
-          </a:xfrm>
-          <a:prstGeom prst="rect">
-            <a:avLst/>
-          </a:prstGeom>
-          <a:noFill/>
-          <a:ln w="19050">
-            <a:solidFill>
-              <a:srgbClr val="FF0000"/>
-            </a:solidFill>
-          </a:ln>
-        </p:spPr>
-        <p:style>
-          <a:lnRef idx="2">
-            <a:schemeClr val="accent1">
-              <a:shade val="50000"/>
-            </a:schemeClr>
-          </a:lnRef>
-          <a:fillRef idx="1">
-            <a:schemeClr val="accent1"/>
-          </a:fillRef>
-          <a:effectRef idx="0">
-            <a:schemeClr val="accent1"/>
-          </a:effectRef>
-          <a:fontRef idx="minor">
-            <a:schemeClr val="lt1"/>
-          </a:fontRef>
-        </p:style>
-        <p:txBody>
-          <a:bodyPr rtlCol="0" anchor="ctr"/>
-          <a:lstStyle/>
-          <a:p>
-            <a:pPr algn="ctr"/>
-            <a:endParaRPr lang="zh-TW" altLang="en-US"/>
-          </a:p>
-        </p:txBody>
-      </p:sp>
-      <p:sp>
-        <p:nvSpPr>
-          <p:cNvPr id="8" name="矩形 7">
-            <a:extLst>
-              <a:ext uri="{FF2B5EF4-FFF2-40B4-BE49-F238E27FC236}">
-                <a16:creationId xmlns:a16="http://schemas.microsoft.com/office/drawing/2014/main" id="{D0541FD3-83D1-4EAC-B233-09B9CD292AE6}"/>
-              </a:ext>
-            </a:extLst>
-          </p:cNvPr>
-          <p:cNvSpPr/>
-          <p:nvPr/>
-        </p:nvSpPr>
-        <p:spPr>
-          <a:xfrm>
-            <a:off x="136199" y="2592413"/>
-            <a:ext cx="11815851" cy="1369987"/>
-          </a:xfrm>
-          <a:prstGeom prst="rect">
-            <a:avLst/>
-          </a:prstGeom>
-          <a:noFill/>
-          <a:ln w="19050">
-            <a:solidFill>
-              <a:srgbClr val="FF0000"/>
-            </a:solidFill>
-          </a:ln>
-        </p:spPr>
-        <p:style>
-          <a:lnRef idx="2">
-            <a:schemeClr val="accent1">
-              <a:shade val="50000"/>
-            </a:schemeClr>
-          </a:lnRef>
-          <a:fillRef idx="1">
-            <a:schemeClr val="accent1"/>
-          </a:fillRef>
-          <a:effectRef idx="0">
-            <a:schemeClr val="accent1"/>
-          </a:effectRef>
-          <a:fontRef idx="minor">
-            <a:schemeClr val="lt1"/>
-          </a:fontRef>
-        </p:style>
-        <p:txBody>
-          <a:bodyPr rtlCol="0" anchor="ctr"/>
-          <a:lstStyle/>
-          <a:p>
-            <a:pPr algn="ctr"/>
-            <a:endParaRPr lang="zh-TW" altLang="en-US"/>
-          </a:p>
-        </p:txBody>
-      </p:sp>
-      <p:sp>
-        <p:nvSpPr>
-          <p:cNvPr id="14" name="文字方塊 13">
-            <a:extLst>
-              <a:ext uri="{FF2B5EF4-FFF2-40B4-BE49-F238E27FC236}">
-                <a16:creationId xmlns:a16="http://schemas.microsoft.com/office/drawing/2014/main" id="{B327AD42-B354-4A24-AD4F-A16B05C96A0F}"/>
-              </a:ext>
-            </a:extLst>
-          </p:cNvPr>
-          <p:cNvSpPr txBox="1"/>
-          <p:nvPr/>
-        </p:nvSpPr>
-        <p:spPr>
-          <a:xfrm>
-            <a:off x="2571939" y="2584296"/>
-            <a:ext cx="7064756" cy="369332"/>
-          </a:xfrm>
-          <a:prstGeom prst="rect">
-            <a:avLst/>
-          </a:prstGeom>
-          <a:solidFill>
-            <a:schemeClr val="accent4">
-              <a:lumMod val="40000"/>
-              <a:lumOff val="60000"/>
-            </a:schemeClr>
-          </a:solidFill>
-          <a:ln>
-            <a:solidFill>
-              <a:srgbClr val="FF0000"/>
-            </a:solidFill>
-          </a:ln>
-        </p:spPr>
-        <p:txBody>
-          <a:bodyPr wrap="none" rtlCol="0">
-            <a:spAutoFit/>
-          </a:bodyPr>
-          <a:lstStyle/>
-          <a:p>
-            <a:pPr algn="ctr"/>
-            <a:r>
-              <a:rPr lang="zh-TW" altLang="en-US" dirty="0">
-                <a:sym typeface="+mn-lt"/>
-              </a:rPr>
-              <a:t>組織人員於開工前模組</a:t>
-            </a:r>
-            <a:r>
-              <a:rPr lang="en-US" altLang="zh-TW" dirty="0">
-                <a:sym typeface="+mn-lt"/>
-              </a:rPr>
-              <a:t>B1.4</a:t>
-            </a:r>
-            <a:r>
-              <a:rPr lang="zh-TW" altLang="en-US" dirty="0">
-                <a:sym typeface="+mn-lt"/>
-              </a:rPr>
-              <a:t>監造</a:t>
-            </a:r>
-            <a:r>
-              <a:rPr lang="zh-TW" altLang="en-US" dirty="0"/>
-              <a:t>廠商派駐工地人員報核</a:t>
-            </a:r>
-            <a:r>
-              <a:rPr lang="zh-TW" altLang="en-US" dirty="0">
-                <a:sym typeface="+mn-lt"/>
-              </a:rPr>
-              <a:t>指派後帶入</a:t>
-            </a:r>
-          </a:p>
-        </p:txBody>
-      </p:sp>
-    </p:spTree>
-    <p:extLst>
-      <p:ext uri="{BB962C8B-B14F-4D97-AF65-F5344CB8AC3E}">
-        <p14:creationId xmlns:p14="http://schemas.microsoft.com/office/powerpoint/2010/main" val="1838918140"/>
-      </p:ext>
-    </p:extLst>
-  </p:cSld>
-  <p:clrMapOvr>
-    <a:masterClrMapping/>
-  </p:clrMapOvr>
-  <mc:AlternateContent xmlns:mc="http://schemas.openxmlformats.org/markup-compatibility/2006">
-    <mc:Choice xmlns:p14="http://schemas.microsoft.com/office/powerpoint/2010/main" Requires="p14">
-      <p:transition spd="slow" p14:dur="2000">
-        <p:cut/>
-      </p:transition>
-    </mc:Choice>
-    <mc:Fallback>
+    <mc:Fallback xmlns="">
       <p:transition spd="slow">
         <p:cut/>
       </p:transition>
